--- a/1- Underestanding Database/Untitled presentation.pptx
+++ b/1- Underestanding Database/Untitled presentation.pptx
@@ -1,37 +1,38 @@
 
 <file path=ppt/presentation.xml><?xml version="1.0" encoding="utf-8"?>
-<p:presentation xmlns:a="http://schemas.openxmlformats.org/drawingml/2006/main" xmlns:r="http://schemas.openxmlformats.org/officeDocument/2006/relationships" xmlns:mc="http://schemas.openxmlformats.org/markup-compatibility/2006" xmlns:mv="urn:schemas-microsoft-com:mac:vml" xmlns:p="http://schemas.openxmlformats.org/presentationml/2006/main" xmlns:c="http://schemas.openxmlformats.org/drawingml/2006/chart" xmlns:dgm="http://schemas.openxmlformats.org/drawingml/2006/diagram" xmlns:o="urn:schemas-microsoft-com:office:office" xmlns:v="urn:schemas-microsoft-com:vml" xmlns:pvml="urn:schemas-microsoft-com:office:powerpoint" xmlns:com="http://schemas.openxmlformats.org/drawingml/2006/compatibility" xmlns:p14="http://schemas.microsoft.com/office/powerpoint/2010/main" xmlns:p15="http://schemas.microsoft.com/office/powerpoint/2012/main" autoCompressPictures="0" embedTrueTypeFonts="1" strictFirstAndLastChars="0" saveSubsetFonts="1">
+<p:presentation xmlns:a="http://schemas.openxmlformats.org/drawingml/2006/main" xmlns:r="http://schemas.openxmlformats.org/officeDocument/2006/relationships" xmlns:p="http://schemas.openxmlformats.org/presentationml/2006/main" strictFirstAndLastChars="0" embedTrueTypeFonts="1" saveSubsetFonts="1" autoCompressPictures="0">
   <p:sldMasterIdLst>
-    <p:sldMasterId id="2147483659" r:id="rId4"/>
+    <p:sldMasterId id="2147483659" r:id="rId1"/>
   </p:sldMasterIdLst>
   <p:notesMasterIdLst>
-    <p:notesMasterId r:id="rId5"/>
+    <p:notesMasterId r:id="rId11"/>
   </p:notesMasterIdLst>
   <p:sldIdLst>
-    <p:sldId id="256" r:id="rId6"/>
-    <p:sldId id="257" r:id="rId7"/>
-    <p:sldId id="258" r:id="rId8"/>
-    <p:sldId id="259" r:id="rId9"/>
-    <p:sldId id="260" r:id="rId10"/>
-    <p:sldId id="261" r:id="rId11"/>
-    <p:sldId id="262" r:id="rId12"/>
-    <p:sldId id="263" r:id="rId13"/>
+    <p:sldId id="256" r:id="rId2"/>
+    <p:sldId id="257" r:id="rId3"/>
+    <p:sldId id="258" r:id="rId4"/>
+    <p:sldId id="264" r:id="rId5"/>
+    <p:sldId id="259" r:id="rId6"/>
+    <p:sldId id="260" r:id="rId7"/>
+    <p:sldId id="261" r:id="rId8"/>
+    <p:sldId id="262" r:id="rId9"/>
+    <p:sldId id="263" r:id="rId10"/>
   </p:sldIdLst>
-  <p:sldSz cy="5143500" cx="9144000"/>
+  <p:sldSz cx="9144000" cy="5143500" type="screen16x9"/>
   <p:notesSz cx="6858000" cy="9144000"/>
   <p:embeddedFontLst>
     <p:embeddedFont>
-      <p:font typeface="Average"/>
-      <p:regular r:id="rId14"/>
+      <p:font typeface="Average" panose="020B0604020202020204" charset="0"/>
+      <p:regular r:id="rId12"/>
     </p:embeddedFont>
     <p:embeddedFont>
-      <p:font typeface="Oswald"/>
-      <p:regular r:id="rId15"/>
-      <p:bold r:id="rId16"/>
+      <p:font typeface="Oswald" panose="020B0604020202020204" charset="0"/>
+      <p:regular r:id="rId13"/>
+      <p:bold r:id="rId14"/>
     </p:embeddedFont>
   </p:embeddedFontLst>
   <p:defaultTextStyle>
-    <a:defPPr lvl="0" marR="0" rtl="0" algn="l">
+    <a:defPPr marR="0" lvl="0" algn="l" rtl="0">
       <a:lnSpc>
         <a:spcPct val="100000"/>
       </a:lnSpc>
@@ -42,7 +43,7 @@
         <a:spcPts val="0"/>
       </a:spcAft>
     </a:defPPr>
-    <a:lvl1pPr lvl="0" marR="0" rtl="0" algn="l">
+    <a:lvl1pPr marR="0" lvl="0" algn="l" rtl="0">
       <a:lnSpc>
         <a:spcPct val="100000"/>
       </a:lnSpc>
@@ -56,7 +57,7 @@
         <a:srgbClr val="000000"/>
       </a:buClr>
       <a:buFont typeface="Arial"/>
-      <a:defRPr b="0" i="0" sz="1400" u="none" cap="none" strike="noStrike">
+      <a:defRPr sz="1400" b="0" i="0" u="none" strike="noStrike" cap="none">
         <a:solidFill>
           <a:srgbClr val="000000"/>
         </a:solidFill>
@@ -66,7 +67,7 @@
         <a:sym typeface="Arial"/>
       </a:defRPr>
     </a:lvl1pPr>
-    <a:lvl2pPr lvl="1" marR="0" rtl="0" algn="l">
+    <a:lvl2pPr marR="0" lvl="1" algn="l" rtl="0">
       <a:lnSpc>
         <a:spcPct val="100000"/>
       </a:lnSpc>
@@ -80,7 +81,7 @@
         <a:srgbClr val="000000"/>
       </a:buClr>
       <a:buFont typeface="Arial"/>
-      <a:defRPr b="0" i="0" sz="1400" u="none" cap="none" strike="noStrike">
+      <a:defRPr sz="1400" b="0" i="0" u="none" strike="noStrike" cap="none">
         <a:solidFill>
           <a:srgbClr val="000000"/>
         </a:solidFill>
@@ -90,7 +91,7 @@
         <a:sym typeface="Arial"/>
       </a:defRPr>
     </a:lvl2pPr>
-    <a:lvl3pPr lvl="2" marR="0" rtl="0" algn="l">
+    <a:lvl3pPr marR="0" lvl="2" algn="l" rtl="0">
       <a:lnSpc>
         <a:spcPct val="100000"/>
       </a:lnSpc>
@@ -104,7 +105,7 @@
         <a:srgbClr val="000000"/>
       </a:buClr>
       <a:buFont typeface="Arial"/>
-      <a:defRPr b="0" i="0" sz="1400" u="none" cap="none" strike="noStrike">
+      <a:defRPr sz="1400" b="0" i="0" u="none" strike="noStrike" cap="none">
         <a:solidFill>
           <a:srgbClr val="000000"/>
         </a:solidFill>
@@ -114,7 +115,7 @@
         <a:sym typeface="Arial"/>
       </a:defRPr>
     </a:lvl3pPr>
-    <a:lvl4pPr lvl="3" marR="0" rtl="0" algn="l">
+    <a:lvl4pPr marR="0" lvl="3" algn="l" rtl="0">
       <a:lnSpc>
         <a:spcPct val="100000"/>
       </a:lnSpc>
@@ -128,7 +129,7 @@
         <a:srgbClr val="000000"/>
       </a:buClr>
       <a:buFont typeface="Arial"/>
-      <a:defRPr b="0" i="0" sz="1400" u="none" cap="none" strike="noStrike">
+      <a:defRPr sz="1400" b="0" i="0" u="none" strike="noStrike" cap="none">
         <a:solidFill>
           <a:srgbClr val="000000"/>
         </a:solidFill>
@@ -138,7 +139,7 @@
         <a:sym typeface="Arial"/>
       </a:defRPr>
     </a:lvl4pPr>
-    <a:lvl5pPr lvl="4" marR="0" rtl="0" algn="l">
+    <a:lvl5pPr marR="0" lvl="4" algn="l" rtl="0">
       <a:lnSpc>
         <a:spcPct val="100000"/>
       </a:lnSpc>
@@ -152,7 +153,7 @@
         <a:srgbClr val="000000"/>
       </a:buClr>
       <a:buFont typeface="Arial"/>
-      <a:defRPr b="0" i="0" sz="1400" u="none" cap="none" strike="noStrike">
+      <a:defRPr sz="1400" b="0" i="0" u="none" strike="noStrike" cap="none">
         <a:solidFill>
           <a:srgbClr val="000000"/>
         </a:solidFill>
@@ -162,7 +163,7 @@
         <a:sym typeface="Arial"/>
       </a:defRPr>
     </a:lvl5pPr>
-    <a:lvl6pPr lvl="5" marR="0" rtl="0" algn="l">
+    <a:lvl6pPr marR="0" lvl="5" algn="l" rtl="0">
       <a:lnSpc>
         <a:spcPct val="100000"/>
       </a:lnSpc>
@@ -176,7 +177,7 @@
         <a:srgbClr val="000000"/>
       </a:buClr>
       <a:buFont typeface="Arial"/>
-      <a:defRPr b="0" i="0" sz="1400" u="none" cap="none" strike="noStrike">
+      <a:defRPr sz="1400" b="0" i="0" u="none" strike="noStrike" cap="none">
         <a:solidFill>
           <a:srgbClr val="000000"/>
         </a:solidFill>
@@ -186,7 +187,7 @@
         <a:sym typeface="Arial"/>
       </a:defRPr>
     </a:lvl6pPr>
-    <a:lvl7pPr lvl="6" marR="0" rtl="0" algn="l">
+    <a:lvl7pPr marR="0" lvl="6" algn="l" rtl="0">
       <a:lnSpc>
         <a:spcPct val="100000"/>
       </a:lnSpc>
@@ -200,7 +201,7 @@
         <a:srgbClr val="000000"/>
       </a:buClr>
       <a:buFont typeface="Arial"/>
-      <a:defRPr b="0" i="0" sz="1400" u="none" cap="none" strike="noStrike">
+      <a:defRPr sz="1400" b="0" i="0" u="none" strike="noStrike" cap="none">
         <a:solidFill>
           <a:srgbClr val="000000"/>
         </a:solidFill>
@@ -210,7 +211,7 @@
         <a:sym typeface="Arial"/>
       </a:defRPr>
     </a:lvl7pPr>
-    <a:lvl8pPr lvl="7" marR="0" rtl="0" algn="l">
+    <a:lvl8pPr marR="0" lvl="7" algn="l" rtl="0">
       <a:lnSpc>
         <a:spcPct val="100000"/>
       </a:lnSpc>
@@ -224,7 +225,7 @@
         <a:srgbClr val="000000"/>
       </a:buClr>
       <a:buFont typeface="Arial"/>
-      <a:defRPr b="0" i="0" sz="1400" u="none" cap="none" strike="noStrike">
+      <a:defRPr sz="1400" b="0" i="0" u="none" strike="noStrike" cap="none">
         <a:solidFill>
           <a:srgbClr val="000000"/>
         </a:solidFill>
@@ -234,7 +235,7 @@
         <a:sym typeface="Arial"/>
       </a:defRPr>
     </a:lvl8pPr>
-    <a:lvl9pPr lvl="8" marR="0" rtl="0" algn="l">
+    <a:lvl9pPr marR="0" lvl="8" algn="l" rtl="0">
       <a:lnSpc>
         <a:spcPct val="100000"/>
       </a:lnSpc>
@@ -248,7 +249,7 @@
         <a:srgbClr val="000000"/>
       </a:buClr>
       <a:buFont typeface="Arial"/>
-      <a:defRPr b="0" i="0" sz="1400" u="none" cap="none" strike="noStrike">
+      <a:defRPr sz="1400" b="0" i="0" u="none" strike="noStrike" cap="none">
         <a:solidFill>
           <a:srgbClr val="000000"/>
         </a:solidFill>
@@ -261,7 +262,7 @@
   </p:defaultTextStyle>
   <p:extLst>
     <p:ext uri="{EFAFB233-063F-42B5-8137-9DF3F51BA10A}">
-      <p15:sldGuideLst>
+      <p15:sldGuideLst xmlns:p15="http://schemas.microsoft.com/office/powerpoint/2012/main">
         <p15:guide id="1" orient="horz" pos="1620">
           <p15:clr>
             <a:srgbClr val="A4A3A4"/>
@@ -279,11 +280,16 @@
 </file>
 
 <file path=ppt/notesMasters/notesMaster1.xml><?xml version="1.0" encoding="utf-8"?>
-<p:notesMaster xmlns:a="http://schemas.openxmlformats.org/drawingml/2006/main" xmlns:r="http://schemas.openxmlformats.org/officeDocument/2006/relationships" xmlns:mc="http://schemas.openxmlformats.org/markup-compatibility/2006" xmlns:mv="urn:schemas-microsoft-com:mac:vml" xmlns:p="http://schemas.openxmlformats.org/presentationml/2006/main" xmlns:c="http://schemas.openxmlformats.org/drawingml/2006/chart" xmlns:dgm="http://schemas.openxmlformats.org/drawingml/2006/diagram" xmlns:o="urn:schemas-microsoft-com:office:office" xmlns:v="urn:schemas-microsoft-com:vml" xmlns:pvml="urn:schemas-microsoft-com:office:powerpoint" xmlns:com="http://schemas.openxmlformats.org/drawingml/2006/compatibility" xmlns:p14="http://schemas.microsoft.com/office/powerpoint/2010/main" xmlns:p15="http://schemas.microsoft.com/office/powerpoint/2012/main">
+<p:notesMaster xmlns:a="http://schemas.openxmlformats.org/drawingml/2006/main" xmlns:r="http://schemas.openxmlformats.org/officeDocument/2006/relationships" xmlns:p="http://schemas.openxmlformats.org/presentationml/2006/main">
   <p:cSld>
+    <p:bg>
+      <p:bgRef idx="1001">
+        <a:schemeClr val="bg1"/>
+      </p:bgRef>
+    </p:bg>
     <p:spTree>
       <p:nvGrpSpPr>
-        <p:cNvPr id="2" name="Shape 2"/>
+        <p:cNvPr id="1" name="Shape 2"/>
         <p:cNvGrpSpPr/>
         <p:nvPr/>
       </p:nvGrpSpPr>
@@ -298,9 +304,11 @@
       <p:sp>
         <p:nvSpPr>
           <p:cNvPr id="3" name="Google Shape;3;n"/>
-          <p:cNvSpPr/>
+          <p:cNvSpPr>
+            <a:spLocks noGrp="1" noRot="1" noChangeAspect="1"/>
+          </p:cNvSpPr>
           <p:nvPr>
-            <p:ph idx="2" type="sldImg"/>
+            <p:ph type="sldImg" idx="2"/>
           </p:nvPr>
         </p:nvSpPr>
         <p:spPr>
@@ -309,9 +317,13 @@
             <a:ext cx="6096075" cy="3429000"/>
           </a:xfrm>
           <a:custGeom>
-            <a:rect b="b" l="l" r="r" t="t"/>
+            <a:avLst/>
+            <a:gdLst/>
+            <a:ahLst/>
+            <a:cxnLst/>
+            <a:rect l="l" t="t" r="r" b="b"/>
             <a:pathLst>
-              <a:path extrusionOk="0" h="120000" w="120000">
+              <a:path w="120000" h="120000" extrusionOk="0">
                 <a:moveTo>
                   <a:pt x="0" y="0"/>
                 </a:moveTo>
@@ -329,23 +341,25 @@
             </a:pathLst>
           </a:custGeom>
           <a:noFill/>
-          <a:ln cap="flat" cmpd="sng" w="9525">
+          <a:ln w="9525" cap="flat" cmpd="sng">
             <a:solidFill>
               <a:srgbClr val="000000"/>
             </a:solidFill>
             <a:prstDash val="solid"/>
             <a:round/>
-            <a:headEnd len="sm" w="sm" type="none"/>
-            <a:tailEnd len="sm" w="sm" type="none"/>
+            <a:headEnd type="none" w="sm" len="sm"/>
+            <a:tailEnd type="none" w="sm" len="sm"/>
           </a:ln>
         </p:spPr>
       </p:sp>
       <p:sp>
         <p:nvSpPr>
           <p:cNvPr id="4" name="Google Shape;4;n"/>
-          <p:cNvSpPr txBox="1"/>
+          <p:cNvSpPr txBox="1">
+            <a:spLocks noGrp="1"/>
+          </p:cNvSpPr>
           <p:nvPr>
-            <p:ph idx="1" type="body"/>
+            <p:ph type="body" idx="1"/>
           </p:nvPr>
         </p:nvSpPr>
         <p:spPr>
@@ -362,11 +376,11 @@
           </a:ln>
         </p:spPr>
         <p:txBody>
-          <a:bodyPr anchorCtr="0" anchor="t" bIns="91425" lIns="91425" spcFirstLastPara="1" rIns="91425" wrap="square" tIns="91425">
+          <a:bodyPr spcFirstLastPara="1" wrap="square" lIns="91425" tIns="91425" rIns="91425" bIns="91425" anchor="t" anchorCtr="0">
             <a:noAutofit/>
           </a:bodyPr>
           <a:lstStyle>
-            <a:lvl1pPr indent="-298450" lvl="0" marL="457200">
+            <a:lvl1pPr marL="457200" lvl="0" indent="-298450">
               <a:spcBef>
                 <a:spcPts val="0"/>
               </a:spcBef>
@@ -377,7 +391,7 @@
               <a:buChar char="●"/>
               <a:defRPr sz="1100"/>
             </a:lvl1pPr>
-            <a:lvl2pPr indent="-298450" lvl="1" marL="914400">
+            <a:lvl2pPr marL="914400" lvl="1" indent="-298450">
               <a:spcBef>
                 <a:spcPts val="0"/>
               </a:spcBef>
@@ -388,7 +402,7 @@
               <a:buChar char="○"/>
               <a:defRPr sz="1100"/>
             </a:lvl2pPr>
-            <a:lvl3pPr indent="-298450" lvl="2" marL="1371600">
+            <a:lvl3pPr marL="1371600" lvl="2" indent="-298450">
               <a:spcBef>
                 <a:spcPts val="0"/>
               </a:spcBef>
@@ -399,7 +413,7 @@
               <a:buChar char="■"/>
               <a:defRPr sz="1100"/>
             </a:lvl3pPr>
-            <a:lvl4pPr indent="-298450" lvl="3" marL="1828800">
+            <a:lvl4pPr marL="1828800" lvl="3" indent="-298450">
               <a:spcBef>
                 <a:spcPts val="0"/>
               </a:spcBef>
@@ -410,7 +424,7 @@
               <a:buChar char="●"/>
               <a:defRPr sz="1100"/>
             </a:lvl4pPr>
-            <a:lvl5pPr indent="-298450" lvl="4" marL="2286000">
+            <a:lvl5pPr marL="2286000" lvl="4" indent="-298450">
               <a:spcBef>
                 <a:spcPts val="0"/>
               </a:spcBef>
@@ -421,7 +435,7 @@
               <a:buChar char="○"/>
               <a:defRPr sz="1100"/>
             </a:lvl5pPr>
-            <a:lvl6pPr indent="-298450" lvl="5" marL="2743200">
+            <a:lvl6pPr marL="2743200" lvl="5" indent="-298450">
               <a:spcBef>
                 <a:spcPts val="0"/>
               </a:spcBef>
@@ -432,7 +446,7 @@
               <a:buChar char="■"/>
               <a:defRPr sz="1100"/>
             </a:lvl6pPr>
-            <a:lvl7pPr indent="-298450" lvl="6" marL="3200400">
+            <a:lvl7pPr marL="3200400" lvl="6" indent="-298450">
               <a:spcBef>
                 <a:spcPts val="0"/>
               </a:spcBef>
@@ -443,7 +457,7 @@
               <a:buChar char="●"/>
               <a:defRPr sz="1100"/>
             </a:lvl7pPr>
-            <a:lvl8pPr indent="-298450" lvl="7" marL="3657600">
+            <a:lvl8pPr marL="3657600" lvl="7" indent="-298450">
               <a:spcBef>
                 <a:spcPts val="0"/>
               </a:spcBef>
@@ -454,7 +468,7 @@
               <a:buChar char="○"/>
               <a:defRPr sz="1100"/>
             </a:lvl8pPr>
-            <a:lvl9pPr indent="-298450" lvl="8" marL="4114800">
+            <a:lvl9pPr marL="4114800" lvl="8" indent="-298450">
               <a:spcBef>
                 <a:spcPts val="0"/>
               </a:spcBef>
@@ -466,14 +480,16 @@
               <a:defRPr sz="1100"/>
             </a:lvl9pPr>
           </a:lstStyle>
-          <a:p/>
+          <a:p>
+            <a:endParaRPr/>
+          </a:p>
         </p:txBody>
       </p:sp>
     </p:spTree>
   </p:cSld>
-  <p:clrMap accent1="accent1" accent2="accent2" accent3="accent3" accent4="accent4" accent5="accent5" accent6="accent6" bg1="lt1" bg2="dk2" tx1="dk1" tx2="lt2" folHlink="folHlink" hlink="hlink"/>
+  <p:clrMap bg1="lt1" tx1="dk1" bg2="dk2" tx2="lt2" accent1="accent1" accent2="accent2" accent3="accent3" accent4="accent4" accent5="accent5" accent6="accent6" hlink="hlink" folHlink="folHlink"/>
   <p:notesStyle>
-    <a:defPPr lvl="0" marR="0" rtl="0" algn="l">
+    <a:defPPr marR="0" lvl="0" algn="l" rtl="0">
       <a:lnSpc>
         <a:spcPct val="100000"/>
       </a:lnSpc>
@@ -484,7 +500,7 @@
         <a:spcPts val="0"/>
       </a:spcAft>
     </a:defPPr>
-    <a:lvl1pPr lvl="0" marR="0" rtl="0" algn="l">
+    <a:lvl1pPr marR="0" lvl="0" algn="l" rtl="0">
       <a:lnSpc>
         <a:spcPct val="100000"/>
       </a:lnSpc>
@@ -498,7 +514,7 @@
         <a:srgbClr val="000000"/>
       </a:buClr>
       <a:buFont typeface="Arial"/>
-      <a:defRPr b="0" i="0" sz="1400" u="none" cap="none" strike="noStrike">
+      <a:defRPr sz="1400" b="0" i="0" u="none" strike="noStrike" cap="none">
         <a:solidFill>
           <a:srgbClr val="000000"/>
         </a:solidFill>
@@ -508,7 +524,7 @@
         <a:sym typeface="Arial"/>
       </a:defRPr>
     </a:lvl1pPr>
-    <a:lvl2pPr lvl="1" marR="0" rtl="0" algn="l">
+    <a:lvl2pPr marR="0" lvl="1" algn="l" rtl="0">
       <a:lnSpc>
         <a:spcPct val="100000"/>
       </a:lnSpc>
@@ -522,7 +538,7 @@
         <a:srgbClr val="000000"/>
       </a:buClr>
       <a:buFont typeface="Arial"/>
-      <a:defRPr b="0" i="0" sz="1400" u="none" cap="none" strike="noStrike">
+      <a:defRPr sz="1400" b="0" i="0" u="none" strike="noStrike" cap="none">
         <a:solidFill>
           <a:srgbClr val="000000"/>
         </a:solidFill>
@@ -532,7 +548,7 @@
         <a:sym typeface="Arial"/>
       </a:defRPr>
     </a:lvl2pPr>
-    <a:lvl3pPr lvl="2" marR="0" rtl="0" algn="l">
+    <a:lvl3pPr marR="0" lvl="2" algn="l" rtl="0">
       <a:lnSpc>
         <a:spcPct val="100000"/>
       </a:lnSpc>
@@ -546,7 +562,7 @@
         <a:srgbClr val="000000"/>
       </a:buClr>
       <a:buFont typeface="Arial"/>
-      <a:defRPr b="0" i="0" sz="1400" u="none" cap="none" strike="noStrike">
+      <a:defRPr sz="1400" b="0" i="0" u="none" strike="noStrike" cap="none">
         <a:solidFill>
           <a:srgbClr val="000000"/>
         </a:solidFill>
@@ -556,7 +572,7 @@
         <a:sym typeface="Arial"/>
       </a:defRPr>
     </a:lvl3pPr>
-    <a:lvl4pPr lvl="3" marR="0" rtl="0" algn="l">
+    <a:lvl4pPr marR="0" lvl="3" algn="l" rtl="0">
       <a:lnSpc>
         <a:spcPct val="100000"/>
       </a:lnSpc>
@@ -570,7 +586,7 @@
         <a:srgbClr val="000000"/>
       </a:buClr>
       <a:buFont typeface="Arial"/>
-      <a:defRPr b="0" i="0" sz="1400" u="none" cap="none" strike="noStrike">
+      <a:defRPr sz="1400" b="0" i="0" u="none" strike="noStrike" cap="none">
         <a:solidFill>
           <a:srgbClr val="000000"/>
         </a:solidFill>
@@ -580,7 +596,7 @@
         <a:sym typeface="Arial"/>
       </a:defRPr>
     </a:lvl4pPr>
-    <a:lvl5pPr lvl="4" marR="0" rtl="0" algn="l">
+    <a:lvl5pPr marR="0" lvl="4" algn="l" rtl="0">
       <a:lnSpc>
         <a:spcPct val="100000"/>
       </a:lnSpc>
@@ -594,7 +610,7 @@
         <a:srgbClr val="000000"/>
       </a:buClr>
       <a:buFont typeface="Arial"/>
-      <a:defRPr b="0" i="0" sz="1400" u="none" cap="none" strike="noStrike">
+      <a:defRPr sz="1400" b="0" i="0" u="none" strike="noStrike" cap="none">
         <a:solidFill>
           <a:srgbClr val="000000"/>
         </a:solidFill>
@@ -604,7 +620,7 @@
         <a:sym typeface="Arial"/>
       </a:defRPr>
     </a:lvl5pPr>
-    <a:lvl6pPr lvl="5" marR="0" rtl="0" algn="l">
+    <a:lvl6pPr marR="0" lvl="5" algn="l" rtl="0">
       <a:lnSpc>
         <a:spcPct val="100000"/>
       </a:lnSpc>
@@ -618,7 +634,7 @@
         <a:srgbClr val="000000"/>
       </a:buClr>
       <a:buFont typeface="Arial"/>
-      <a:defRPr b="0" i="0" sz="1400" u="none" cap="none" strike="noStrike">
+      <a:defRPr sz="1400" b="0" i="0" u="none" strike="noStrike" cap="none">
         <a:solidFill>
           <a:srgbClr val="000000"/>
         </a:solidFill>
@@ -628,7 +644,7 @@
         <a:sym typeface="Arial"/>
       </a:defRPr>
     </a:lvl6pPr>
-    <a:lvl7pPr lvl="6" marR="0" rtl="0" algn="l">
+    <a:lvl7pPr marR="0" lvl="6" algn="l" rtl="0">
       <a:lnSpc>
         <a:spcPct val="100000"/>
       </a:lnSpc>
@@ -642,7 +658,7 @@
         <a:srgbClr val="000000"/>
       </a:buClr>
       <a:buFont typeface="Arial"/>
-      <a:defRPr b="0" i="0" sz="1400" u="none" cap="none" strike="noStrike">
+      <a:defRPr sz="1400" b="0" i="0" u="none" strike="noStrike" cap="none">
         <a:solidFill>
           <a:srgbClr val="000000"/>
         </a:solidFill>
@@ -652,7 +668,7 @@
         <a:sym typeface="Arial"/>
       </a:defRPr>
     </a:lvl7pPr>
-    <a:lvl8pPr lvl="7" marR="0" rtl="0" algn="l">
+    <a:lvl8pPr marR="0" lvl="7" algn="l" rtl="0">
       <a:lnSpc>
         <a:spcPct val="100000"/>
       </a:lnSpc>
@@ -666,7 +682,7 @@
         <a:srgbClr val="000000"/>
       </a:buClr>
       <a:buFont typeface="Arial"/>
-      <a:defRPr b="0" i="0" sz="1400" u="none" cap="none" strike="noStrike">
+      <a:defRPr sz="1400" b="0" i="0" u="none" strike="noStrike" cap="none">
         <a:solidFill>
           <a:srgbClr val="000000"/>
         </a:solidFill>
@@ -676,7 +692,7 @@
         <a:sym typeface="Arial"/>
       </a:defRPr>
     </a:lvl8pPr>
-    <a:lvl9pPr lvl="8" marR="0" rtl="0" algn="l">
+    <a:lvl9pPr marR="0" lvl="8" algn="l" rtl="0">
       <a:lnSpc>
         <a:spcPct val="100000"/>
       </a:lnSpc>
@@ -690,7 +706,7 @@
         <a:srgbClr val="000000"/>
       </a:buClr>
       <a:buFont typeface="Arial"/>
-      <a:defRPr b="0" i="0" sz="1400" u="none" cap="none" strike="noStrike">
+      <a:defRPr sz="1400" b="0" i="0" u="none" strike="noStrike" cap="none">
         <a:solidFill>
           <a:srgbClr val="000000"/>
         </a:solidFill>
@@ -705,11 +721,11 @@
 </file>
 
 <file path=ppt/notesSlides/notesSlide1.xml><?xml version="1.0" encoding="utf-8"?>
-<p:notes xmlns:a="http://schemas.openxmlformats.org/drawingml/2006/main" xmlns:r="http://schemas.openxmlformats.org/officeDocument/2006/relationships" xmlns:mc="http://schemas.openxmlformats.org/markup-compatibility/2006" xmlns:mv="urn:schemas-microsoft-com:mac:vml" xmlns:p="http://schemas.openxmlformats.org/presentationml/2006/main" xmlns:c="http://schemas.openxmlformats.org/drawingml/2006/chart" xmlns:dgm="http://schemas.openxmlformats.org/drawingml/2006/diagram" xmlns:o="urn:schemas-microsoft-com:office:office" xmlns:v="urn:schemas-microsoft-com:vml" xmlns:pvml="urn:schemas-microsoft-com:office:powerpoint" xmlns:com="http://schemas.openxmlformats.org/drawingml/2006/compatibility" xmlns:p14="http://schemas.microsoft.com/office/powerpoint/2010/main" xmlns:p15="http://schemas.microsoft.com/office/powerpoint/2012/main" showMasterPhAnim="0" showMasterSp="0">
+<p:notes xmlns:a="http://schemas.openxmlformats.org/drawingml/2006/main" xmlns:r="http://schemas.openxmlformats.org/officeDocument/2006/relationships" xmlns:p="http://schemas.openxmlformats.org/presentationml/2006/main" showMasterSp="0" showMasterPhAnim="0">
   <p:cSld>
     <p:spTree>
       <p:nvGrpSpPr>
-        <p:cNvPr id="55" name="Shape 55"/>
+        <p:cNvPr id="1" name="Shape 55"/>
         <p:cNvGrpSpPr/>
         <p:nvPr/>
       </p:nvGrpSpPr>
@@ -724,9 +740,11 @@
       <p:sp>
         <p:nvSpPr>
           <p:cNvPr id="56" name="Google Shape;56;p:notes"/>
-          <p:cNvSpPr/>
+          <p:cNvSpPr>
+            <a:spLocks noGrp="1" noRot="1" noChangeAspect="1"/>
+          </p:cNvSpPr>
           <p:nvPr>
-            <p:ph idx="2" type="sldImg"/>
+            <p:ph type="sldImg" idx="2"/>
           </p:nvPr>
         </p:nvSpPr>
         <p:spPr>
@@ -735,9 +753,13 @@
             <a:ext cx="6096075" cy="3429000"/>
           </a:xfrm>
           <a:custGeom>
-            <a:rect b="b" l="l" r="r" t="t"/>
+            <a:avLst/>
+            <a:gdLst/>
+            <a:ahLst/>
+            <a:cxnLst/>
+            <a:rect l="l" t="t" r="r" b="b"/>
             <a:pathLst>
-              <a:path extrusionOk="0" h="120000" w="120000">
+              <a:path w="120000" h="120000" extrusionOk="0">
                 <a:moveTo>
                   <a:pt x="0" y="0"/>
                 </a:moveTo>
@@ -759,9 +781,11 @@
       <p:sp>
         <p:nvSpPr>
           <p:cNvPr id="57" name="Google Shape;57;p:notes"/>
-          <p:cNvSpPr txBox="1"/>
+          <p:cNvSpPr txBox="1">
+            <a:spLocks noGrp="1"/>
+          </p:cNvSpPr>
           <p:nvPr>
-            <p:ph idx="1" type="body"/>
+            <p:ph type="body" idx="1"/>
           </p:nvPr>
         </p:nvSpPr>
         <p:spPr>
@@ -774,12 +798,12 @@
           </a:prstGeom>
         </p:spPr>
         <p:txBody>
-          <a:bodyPr anchorCtr="0" anchor="t" bIns="91425" lIns="91425" spcFirstLastPara="1" rIns="91425" wrap="square" tIns="91425">
+          <a:bodyPr spcFirstLastPara="1" wrap="square" lIns="91425" tIns="91425" rIns="91425" bIns="91425" anchor="t" anchorCtr="0">
             <a:noAutofit/>
           </a:bodyPr>
           <a:lstStyle/>
           <a:p>
-            <a:pPr indent="0" lvl="0" marL="0" rtl="0" algn="l">
+            <a:pPr marL="0" lvl="0" indent="0" algn="l" rtl="0">
               <a:spcBef>
                 <a:spcPts val="0"/>
               </a:spcBef>
@@ -788,9 +812,6 @@
               </a:spcAft>
               <a:buNone/>
             </a:pPr>
-            <a:r>
-              <a:t/>
-            </a:r>
             <a:endParaRPr/>
           </a:p>
         </p:txBody>
@@ -804,11 +825,11 @@
 </file>
 
 <file path=ppt/notesSlides/notesSlide2.xml><?xml version="1.0" encoding="utf-8"?>
-<p:notes xmlns:a="http://schemas.openxmlformats.org/drawingml/2006/main" xmlns:r="http://schemas.openxmlformats.org/officeDocument/2006/relationships" xmlns:mc="http://schemas.openxmlformats.org/markup-compatibility/2006" xmlns:mv="urn:schemas-microsoft-com:mac:vml" xmlns:p="http://schemas.openxmlformats.org/presentationml/2006/main" xmlns:c="http://schemas.openxmlformats.org/drawingml/2006/chart" xmlns:dgm="http://schemas.openxmlformats.org/drawingml/2006/diagram" xmlns:o="urn:schemas-microsoft-com:office:office" xmlns:v="urn:schemas-microsoft-com:vml" xmlns:pvml="urn:schemas-microsoft-com:office:powerpoint" xmlns:com="http://schemas.openxmlformats.org/drawingml/2006/compatibility" xmlns:p14="http://schemas.microsoft.com/office/powerpoint/2010/main" xmlns:p15="http://schemas.microsoft.com/office/powerpoint/2012/main" showMasterPhAnim="0" showMasterSp="0">
+<p:notes xmlns:a="http://schemas.openxmlformats.org/drawingml/2006/main" xmlns:r="http://schemas.openxmlformats.org/officeDocument/2006/relationships" xmlns:p="http://schemas.openxmlformats.org/presentationml/2006/main" showMasterSp="0" showMasterPhAnim="0">
   <p:cSld>
     <p:spTree>
       <p:nvGrpSpPr>
-        <p:cNvPr id="61" name="Shape 61"/>
+        <p:cNvPr id="1" name="Shape 61"/>
         <p:cNvGrpSpPr/>
         <p:nvPr/>
       </p:nvGrpSpPr>
@@ -823,20 +844,26 @@
       <p:sp>
         <p:nvSpPr>
           <p:cNvPr id="62" name="Google Shape;62;g75b3584bc2_0_2:notes"/>
-          <p:cNvSpPr/>
+          <p:cNvSpPr>
+            <a:spLocks noGrp="1" noRot="1" noChangeAspect="1"/>
+          </p:cNvSpPr>
           <p:nvPr>
-            <p:ph idx="2" type="sldImg"/>
+            <p:ph type="sldImg" idx="2"/>
           </p:nvPr>
         </p:nvSpPr>
         <p:spPr>
           <a:xfrm>
-            <a:off x="381300" y="685800"/>
+            <a:off x="381000" y="685800"/>
             <a:ext cx="6096000" cy="3429000"/>
           </a:xfrm>
           <a:custGeom>
-            <a:rect b="b" l="l" r="r" t="t"/>
+            <a:avLst/>
+            <a:gdLst/>
+            <a:ahLst/>
+            <a:cxnLst/>
+            <a:rect l="l" t="t" r="r" b="b"/>
             <a:pathLst>
-              <a:path extrusionOk="0" h="120000" w="120000">
+              <a:path w="120000" h="120000" extrusionOk="0">
                 <a:moveTo>
                   <a:pt x="0" y="0"/>
                 </a:moveTo>
@@ -858,9 +885,11 @@
       <p:sp>
         <p:nvSpPr>
           <p:cNvPr id="63" name="Google Shape;63;g75b3584bc2_0_2:notes"/>
-          <p:cNvSpPr txBox="1"/>
+          <p:cNvSpPr txBox="1">
+            <a:spLocks noGrp="1"/>
+          </p:cNvSpPr>
           <p:nvPr>
-            <p:ph idx="1" type="body"/>
+            <p:ph type="body" idx="1"/>
           </p:nvPr>
         </p:nvSpPr>
         <p:spPr>
@@ -873,12 +902,12 @@
           </a:prstGeom>
         </p:spPr>
         <p:txBody>
-          <a:bodyPr anchorCtr="0" anchor="t" bIns="91425" lIns="91425" spcFirstLastPara="1" rIns="91425" wrap="square" tIns="91425">
+          <a:bodyPr spcFirstLastPara="1" wrap="square" lIns="91425" tIns="91425" rIns="91425" bIns="91425" anchor="t" anchorCtr="0">
             <a:noAutofit/>
           </a:bodyPr>
           <a:lstStyle/>
           <a:p>
-            <a:pPr indent="0" lvl="0" marL="0" rtl="0" algn="l">
+            <a:pPr marL="0" lvl="0" indent="0" algn="l" rtl="0">
               <a:spcBef>
                 <a:spcPts val="0"/>
               </a:spcBef>
@@ -887,9 +916,6 @@
               </a:spcAft>
               <a:buNone/>
             </a:pPr>
-            <a:r>
-              <a:t/>
-            </a:r>
             <a:endParaRPr/>
           </a:p>
         </p:txBody>
@@ -903,11 +929,11 @@
 </file>
 
 <file path=ppt/notesSlides/notesSlide3.xml><?xml version="1.0" encoding="utf-8"?>
-<p:notes xmlns:a="http://schemas.openxmlformats.org/drawingml/2006/main" xmlns:r="http://schemas.openxmlformats.org/officeDocument/2006/relationships" xmlns:mc="http://schemas.openxmlformats.org/markup-compatibility/2006" xmlns:mv="urn:schemas-microsoft-com:mac:vml" xmlns:p="http://schemas.openxmlformats.org/presentationml/2006/main" xmlns:c="http://schemas.openxmlformats.org/drawingml/2006/chart" xmlns:dgm="http://schemas.openxmlformats.org/drawingml/2006/diagram" xmlns:o="urn:schemas-microsoft-com:office:office" xmlns:v="urn:schemas-microsoft-com:vml" xmlns:pvml="urn:schemas-microsoft-com:office:powerpoint" xmlns:com="http://schemas.openxmlformats.org/drawingml/2006/compatibility" xmlns:p14="http://schemas.microsoft.com/office/powerpoint/2010/main" xmlns:p15="http://schemas.microsoft.com/office/powerpoint/2012/main" showMasterPhAnim="0" showMasterSp="0">
+<p:notes xmlns:a="http://schemas.openxmlformats.org/drawingml/2006/main" xmlns:r="http://schemas.openxmlformats.org/officeDocument/2006/relationships" xmlns:p="http://schemas.openxmlformats.org/presentationml/2006/main" showMasterSp="0" showMasterPhAnim="0">
   <p:cSld>
     <p:spTree>
       <p:nvGrpSpPr>
-        <p:cNvPr id="67" name="Shape 67"/>
+        <p:cNvPr id="1" name="Shape 67"/>
         <p:cNvGrpSpPr/>
         <p:nvPr/>
       </p:nvGrpSpPr>
@@ -922,20 +948,26 @@
       <p:sp>
         <p:nvSpPr>
           <p:cNvPr id="68" name="Google Shape;68;g6ba96d769b_0_449:notes"/>
-          <p:cNvSpPr/>
+          <p:cNvSpPr>
+            <a:spLocks noGrp="1" noRot="1" noChangeAspect="1"/>
+          </p:cNvSpPr>
           <p:nvPr>
-            <p:ph idx="2" type="sldImg"/>
+            <p:ph type="sldImg" idx="2"/>
           </p:nvPr>
         </p:nvSpPr>
         <p:spPr>
           <a:xfrm>
-            <a:off x="381300" y="685800"/>
+            <a:off x="381000" y="685800"/>
             <a:ext cx="6096000" cy="3429000"/>
           </a:xfrm>
           <a:custGeom>
-            <a:rect b="b" l="l" r="r" t="t"/>
+            <a:avLst/>
+            <a:gdLst/>
+            <a:ahLst/>
+            <a:cxnLst/>
+            <a:rect l="l" t="t" r="r" b="b"/>
             <a:pathLst>
-              <a:path extrusionOk="0" h="120000" w="120000">
+              <a:path w="120000" h="120000" extrusionOk="0">
                 <a:moveTo>
                   <a:pt x="0" y="0"/>
                 </a:moveTo>
@@ -957,9 +989,11 @@
       <p:sp>
         <p:nvSpPr>
           <p:cNvPr id="69" name="Google Shape;69;g6ba96d769b_0_449:notes"/>
-          <p:cNvSpPr txBox="1"/>
+          <p:cNvSpPr txBox="1">
+            <a:spLocks noGrp="1"/>
+          </p:cNvSpPr>
           <p:nvPr>
-            <p:ph idx="1" type="body"/>
+            <p:ph type="body" idx="1"/>
           </p:nvPr>
         </p:nvSpPr>
         <p:spPr>
@@ -972,12 +1006,12 @@
           </a:prstGeom>
         </p:spPr>
         <p:txBody>
-          <a:bodyPr anchorCtr="0" anchor="t" bIns="91425" lIns="91425" spcFirstLastPara="1" rIns="91425" wrap="square" tIns="91425">
+          <a:bodyPr spcFirstLastPara="1" wrap="square" lIns="91425" tIns="91425" rIns="91425" bIns="91425" anchor="t" anchorCtr="0">
             <a:noAutofit/>
           </a:bodyPr>
           <a:lstStyle/>
           <a:p>
-            <a:pPr indent="0" lvl="0" marL="0" rtl="0" algn="l">
+            <a:pPr marL="0" lvl="0" indent="0" algn="l" rtl="0">
               <a:spcBef>
                 <a:spcPts val="0"/>
               </a:spcBef>
@@ -986,9 +1020,6 @@
               </a:spcAft>
               <a:buNone/>
             </a:pPr>
-            <a:r>
-              <a:t/>
-            </a:r>
             <a:endParaRPr/>
           </a:p>
         </p:txBody>
@@ -1002,11 +1033,145 @@
 </file>
 
 <file path=ppt/notesSlides/notesSlide4.xml><?xml version="1.0" encoding="utf-8"?>
-<p:notes xmlns:a="http://schemas.openxmlformats.org/drawingml/2006/main" xmlns:r="http://schemas.openxmlformats.org/officeDocument/2006/relationships" xmlns:mc="http://schemas.openxmlformats.org/markup-compatibility/2006" xmlns:mv="urn:schemas-microsoft-com:mac:vml" xmlns:p="http://schemas.openxmlformats.org/presentationml/2006/main" xmlns:c="http://schemas.openxmlformats.org/drawingml/2006/chart" xmlns:dgm="http://schemas.openxmlformats.org/drawingml/2006/diagram" xmlns:o="urn:schemas-microsoft-com:office:office" xmlns:v="urn:schemas-microsoft-com:vml" xmlns:pvml="urn:schemas-microsoft-com:office:powerpoint" xmlns:com="http://schemas.openxmlformats.org/drawingml/2006/compatibility" xmlns:p14="http://schemas.microsoft.com/office/powerpoint/2010/main" xmlns:p15="http://schemas.microsoft.com/office/powerpoint/2012/main" showMasterPhAnim="0" showMasterSp="0">
+<p:notes xmlns:a="http://schemas.openxmlformats.org/drawingml/2006/main" xmlns:r="http://schemas.openxmlformats.org/officeDocument/2006/relationships" xmlns:p="http://schemas.openxmlformats.org/presentationml/2006/main" showMasterSp="0" showMasterPhAnim="0">
   <p:cSld>
     <p:spTree>
       <p:nvGrpSpPr>
-        <p:cNvPr id="73" name="Shape 73"/>
+        <p:cNvPr id="1" name="Shape 67"/>
+        <p:cNvGrpSpPr/>
+        <p:nvPr/>
+      </p:nvGrpSpPr>
+      <p:grpSpPr>
+        <a:xfrm>
+          <a:off x="0" y="0"/>
+          <a:ext cx="0" cy="0"/>
+          <a:chOff x="0" y="0"/>
+          <a:chExt cx="0" cy="0"/>
+        </a:xfrm>
+      </p:grpSpPr>
+      <p:sp>
+        <p:nvSpPr>
+          <p:cNvPr id="68" name="Google Shape;68;g6ba96d769b_0_449:notes"/>
+          <p:cNvSpPr>
+            <a:spLocks noGrp="1" noRot="1" noChangeAspect="1"/>
+          </p:cNvSpPr>
+          <p:nvPr>
+            <p:ph type="sldImg" idx="2"/>
+          </p:nvPr>
+        </p:nvSpPr>
+        <p:spPr>
+          <a:xfrm>
+            <a:off x="381000" y="685800"/>
+            <a:ext cx="6096000" cy="3429000"/>
+          </a:xfrm>
+          <a:custGeom>
+            <a:avLst/>
+            <a:gdLst/>
+            <a:ahLst/>
+            <a:cxnLst/>
+            <a:rect l="l" t="t" r="r" b="b"/>
+            <a:pathLst>
+              <a:path w="120000" h="120000" extrusionOk="0">
+                <a:moveTo>
+                  <a:pt x="0" y="0"/>
+                </a:moveTo>
+                <a:lnTo>
+                  <a:pt x="120000" y="0"/>
+                </a:lnTo>
+                <a:lnTo>
+                  <a:pt x="120000" y="120000"/>
+                </a:lnTo>
+                <a:lnTo>
+                  <a:pt x="0" y="120000"/>
+                </a:lnTo>
+                <a:close/>
+              </a:path>
+            </a:pathLst>
+          </a:custGeom>
+        </p:spPr>
+      </p:sp>
+      <p:sp>
+        <p:nvSpPr>
+          <p:cNvPr id="69" name="Google Shape;69;g6ba96d769b_0_449:notes"/>
+          <p:cNvSpPr txBox="1">
+            <a:spLocks noGrp="1"/>
+          </p:cNvSpPr>
+          <p:nvPr>
+            <p:ph type="body" idx="1"/>
+          </p:nvPr>
+        </p:nvSpPr>
+        <p:spPr>
+          <a:xfrm>
+            <a:off x="685800" y="4343400"/>
+            <a:ext cx="5486400" cy="4114800"/>
+          </a:xfrm>
+          <a:prstGeom prst="rect">
+            <a:avLst/>
+          </a:prstGeom>
+        </p:spPr>
+        <p:txBody>
+          <a:bodyPr spcFirstLastPara="1" wrap="square" lIns="91425" tIns="91425" rIns="91425" bIns="91425" anchor="t" anchorCtr="0">
+            <a:noAutofit/>
+          </a:bodyPr>
+          <a:lstStyle/>
+          <a:p>
+            <a:pPr marL="0" marR="0" lvl="0" indent="0" algn="l" defTabSz="914400" rtl="0" eaLnBrk="1" fontAlgn="auto" latinLnBrk="0" hangingPunct="1">
+              <a:lnSpc>
+                <a:spcPct val="100000"/>
+              </a:lnSpc>
+              <a:spcBef>
+                <a:spcPts val="0"/>
+              </a:spcBef>
+              <a:spcAft>
+                <a:spcPts val="0"/>
+              </a:spcAft>
+              <a:buClr>
+                <a:srgbClr val="000000"/>
+              </a:buClr>
+              <a:buSzPts val="1100"/>
+              <a:buFont typeface="Arial"/>
+              <a:buNone/>
+              <a:tabLst/>
+              <a:defRPr/>
+            </a:pPr>
+            <a:r>
+              <a:rPr lang="en-US" dirty="0"/>
+              <a:t>It is local - FTP   access to one file is limited </a:t>
+            </a:r>
+          </a:p>
+          <a:p>
+            <a:pPr marL="0" lvl="0" indent="0" algn="l" rtl="0">
+              <a:spcBef>
+                <a:spcPts val="0"/>
+              </a:spcBef>
+              <a:spcAft>
+                <a:spcPts val="0"/>
+              </a:spcAft>
+              <a:buNone/>
+            </a:pPr>
+            <a:endParaRPr dirty="0"/>
+          </a:p>
+        </p:txBody>
+      </p:sp>
+    </p:spTree>
+    <p:extLst>
+      <p:ext uri="{BB962C8B-B14F-4D97-AF65-F5344CB8AC3E}">
+        <p14:creationId xmlns:p14="http://schemas.microsoft.com/office/powerpoint/2010/main" val="945546823"/>
+      </p:ext>
+    </p:extLst>
+  </p:cSld>
+  <p:clrMapOvr>
+    <a:masterClrMapping/>
+  </p:clrMapOvr>
+</p:notes>
+</file>
+
+<file path=ppt/notesSlides/notesSlide5.xml><?xml version="1.0" encoding="utf-8"?>
+<p:notes xmlns:a="http://schemas.openxmlformats.org/drawingml/2006/main" xmlns:r="http://schemas.openxmlformats.org/officeDocument/2006/relationships" xmlns:p="http://schemas.openxmlformats.org/presentationml/2006/main" showMasterSp="0" showMasterPhAnim="0">
+  <p:cSld>
+    <p:spTree>
+      <p:nvGrpSpPr>
+        <p:cNvPr id="1" name="Shape 73"/>
         <p:cNvGrpSpPr/>
         <p:nvPr/>
       </p:nvGrpSpPr>
@@ -1021,20 +1186,26 @@
       <p:sp>
         <p:nvSpPr>
           <p:cNvPr id="74" name="Google Shape;74;g6ba96d769b_0_454:notes"/>
-          <p:cNvSpPr/>
+          <p:cNvSpPr>
+            <a:spLocks noGrp="1" noRot="1" noChangeAspect="1"/>
+          </p:cNvSpPr>
           <p:nvPr>
-            <p:ph idx="2" type="sldImg"/>
+            <p:ph type="sldImg" idx="2"/>
           </p:nvPr>
         </p:nvSpPr>
         <p:spPr>
           <a:xfrm>
-            <a:off x="381300" y="685800"/>
+            <a:off x="381000" y="685800"/>
             <a:ext cx="6096000" cy="3429000"/>
           </a:xfrm>
           <a:custGeom>
-            <a:rect b="b" l="l" r="r" t="t"/>
+            <a:avLst/>
+            <a:gdLst/>
+            <a:ahLst/>
+            <a:cxnLst/>
+            <a:rect l="l" t="t" r="r" b="b"/>
             <a:pathLst>
-              <a:path extrusionOk="0" h="120000" w="120000">
+              <a:path w="120000" h="120000" extrusionOk="0">
                 <a:moveTo>
                   <a:pt x="0" y="0"/>
                 </a:moveTo>
@@ -1056,9 +1227,11 @@
       <p:sp>
         <p:nvSpPr>
           <p:cNvPr id="75" name="Google Shape;75;g6ba96d769b_0_454:notes"/>
-          <p:cNvSpPr txBox="1"/>
+          <p:cNvSpPr txBox="1">
+            <a:spLocks noGrp="1"/>
+          </p:cNvSpPr>
           <p:nvPr>
-            <p:ph idx="1" type="body"/>
+            <p:ph type="body" idx="1"/>
           </p:nvPr>
         </p:nvSpPr>
         <p:spPr>
@@ -1071,12 +1244,12 @@
           </a:prstGeom>
         </p:spPr>
         <p:txBody>
-          <a:bodyPr anchorCtr="0" anchor="t" bIns="91425" lIns="91425" spcFirstLastPara="1" rIns="91425" wrap="square" tIns="91425">
+          <a:bodyPr spcFirstLastPara="1" wrap="square" lIns="91425" tIns="91425" rIns="91425" bIns="91425" anchor="t" anchorCtr="0">
             <a:noAutofit/>
           </a:bodyPr>
           <a:lstStyle/>
           <a:p>
-            <a:pPr indent="0" lvl="0" marL="0" rtl="0" algn="l">
+            <a:pPr marL="0" lvl="0" indent="0" algn="l" rtl="0">
               <a:spcBef>
                 <a:spcPts val="0"/>
               </a:spcBef>
@@ -1085,9 +1258,6 @@
               </a:spcAft>
               <a:buNone/>
             </a:pPr>
-            <a:r>
-              <a:t/>
-            </a:r>
             <a:endParaRPr/>
           </a:p>
         </p:txBody>
@@ -1100,12 +1270,12 @@
 </p:notes>
 </file>
 
-<file path=ppt/notesSlides/notesSlide5.xml><?xml version="1.0" encoding="utf-8"?>
-<p:notes xmlns:a="http://schemas.openxmlformats.org/drawingml/2006/main" xmlns:r="http://schemas.openxmlformats.org/officeDocument/2006/relationships" xmlns:mc="http://schemas.openxmlformats.org/markup-compatibility/2006" xmlns:mv="urn:schemas-microsoft-com:mac:vml" xmlns:p="http://schemas.openxmlformats.org/presentationml/2006/main" xmlns:c="http://schemas.openxmlformats.org/drawingml/2006/chart" xmlns:dgm="http://schemas.openxmlformats.org/drawingml/2006/diagram" xmlns:o="urn:schemas-microsoft-com:office:office" xmlns:v="urn:schemas-microsoft-com:vml" xmlns:pvml="urn:schemas-microsoft-com:office:powerpoint" xmlns:com="http://schemas.openxmlformats.org/drawingml/2006/compatibility" xmlns:p14="http://schemas.microsoft.com/office/powerpoint/2010/main" xmlns:p15="http://schemas.microsoft.com/office/powerpoint/2012/main" showMasterPhAnim="0" showMasterSp="0">
+<file path=ppt/notesSlides/notesSlide6.xml><?xml version="1.0" encoding="utf-8"?>
+<p:notes xmlns:a="http://schemas.openxmlformats.org/drawingml/2006/main" xmlns:r="http://schemas.openxmlformats.org/officeDocument/2006/relationships" xmlns:p="http://schemas.openxmlformats.org/presentationml/2006/main" showMasterSp="0" showMasterPhAnim="0">
   <p:cSld>
     <p:spTree>
       <p:nvGrpSpPr>
-        <p:cNvPr id="79" name="Shape 79"/>
+        <p:cNvPr id="1" name="Shape 79"/>
         <p:cNvGrpSpPr/>
         <p:nvPr/>
       </p:nvGrpSpPr>
@@ -1120,9 +1290,11 @@
       <p:sp>
         <p:nvSpPr>
           <p:cNvPr id="80" name="Google Shape;80;g6bc158bb77_0_0:notes"/>
-          <p:cNvSpPr/>
+          <p:cNvSpPr>
+            <a:spLocks noGrp="1" noRot="1" noChangeAspect="1"/>
+          </p:cNvSpPr>
           <p:nvPr>
-            <p:ph idx="2" type="sldImg"/>
+            <p:ph type="sldImg" idx="2"/>
           </p:nvPr>
         </p:nvSpPr>
         <p:spPr>
@@ -1131,9 +1303,13 @@
             <a:ext cx="6096000" cy="3429000"/>
           </a:xfrm>
           <a:custGeom>
-            <a:rect b="b" l="l" r="r" t="t"/>
+            <a:avLst/>
+            <a:gdLst/>
+            <a:ahLst/>
+            <a:cxnLst/>
+            <a:rect l="l" t="t" r="r" b="b"/>
             <a:pathLst>
-              <a:path extrusionOk="0" h="120000" w="120000">
+              <a:path w="120000" h="120000" extrusionOk="0">
                 <a:moveTo>
                   <a:pt x="0" y="0"/>
                 </a:moveTo>
@@ -1155,9 +1331,11 @@
       <p:sp>
         <p:nvSpPr>
           <p:cNvPr id="81" name="Google Shape;81;g6bc158bb77_0_0:notes"/>
-          <p:cNvSpPr txBox="1"/>
+          <p:cNvSpPr txBox="1">
+            <a:spLocks noGrp="1"/>
+          </p:cNvSpPr>
           <p:nvPr>
-            <p:ph idx="1" type="body"/>
+            <p:ph type="body" idx="1"/>
           </p:nvPr>
         </p:nvSpPr>
         <p:spPr>
@@ -1170,12 +1348,12 @@
           </a:prstGeom>
         </p:spPr>
         <p:txBody>
-          <a:bodyPr anchorCtr="0" anchor="t" bIns="91425" lIns="91425" spcFirstLastPara="1" rIns="91425" wrap="square" tIns="91425">
+          <a:bodyPr spcFirstLastPara="1" wrap="square" lIns="91425" tIns="91425" rIns="91425" bIns="91425" anchor="t" anchorCtr="0">
             <a:noAutofit/>
           </a:bodyPr>
           <a:lstStyle/>
           <a:p>
-            <a:pPr indent="0" lvl="0" marL="0" rtl="0" algn="l">
+            <a:pPr marL="0" lvl="0" indent="0" algn="l" rtl="0">
               <a:spcBef>
                 <a:spcPts val="0"/>
               </a:spcBef>
@@ -1184,9 +1362,6 @@
               </a:spcAft>
               <a:buNone/>
             </a:pPr>
-            <a:r>
-              <a:t/>
-            </a:r>
             <a:endParaRPr/>
           </a:p>
         </p:txBody>
@@ -1199,12 +1374,12 @@
 </p:notes>
 </file>
 
-<file path=ppt/notesSlides/notesSlide6.xml><?xml version="1.0" encoding="utf-8"?>
-<p:notes xmlns:a="http://schemas.openxmlformats.org/drawingml/2006/main" xmlns:r="http://schemas.openxmlformats.org/officeDocument/2006/relationships" xmlns:mc="http://schemas.openxmlformats.org/markup-compatibility/2006" xmlns:mv="urn:schemas-microsoft-com:mac:vml" xmlns:p="http://schemas.openxmlformats.org/presentationml/2006/main" xmlns:c="http://schemas.openxmlformats.org/drawingml/2006/chart" xmlns:dgm="http://schemas.openxmlformats.org/drawingml/2006/diagram" xmlns:o="urn:schemas-microsoft-com:office:office" xmlns:v="urn:schemas-microsoft-com:vml" xmlns:pvml="urn:schemas-microsoft-com:office:powerpoint" xmlns:com="http://schemas.openxmlformats.org/drawingml/2006/compatibility" xmlns:p14="http://schemas.microsoft.com/office/powerpoint/2010/main" xmlns:p15="http://schemas.microsoft.com/office/powerpoint/2012/main" showMasterPhAnim="0" showMasterSp="0">
+<file path=ppt/notesSlides/notesSlide7.xml><?xml version="1.0" encoding="utf-8"?>
+<p:notes xmlns:a="http://schemas.openxmlformats.org/drawingml/2006/main" xmlns:r="http://schemas.openxmlformats.org/officeDocument/2006/relationships" xmlns:p="http://schemas.openxmlformats.org/presentationml/2006/main" showMasterSp="0" showMasterPhAnim="0">
   <p:cSld>
     <p:spTree>
       <p:nvGrpSpPr>
-        <p:cNvPr id="85" name="Shape 85"/>
+        <p:cNvPr id="1" name="Shape 85"/>
         <p:cNvGrpSpPr/>
         <p:nvPr/>
       </p:nvGrpSpPr>
@@ -1219,9 +1394,11 @@
       <p:sp>
         <p:nvSpPr>
           <p:cNvPr id="86" name="Google Shape;86;g6bc158bb77_0_5:notes"/>
-          <p:cNvSpPr/>
+          <p:cNvSpPr>
+            <a:spLocks noGrp="1" noRot="1" noChangeAspect="1"/>
+          </p:cNvSpPr>
           <p:nvPr>
-            <p:ph idx="2" type="sldImg"/>
+            <p:ph type="sldImg" idx="2"/>
           </p:nvPr>
         </p:nvSpPr>
         <p:spPr>
@@ -1230,9 +1407,13 @@
             <a:ext cx="6096000" cy="3429000"/>
           </a:xfrm>
           <a:custGeom>
-            <a:rect b="b" l="l" r="r" t="t"/>
+            <a:avLst/>
+            <a:gdLst/>
+            <a:ahLst/>
+            <a:cxnLst/>
+            <a:rect l="l" t="t" r="r" b="b"/>
             <a:pathLst>
-              <a:path extrusionOk="0" h="120000" w="120000">
+              <a:path w="120000" h="120000" extrusionOk="0">
                 <a:moveTo>
                   <a:pt x="0" y="0"/>
                 </a:moveTo>
@@ -1254,9 +1435,11 @@
       <p:sp>
         <p:nvSpPr>
           <p:cNvPr id="87" name="Google Shape;87;g6bc158bb77_0_5:notes"/>
-          <p:cNvSpPr txBox="1"/>
+          <p:cNvSpPr txBox="1">
+            <a:spLocks noGrp="1"/>
+          </p:cNvSpPr>
           <p:nvPr>
-            <p:ph idx="1" type="body"/>
+            <p:ph type="body" idx="1"/>
           </p:nvPr>
         </p:nvSpPr>
         <p:spPr>
@@ -1269,12 +1452,12 @@
           </a:prstGeom>
         </p:spPr>
         <p:txBody>
-          <a:bodyPr anchorCtr="0" anchor="t" bIns="91425" lIns="91425" spcFirstLastPara="1" rIns="91425" wrap="square" tIns="91425">
+          <a:bodyPr spcFirstLastPara="1" wrap="square" lIns="91425" tIns="91425" rIns="91425" bIns="91425" anchor="t" anchorCtr="0">
             <a:noAutofit/>
           </a:bodyPr>
           <a:lstStyle/>
           <a:p>
-            <a:pPr indent="0" lvl="0" marL="0" rtl="0" algn="l">
+            <a:pPr marL="0" lvl="0" indent="0" algn="l" rtl="0">
               <a:spcBef>
                 <a:spcPts val="0"/>
               </a:spcBef>
@@ -1283,9 +1466,6 @@
               </a:spcAft>
               <a:buNone/>
             </a:pPr>
-            <a:r>
-              <a:t/>
-            </a:r>
             <a:endParaRPr/>
           </a:p>
         </p:txBody>
@@ -1298,12 +1478,12 @@
 </p:notes>
 </file>
 
-<file path=ppt/notesSlides/notesSlide7.xml><?xml version="1.0" encoding="utf-8"?>
-<p:notes xmlns:a="http://schemas.openxmlformats.org/drawingml/2006/main" xmlns:r="http://schemas.openxmlformats.org/officeDocument/2006/relationships" xmlns:mc="http://schemas.openxmlformats.org/markup-compatibility/2006" xmlns:mv="urn:schemas-microsoft-com:mac:vml" xmlns:p="http://schemas.openxmlformats.org/presentationml/2006/main" xmlns:c="http://schemas.openxmlformats.org/drawingml/2006/chart" xmlns:dgm="http://schemas.openxmlformats.org/drawingml/2006/diagram" xmlns:o="urn:schemas-microsoft-com:office:office" xmlns:v="urn:schemas-microsoft-com:vml" xmlns:pvml="urn:schemas-microsoft-com:office:powerpoint" xmlns:com="http://schemas.openxmlformats.org/drawingml/2006/compatibility" xmlns:p14="http://schemas.microsoft.com/office/powerpoint/2010/main" xmlns:p15="http://schemas.microsoft.com/office/powerpoint/2012/main" showMasterPhAnim="0" showMasterSp="0">
+<file path=ppt/notesSlides/notesSlide8.xml><?xml version="1.0" encoding="utf-8"?>
+<p:notes xmlns:a="http://schemas.openxmlformats.org/drawingml/2006/main" xmlns:r="http://schemas.openxmlformats.org/officeDocument/2006/relationships" xmlns:p="http://schemas.openxmlformats.org/presentationml/2006/main" showMasterSp="0" showMasterPhAnim="0">
   <p:cSld>
     <p:spTree>
       <p:nvGrpSpPr>
-        <p:cNvPr id="93" name="Shape 93"/>
+        <p:cNvPr id="1" name="Shape 93"/>
         <p:cNvGrpSpPr/>
         <p:nvPr/>
       </p:nvGrpSpPr>
@@ -1318,9 +1498,11 @@
       <p:sp>
         <p:nvSpPr>
           <p:cNvPr id="94" name="Google Shape;94;g6bc158bb77_0_14:notes"/>
-          <p:cNvSpPr/>
+          <p:cNvSpPr>
+            <a:spLocks noGrp="1" noRot="1" noChangeAspect="1"/>
+          </p:cNvSpPr>
           <p:nvPr>
-            <p:ph idx="2" type="sldImg"/>
+            <p:ph type="sldImg" idx="2"/>
           </p:nvPr>
         </p:nvSpPr>
         <p:spPr>
@@ -1329,9 +1511,13 @@
             <a:ext cx="6096000" cy="3429000"/>
           </a:xfrm>
           <a:custGeom>
-            <a:rect b="b" l="l" r="r" t="t"/>
+            <a:avLst/>
+            <a:gdLst/>
+            <a:ahLst/>
+            <a:cxnLst/>
+            <a:rect l="l" t="t" r="r" b="b"/>
             <a:pathLst>
-              <a:path extrusionOk="0" h="120000" w="120000">
+              <a:path w="120000" h="120000" extrusionOk="0">
                 <a:moveTo>
                   <a:pt x="0" y="0"/>
                 </a:moveTo>
@@ -1353,9 +1539,11 @@
       <p:sp>
         <p:nvSpPr>
           <p:cNvPr id="95" name="Google Shape;95;g6bc158bb77_0_14:notes"/>
-          <p:cNvSpPr txBox="1"/>
+          <p:cNvSpPr txBox="1">
+            <a:spLocks noGrp="1"/>
+          </p:cNvSpPr>
           <p:nvPr>
-            <p:ph idx="1" type="body"/>
+            <p:ph type="body" idx="1"/>
           </p:nvPr>
         </p:nvSpPr>
         <p:spPr>
@@ -1368,12 +1556,12 @@
           </a:prstGeom>
         </p:spPr>
         <p:txBody>
-          <a:bodyPr anchorCtr="0" anchor="t" bIns="91425" lIns="91425" spcFirstLastPara="1" rIns="91425" wrap="square" tIns="91425">
+          <a:bodyPr spcFirstLastPara="1" wrap="square" lIns="91425" tIns="91425" rIns="91425" bIns="91425" anchor="t" anchorCtr="0">
             <a:noAutofit/>
           </a:bodyPr>
           <a:lstStyle/>
           <a:p>
-            <a:pPr indent="0" lvl="0" marL="0" rtl="0" algn="l">
+            <a:pPr marL="0" lvl="0" indent="0" algn="l" rtl="0">
               <a:spcBef>
                 <a:spcPts val="0"/>
               </a:spcBef>
@@ -1382,9 +1570,6 @@
               </a:spcAft>
               <a:buNone/>
             </a:pPr>
-            <a:r>
-              <a:t/>
-            </a:r>
             <a:endParaRPr/>
           </a:p>
         </p:txBody>
@@ -1397,12 +1582,12 @@
 </p:notes>
 </file>
 
-<file path=ppt/notesSlides/notesSlide8.xml><?xml version="1.0" encoding="utf-8"?>
-<p:notes xmlns:a="http://schemas.openxmlformats.org/drawingml/2006/main" xmlns:r="http://schemas.openxmlformats.org/officeDocument/2006/relationships" xmlns:mc="http://schemas.openxmlformats.org/markup-compatibility/2006" xmlns:mv="urn:schemas-microsoft-com:mac:vml" xmlns:p="http://schemas.openxmlformats.org/presentationml/2006/main" xmlns:c="http://schemas.openxmlformats.org/drawingml/2006/chart" xmlns:dgm="http://schemas.openxmlformats.org/drawingml/2006/diagram" xmlns:o="urn:schemas-microsoft-com:office:office" xmlns:v="urn:schemas-microsoft-com:vml" xmlns:pvml="urn:schemas-microsoft-com:office:powerpoint" xmlns:com="http://schemas.openxmlformats.org/drawingml/2006/compatibility" xmlns:p14="http://schemas.microsoft.com/office/powerpoint/2010/main" xmlns:p15="http://schemas.microsoft.com/office/powerpoint/2012/main" showMasterPhAnim="0" showMasterSp="0">
+<file path=ppt/notesSlides/notesSlide9.xml><?xml version="1.0" encoding="utf-8"?>
+<p:notes xmlns:a="http://schemas.openxmlformats.org/drawingml/2006/main" xmlns:r="http://schemas.openxmlformats.org/officeDocument/2006/relationships" xmlns:p="http://schemas.openxmlformats.org/presentationml/2006/main" showMasterSp="0" showMasterPhAnim="0">
   <p:cSld>
     <p:spTree>
       <p:nvGrpSpPr>
-        <p:cNvPr id="99" name="Shape 99"/>
+        <p:cNvPr id="1" name="Shape 99"/>
         <p:cNvGrpSpPr/>
         <p:nvPr/>
       </p:nvGrpSpPr>
@@ -1417,9 +1602,11 @@
       <p:sp>
         <p:nvSpPr>
           <p:cNvPr id="100" name="Google Shape;100;g6bc158bb77_0_21:notes"/>
-          <p:cNvSpPr/>
+          <p:cNvSpPr>
+            <a:spLocks noGrp="1" noRot="1" noChangeAspect="1"/>
+          </p:cNvSpPr>
           <p:nvPr>
-            <p:ph idx="2" type="sldImg"/>
+            <p:ph type="sldImg" idx="2"/>
           </p:nvPr>
         </p:nvSpPr>
         <p:spPr>
@@ -1428,9 +1615,13 @@
             <a:ext cx="6096000" cy="3429000"/>
           </a:xfrm>
           <a:custGeom>
-            <a:rect b="b" l="l" r="r" t="t"/>
+            <a:avLst/>
+            <a:gdLst/>
+            <a:ahLst/>
+            <a:cxnLst/>
+            <a:rect l="l" t="t" r="r" b="b"/>
             <a:pathLst>
-              <a:path extrusionOk="0" h="120000" w="120000">
+              <a:path w="120000" h="120000" extrusionOk="0">
                 <a:moveTo>
                   <a:pt x="0" y="0"/>
                 </a:moveTo>
@@ -1452,9 +1643,11 @@
       <p:sp>
         <p:nvSpPr>
           <p:cNvPr id="101" name="Google Shape;101;g6bc158bb77_0_21:notes"/>
-          <p:cNvSpPr txBox="1"/>
+          <p:cNvSpPr txBox="1">
+            <a:spLocks noGrp="1"/>
+          </p:cNvSpPr>
           <p:nvPr>
-            <p:ph idx="1" type="body"/>
+            <p:ph type="body" idx="1"/>
           </p:nvPr>
         </p:nvSpPr>
         <p:spPr>
@@ -1467,12 +1660,12 @@
           </a:prstGeom>
         </p:spPr>
         <p:txBody>
-          <a:bodyPr anchorCtr="0" anchor="t" bIns="91425" lIns="91425" spcFirstLastPara="1" rIns="91425" wrap="square" tIns="91425">
+          <a:bodyPr spcFirstLastPara="1" wrap="square" lIns="91425" tIns="91425" rIns="91425" bIns="91425" anchor="t" anchorCtr="0">
             <a:noAutofit/>
           </a:bodyPr>
           <a:lstStyle/>
           <a:p>
-            <a:pPr indent="0" lvl="0" marL="0" rtl="0" algn="l">
+            <a:pPr marL="0" lvl="0" indent="0" algn="l" rtl="0">
               <a:spcBef>
                 <a:spcPts val="0"/>
               </a:spcBef>
@@ -1481,9 +1674,6 @@
               </a:spcAft>
               <a:buNone/>
             </a:pPr>
-            <a:r>
-              <a:t/>
-            </a:r>
             <a:endParaRPr/>
           </a:p>
         </p:txBody>
@@ -1497,11 +1687,11 @@
 </file>
 
 <file path=ppt/slideLayouts/slideLayout1.xml><?xml version="1.0" encoding="utf-8"?>
-<p:sldLayout xmlns:a="http://schemas.openxmlformats.org/drawingml/2006/main" xmlns:r="http://schemas.openxmlformats.org/officeDocument/2006/relationships" xmlns:mc="http://schemas.openxmlformats.org/markup-compatibility/2006" xmlns:mv="urn:schemas-microsoft-com:mac:vml" xmlns:p="http://schemas.openxmlformats.org/presentationml/2006/main" xmlns:c="http://schemas.openxmlformats.org/drawingml/2006/chart" xmlns:dgm="http://schemas.openxmlformats.org/drawingml/2006/diagram" xmlns:o="urn:schemas-microsoft-com:office:office" xmlns:v="urn:schemas-microsoft-com:vml" xmlns:pvml="urn:schemas-microsoft-com:office:powerpoint" xmlns:com="http://schemas.openxmlformats.org/drawingml/2006/compatibility" xmlns:p14="http://schemas.microsoft.com/office/powerpoint/2010/main" xmlns:p15="http://schemas.microsoft.com/office/powerpoint/2012/main" matchingName="Title slide" type="title">
+<p:sldLayout xmlns:a="http://schemas.openxmlformats.org/drawingml/2006/main" xmlns:r="http://schemas.openxmlformats.org/officeDocument/2006/relationships" xmlns:p="http://schemas.openxmlformats.org/presentationml/2006/main" matchingName="Title slide" type="title">
   <p:cSld name="TITLE">
     <p:spTree>
       <p:nvGrpSpPr>
-        <p:cNvPr id="9" name="Shape 9"/>
+        <p:cNvPr id="1" name="Shape 9"/>
         <p:cNvGrpSpPr/>
         <p:nvPr/>
       </p:nvGrpSpPr>
@@ -1549,12 +1739,12 @@
             </a:ln>
           </p:spPr>
           <p:txBody>
-            <a:bodyPr anchorCtr="0" anchor="ctr" bIns="91425" lIns="91425" spcFirstLastPara="1" rIns="91425" wrap="square" tIns="91425">
+            <a:bodyPr spcFirstLastPara="1" wrap="square" lIns="91425" tIns="91425" rIns="91425" bIns="91425" anchor="ctr" anchorCtr="0">
               <a:noAutofit/>
             </a:bodyPr>
             <a:lstStyle/>
             <a:p>
-              <a:pPr indent="0" lvl="0" marL="0" rtl="0" algn="l">
+              <a:pPr marL="0" lvl="0" indent="0" algn="l" rtl="0">
                 <a:spcBef>
                   <a:spcPts val="0"/>
                 </a:spcBef>
@@ -1563,9 +1753,6 @@
                 </a:spcAft>
                 <a:buNone/>
               </a:pPr>
-              <a:r>
-                <a:t/>
-              </a:r>
               <a:endParaRPr/>
             </a:p>
           </p:txBody>
@@ -1592,12 +1779,12 @@
             </a:ln>
           </p:spPr>
           <p:txBody>
-            <a:bodyPr anchorCtr="0" anchor="ctr" bIns="91425" lIns="91425" spcFirstLastPara="1" rIns="91425" wrap="square" tIns="91425">
+            <a:bodyPr spcFirstLastPara="1" wrap="square" lIns="91425" tIns="91425" rIns="91425" bIns="91425" anchor="ctr" anchorCtr="0">
               <a:noAutofit/>
             </a:bodyPr>
             <a:lstStyle/>
             <a:p>
-              <a:pPr indent="0" lvl="0" marL="0" rtl="0" algn="l">
+              <a:pPr marL="0" lvl="0" indent="0" algn="l" rtl="0">
                 <a:spcBef>
                   <a:spcPts val="0"/>
                 </a:spcBef>
@@ -1606,9 +1793,6 @@
                 </a:spcAft>
                 <a:buNone/>
               </a:pPr>
-              <a:r>
-                <a:t/>
-              </a:r>
               <a:endParaRPr/>
             </a:p>
           </p:txBody>
@@ -1635,12 +1819,12 @@
             </a:ln>
           </p:spPr>
           <p:txBody>
-            <a:bodyPr anchorCtr="0" anchor="ctr" bIns="91425" lIns="91425" spcFirstLastPara="1" rIns="91425" wrap="square" tIns="91425">
+            <a:bodyPr spcFirstLastPara="1" wrap="square" lIns="91425" tIns="91425" rIns="91425" bIns="91425" anchor="ctr" anchorCtr="0">
               <a:noAutofit/>
             </a:bodyPr>
             <a:lstStyle/>
             <a:p>
-              <a:pPr indent="0" lvl="0" marL="0" rtl="0" algn="l">
+              <a:pPr marL="0" lvl="0" indent="0" algn="l" rtl="0">
                 <a:spcBef>
                   <a:spcPts val="0"/>
                 </a:spcBef>
@@ -1649,9 +1833,6 @@
                 </a:spcAft>
                 <a:buNone/>
               </a:pPr>
-              <a:r>
-                <a:t/>
-              </a:r>
               <a:endParaRPr/>
             </a:p>
           </p:txBody>
@@ -1660,7 +1841,9 @@
       <p:sp>
         <p:nvSpPr>
           <p:cNvPr id="14" name="Google Shape;14;p2"/>
-          <p:cNvSpPr txBox="1"/>
+          <p:cNvSpPr txBox="1">
+            <a:spLocks noGrp="1"/>
+          </p:cNvSpPr>
           <p:nvPr>
             <p:ph type="ctrTitle"/>
           </p:nvPr>
@@ -1675,7 +1858,7 @@
           </a:prstGeom>
         </p:spPr>
         <p:txBody>
-          <a:bodyPr anchorCtr="0" anchor="b" bIns="91425" lIns="91425" spcFirstLastPara="1" rIns="91425" wrap="square" tIns="91425">
+          <a:bodyPr spcFirstLastPara="1" wrap="square" lIns="91425" tIns="91425" rIns="91425" bIns="91425" anchor="b" anchorCtr="0">
             <a:noAutofit/>
           </a:bodyPr>
           <a:lstStyle>
@@ -1779,15 +1962,19 @@
               <a:defRPr sz="4800"/>
             </a:lvl9pPr>
           </a:lstStyle>
-          <a:p/>
+          <a:p>
+            <a:endParaRPr/>
+          </a:p>
         </p:txBody>
       </p:sp>
       <p:sp>
         <p:nvSpPr>
           <p:cNvPr id="15" name="Google Shape;15;p2"/>
-          <p:cNvSpPr txBox="1"/>
+          <p:cNvSpPr txBox="1">
+            <a:spLocks noGrp="1"/>
+          </p:cNvSpPr>
           <p:nvPr>
-            <p:ph idx="1" type="subTitle"/>
+            <p:ph type="subTitle" idx="1"/>
           </p:nvPr>
         </p:nvSpPr>
         <p:spPr>
@@ -1800,7 +1987,7 @@
           </a:prstGeom>
         </p:spPr>
         <p:txBody>
-          <a:bodyPr anchorCtr="0" anchor="t" bIns="91425" lIns="91425" spcFirstLastPara="1" rIns="91425" wrap="square" tIns="91425">
+          <a:bodyPr spcFirstLastPara="1" wrap="square" lIns="91425" tIns="91425" rIns="91425" bIns="91425" anchor="t" anchorCtr="0">
             <a:noAutofit/>
           </a:bodyPr>
           <a:lstStyle>
@@ -1931,15 +2118,19 @@
               <a:defRPr sz="2100"/>
             </a:lvl9pPr>
           </a:lstStyle>
-          <a:p/>
+          <a:p>
+            <a:endParaRPr/>
+          </a:p>
         </p:txBody>
       </p:sp>
       <p:sp>
         <p:nvSpPr>
           <p:cNvPr id="16" name="Google Shape;16;p2"/>
-          <p:cNvSpPr txBox="1"/>
+          <p:cNvSpPr txBox="1">
+            <a:spLocks noGrp="1"/>
+          </p:cNvSpPr>
           <p:nvPr>
-            <p:ph idx="12" type="sldNum"/>
+            <p:ph type="sldNum" idx="12"/>
           </p:nvPr>
         </p:nvSpPr>
         <p:spPr>
@@ -1952,7 +2143,7 @@
           </a:prstGeom>
         </p:spPr>
         <p:txBody>
-          <a:bodyPr anchorCtr="0" anchor="ctr" bIns="91425" lIns="91425" spcFirstLastPara="1" rIns="91425" wrap="square" tIns="91425">
+          <a:bodyPr spcFirstLastPara="1" wrap="square" lIns="91425" tIns="91425" rIns="91425" bIns="91425" anchor="ctr" anchorCtr="0">
             <a:noAutofit/>
           </a:bodyPr>
           <a:lstStyle>
@@ -1994,7 +2185,7 @@
             </a:lvl9pPr>
           </a:lstStyle>
           <a:p>
-            <a:pPr indent="0" lvl="0" marL="0" rtl="0" algn="r">
+            <a:pPr marL="0" lvl="0" indent="0" algn="r" rtl="0">
               <a:spcBef>
                 <a:spcPts val="0"/>
               </a:spcBef>
@@ -2020,11 +2211,11 @@
 </file>
 
 <file path=ppt/slideLayouts/slideLayout10.xml><?xml version="1.0" encoding="utf-8"?>
-<p:sldLayout xmlns:a="http://schemas.openxmlformats.org/drawingml/2006/main" xmlns:r="http://schemas.openxmlformats.org/officeDocument/2006/relationships" xmlns:mc="http://schemas.openxmlformats.org/markup-compatibility/2006" xmlns:mv="urn:schemas-microsoft-com:mac:vml" xmlns:p="http://schemas.openxmlformats.org/presentationml/2006/main" xmlns:c="http://schemas.openxmlformats.org/drawingml/2006/chart" xmlns:dgm="http://schemas.openxmlformats.org/drawingml/2006/diagram" xmlns:o="urn:schemas-microsoft-com:office:office" xmlns:v="urn:schemas-microsoft-com:vml" xmlns:pvml="urn:schemas-microsoft-com:office:powerpoint" xmlns:com="http://schemas.openxmlformats.org/drawingml/2006/compatibility" xmlns:p14="http://schemas.microsoft.com/office/powerpoint/2010/main" xmlns:p15="http://schemas.microsoft.com/office/powerpoint/2012/main" matchingName="Big number">
+<p:sldLayout xmlns:a="http://schemas.openxmlformats.org/drawingml/2006/main" xmlns:r="http://schemas.openxmlformats.org/officeDocument/2006/relationships" xmlns:p="http://schemas.openxmlformats.org/presentationml/2006/main" matchingName="Big number">
   <p:cSld name="BIG_NUMBER">
     <p:spTree>
       <p:nvGrpSpPr>
-        <p:cNvPr id="49" name="Shape 49"/>
+        <p:cNvPr id="1" name="Shape 49"/>
         <p:cNvGrpSpPr/>
         <p:nvPr/>
       </p:nvGrpSpPr>
@@ -2039,9 +2230,11 @@
       <p:sp>
         <p:nvSpPr>
           <p:cNvPr id="50" name="Google Shape;50;p11"/>
-          <p:cNvSpPr txBox="1"/>
+          <p:cNvSpPr txBox="1">
+            <a:spLocks noGrp="1"/>
+          </p:cNvSpPr>
           <p:nvPr>
-            <p:ph hasCustomPrompt="1" type="title"/>
+            <p:ph type="title" hasCustomPrompt="1"/>
           </p:nvPr>
         </p:nvSpPr>
         <p:spPr>
@@ -2054,7 +2247,7 @@
           </a:prstGeom>
         </p:spPr>
         <p:txBody>
-          <a:bodyPr anchorCtr="0" anchor="b" bIns="91425" lIns="91425" spcFirstLastPara="1" rIns="91425" wrap="square" tIns="91425">
+          <a:bodyPr spcFirstLastPara="1" wrap="square" lIns="91425" tIns="91425" rIns="91425" bIns="91425" anchor="b" anchorCtr="0">
             <a:noAutofit/>
           </a:bodyPr>
           <a:lstStyle>
@@ -2168,9 +2361,11 @@
       <p:sp>
         <p:nvSpPr>
           <p:cNvPr id="51" name="Google Shape;51;p11"/>
-          <p:cNvSpPr txBox="1"/>
+          <p:cNvSpPr txBox="1">
+            <a:spLocks noGrp="1"/>
+          </p:cNvSpPr>
           <p:nvPr>
-            <p:ph idx="1" type="body"/>
+            <p:ph type="body" idx="1"/>
           </p:nvPr>
         </p:nvSpPr>
         <p:spPr>
@@ -2183,11 +2378,11 @@
           </a:prstGeom>
         </p:spPr>
         <p:txBody>
-          <a:bodyPr anchorCtr="0" anchor="t" bIns="91425" lIns="91425" spcFirstLastPara="1" rIns="91425" wrap="square" tIns="91425">
+          <a:bodyPr spcFirstLastPara="1" wrap="square" lIns="91425" tIns="91425" rIns="91425" bIns="91425" anchor="t" anchorCtr="0">
             <a:noAutofit/>
           </a:bodyPr>
           <a:lstStyle>
-            <a:lvl1pPr indent="-342900" lvl="0" marL="457200" algn="ctr">
+            <a:lvl1pPr marL="457200" lvl="0" indent="-342900" algn="ctr">
               <a:spcBef>
                 <a:spcPts val="0"/>
               </a:spcBef>
@@ -2198,7 +2393,7 @@
               <a:buChar char="●"/>
               <a:defRPr/>
             </a:lvl1pPr>
-            <a:lvl2pPr indent="-317500" lvl="1" marL="914400" algn="ctr">
+            <a:lvl2pPr marL="914400" lvl="1" indent="-317500" algn="ctr">
               <a:spcBef>
                 <a:spcPts val="1600"/>
               </a:spcBef>
@@ -2209,7 +2404,7 @@
               <a:buChar char="○"/>
               <a:defRPr/>
             </a:lvl2pPr>
-            <a:lvl3pPr indent="-317500" lvl="2" marL="1371600" algn="ctr">
+            <a:lvl3pPr marL="1371600" lvl="2" indent="-317500" algn="ctr">
               <a:spcBef>
                 <a:spcPts val="1600"/>
               </a:spcBef>
@@ -2220,7 +2415,7 @@
               <a:buChar char="■"/>
               <a:defRPr/>
             </a:lvl3pPr>
-            <a:lvl4pPr indent="-317500" lvl="3" marL="1828800" algn="ctr">
+            <a:lvl4pPr marL="1828800" lvl="3" indent="-317500" algn="ctr">
               <a:spcBef>
                 <a:spcPts val="1600"/>
               </a:spcBef>
@@ -2231,7 +2426,7 @@
               <a:buChar char="●"/>
               <a:defRPr/>
             </a:lvl4pPr>
-            <a:lvl5pPr indent="-317500" lvl="4" marL="2286000" algn="ctr">
+            <a:lvl5pPr marL="2286000" lvl="4" indent="-317500" algn="ctr">
               <a:spcBef>
                 <a:spcPts val="1600"/>
               </a:spcBef>
@@ -2242,7 +2437,7 @@
               <a:buChar char="○"/>
               <a:defRPr/>
             </a:lvl5pPr>
-            <a:lvl6pPr indent="-317500" lvl="5" marL="2743200" algn="ctr">
+            <a:lvl6pPr marL="2743200" lvl="5" indent="-317500" algn="ctr">
               <a:spcBef>
                 <a:spcPts val="1600"/>
               </a:spcBef>
@@ -2253,7 +2448,7 @@
               <a:buChar char="■"/>
               <a:defRPr/>
             </a:lvl6pPr>
-            <a:lvl7pPr indent="-317500" lvl="6" marL="3200400" algn="ctr">
+            <a:lvl7pPr marL="3200400" lvl="6" indent="-317500" algn="ctr">
               <a:spcBef>
                 <a:spcPts val="1600"/>
               </a:spcBef>
@@ -2264,7 +2459,7 @@
               <a:buChar char="●"/>
               <a:defRPr/>
             </a:lvl7pPr>
-            <a:lvl8pPr indent="-317500" lvl="7" marL="3657600" algn="ctr">
+            <a:lvl8pPr marL="3657600" lvl="7" indent="-317500" algn="ctr">
               <a:spcBef>
                 <a:spcPts val="1600"/>
               </a:spcBef>
@@ -2275,7 +2470,7 @@
               <a:buChar char="○"/>
               <a:defRPr/>
             </a:lvl8pPr>
-            <a:lvl9pPr indent="-317500" lvl="8" marL="4114800" algn="ctr">
+            <a:lvl9pPr marL="4114800" lvl="8" indent="-317500" algn="ctr">
               <a:spcBef>
                 <a:spcPts val="1600"/>
               </a:spcBef>
@@ -2287,15 +2482,19 @@
               <a:defRPr/>
             </a:lvl9pPr>
           </a:lstStyle>
-          <a:p/>
+          <a:p>
+            <a:endParaRPr/>
+          </a:p>
         </p:txBody>
       </p:sp>
       <p:sp>
         <p:nvSpPr>
           <p:cNvPr id="52" name="Google Shape;52;p11"/>
-          <p:cNvSpPr txBox="1"/>
+          <p:cNvSpPr txBox="1">
+            <a:spLocks noGrp="1"/>
+          </p:cNvSpPr>
           <p:nvPr>
-            <p:ph idx="12" type="sldNum"/>
+            <p:ph type="sldNum" idx="12"/>
           </p:nvPr>
         </p:nvSpPr>
         <p:spPr>
@@ -2308,7 +2507,7 @@
           </a:prstGeom>
         </p:spPr>
         <p:txBody>
-          <a:bodyPr anchorCtr="0" anchor="ctr" bIns="91425" lIns="91425" spcFirstLastPara="1" rIns="91425" wrap="square" tIns="91425">
+          <a:bodyPr spcFirstLastPara="1" wrap="square" lIns="91425" tIns="91425" rIns="91425" bIns="91425" anchor="ctr" anchorCtr="0">
             <a:noAutofit/>
           </a:bodyPr>
           <a:lstStyle>
@@ -2350,7 +2549,7 @@
             </a:lvl9pPr>
           </a:lstStyle>
           <a:p>
-            <a:pPr indent="0" lvl="0" marL="0" rtl="0" algn="r">
+            <a:pPr marL="0" lvl="0" indent="0" algn="r" rtl="0">
               <a:spcBef>
                 <a:spcPts val="0"/>
               </a:spcBef>
@@ -2376,11 +2575,11 @@
 </file>
 
 <file path=ppt/slideLayouts/slideLayout11.xml><?xml version="1.0" encoding="utf-8"?>
-<p:sldLayout xmlns:a="http://schemas.openxmlformats.org/drawingml/2006/main" xmlns:r="http://schemas.openxmlformats.org/officeDocument/2006/relationships" xmlns:mc="http://schemas.openxmlformats.org/markup-compatibility/2006" xmlns:mv="urn:schemas-microsoft-com:mac:vml" xmlns:p="http://schemas.openxmlformats.org/presentationml/2006/main" xmlns:c="http://schemas.openxmlformats.org/drawingml/2006/chart" xmlns:dgm="http://schemas.openxmlformats.org/drawingml/2006/diagram" xmlns:o="urn:schemas-microsoft-com:office:office" xmlns:v="urn:schemas-microsoft-com:vml" xmlns:pvml="urn:schemas-microsoft-com:office:powerpoint" xmlns:com="http://schemas.openxmlformats.org/drawingml/2006/compatibility" xmlns:p14="http://schemas.microsoft.com/office/powerpoint/2010/main" xmlns:p15="http://schemas.microsoft.com/office/powerpoint/2012/main" matchingName="Blank" type="blank">
+<p:sldLayout xmlns:a="http://schemas.openxmlformats.org/drawingml/2006/main" xmlns:r="http://schemas.openxmlformats.org/officeDocument/2006/relationships" xmlns:p="http://schemas.openxmlformats.org/presentationml/2006/main" matchingName="Blank" type="blank">
   <p:cSld name="BLANK">
     <p:spTree>
       <p:nvGrpSpPr>
-        <p:cNvPr id="53" name="Shape 53"/>
+        <p:cNvPr id="1" name="Shape 53"/>
         <p:cNvGrpSpPr/>
         <p:nvPr/>
       </p:nvGrpSpPr>
@@ -2395,9 +2594,11 @@
       <p:sp>
         <p:nvSpPr>
           <p:cNvPr id="54" name="Google Shape;54;p12"/>
-          <p:cNvSpPr txBox="1"/>
+          <p:cNvSpPr txBox="1">
+            <a:spLocks noGrp="1"/>
+          </p:cNvSpPr>
           <p:nvPr>
-            <p:ph idx="12" type="sldNum"/>
+            <p:ph type="sldNum" idx="12"/>
           </p:nvPr>
         </p:nvSpPr>
         <p:spPr>
@@ -2410,7 +2611,7 @@
           </a:prstGeom>
         </p:spPr>
         <p:txBody>
-          <a:bodyPr anchorCtr="0" anchor="ctr" bIns="91425" lIns="91425" spcFirstLastPara="1" rIns="91425" wrap="square" tIns="91425">
+          <a:bodyPr spcFirstLastPara="1" wrap="square" lIns="91425" tIns="91425" rIns="91425" bIns="91425" anchor="ctr" anchorCtr="0">
             <a:noAutofit/>
           </a:bodyPr>
           <a:lstStyle>
@@ -2452,7 +2653,7 @@
             </a:lvl9pPr>
           </a:lstStyle>
           <a:p>
-            <a:pPr indent="0" lvl="0" marL="0" rtl="0" algn="r">
+            <a:pPr marL="0" lvl="0" indent="0" algn="r" rtl="0">
               <a:spcBef>
                 <a:spcPts val="0"/>
               </a:spcBef>
@@ -2478,11 +2679,11 @@
 </file>
 
 <file path=ppt/slideLayouts/slideLayout2.xml><?xml version="1.0" encoding="utf-8"?>
-<p:sldLayout xmlns:a="http://schemas.openxmlformats.org/drawingml/2006/main" xmlns:r="http://schemas.openxmlformats.org/officeDocument/2006/relationships" xmlns:mc="http://schemas.openxmlformats.org/markup-compatibility/2006" xmlns:mv="urn:schemas-microsoft-com:mac:vml" xmlns:p="http://schemas.openxmlformats.org/presentationml/2006/main" xmlns:c="http://schemas.openxmlformats.org/drawingml/2006/chart" xmlns:dgm="http://schemas.openxmlformats.org/drawingml/2006/diagram" xmlns:o="urn:schemas-microsoft-com:office:office" xmlns:v="urn:schemas-microsoft-com:vml" xmlns:pvml="urn:schemas-microsoft-com:office:powerpoint" xmlns:com="http://schemas.openxmlformats.org/drawingml/2006/compatibility" xmlns:p14="http://schemas.microsoft.com/office/powerpoint/2010/main" xmlns:p15="http://schemas.microsoft.com/office/powerpoint/2012/main" matchingName="Section header" type="secHead">
+<p:sldLayout xmlns:a="http://schemas.openxmlformats.org/drawingml/2006/main" xmlns:r="http://schemas.openxmlformats.org/officeDocument/2006/relationships" xmlns:p="http://schemas.openxmlformats.org/presentationml/2006/main" matchingName="Section header" type="secHead">
   <p:cSld name="SECTION_HEADER">
     <p:spTree>
       <p:nvGrpSpPr>
-        <p:cNvPr id="17" name="Shape 17"/>
+        <p:cNvPr id="1" name="Shape 17"/>
         <p:cNvGrpSpPr/>
         <p:nvPr/>
       </p:nvGrpSpPr>
@@ -2497,7 +2698,9 @@
       <p:sp>
         <p:nvSpPr>
           <p:cNvPr id="18" name="Google Shape;18;p3"/>
-          <p:cNvSpPr txBox="1"/>
+          <p:cNvSpPr txBox="1">
+            <a:spLocks noGrp="1"/>
+          </p:cNvSpPr>
           <p:nvPr>
             <p:ph type="title"/>
           </p:nvPr>
@@ -2512,7 +2715,7 @@
           </a:prstGeom>
         </p:spPr>
         <p:txBody>
-          <a:bodyPr anchorCtr="0" anchor="ctr" bIns="91425" lIns="91425" spcFirstLastPara="1" rIns="91425" wrap="square" tIns="91425">
+          <a:bodyPr spcFirstLastPara="1" wrap="square" lIns="91425" tIns="91425" rIns="91425" bIns="91425" anchor="ctr" anchorCtr="0">
             <a:noAutofit/>
           </a:bodyPr>
           <a:lstStyle>
@@ -2616,15 +2819,19 @@
               <a:defRPr sz="3600"/>
             </a:lvl9pPr>
           </a:lstStyle>
-          <a:p/>
+          <a:p>
+            <a:endParaRPr/>
+          </a:p>
         </p:txBody>
       </p:sp>
       <p:sp>
         <p:nvSpPr>
           <p:cNvPr id="19" name="Google Shape;19;p3"/>
-          <p:cNvSpPr txBox="1"/>
+          <p:cNvSpPr txBox="1">
+            <a:spLocks noGrp="1"/>
+          </p:cNvSpPr>
           <p:nvPr>
-            <p:ph idx="12" type="sldNum"/>
+            <p:ph type="sldNum" idx="12"/>
           </p:nvPr>
         </p:nvSpPr>
         <p:spPr>
@@ -2637,7 +2844,7 @@
           </a:prstGeom>
         </p:spPr>
         <p:txBody>
-          <a:bodyPr anchorCtr="0" anchor="ctr" bIns="91425" lIns="91425" spcFirstLastPara="1" rIns="91425" wrap="square" tIns="91425">
+          <a:bodyPr spcFirstLastPara="1" wrap="square" lIns="91425" tIns="91425" rIns="91425" bIns="91425" anchor="ctr" anchorCtr="0">
             <a:noAutofit/>
           </a:bodyPr>
           <a:lstStyle>
@@ -2679,7 +2886,7 @@
             </a:lvl9pPr>
           </a:lstStyle>
           <a:p>
-            <a:pPr indent="0" lvl="0" marL="0" rtl="0" algn="r">
+            <a:pPr marL="0" lvl="0" indent="0" algn="r" rtl="0">
               <a:spcBef>
                 <a:spcPts val="0"/>
               </a:spcBef>
@@ -2705,11 +2912,11 @@
 </file>
 
 <file path=ppt/slideLayouts/slideLayout3.xml><?xml version="1.0" encoding="utf-8"?>
-<p:sldLayout xmlns:a="http://schemas.openxmlformats.org/drawingml/2006/main" xmlns:r="http://schemas.openxmlformats.org/officeDocument/2006/relationships" xmlns:mc="http://schemas.openxmlformats.org/markup-compatibility/2006" xmlns:mv="urn:schemas-microsoft-com:mac:vml" xmlns:p="http://schemas.openxmlformats.org/presentationml/2006/main" xmlns:c="http://schemas.openxmlformats.org/drawingml/2006/chart" xmlns:dgm="http://schemas.openxmlformats.org/drawingml/2006/diagram" xmlns:o="urn:schemas-microsoft-com:office:office" xmlns:v="urn:schemas-microsoft-com:vml" xmlns:pvml="urn:schemas-microsoft-com:office:powerpoint" xmlns:com="http://schemas.openxmlformats.org/drawingml/2006/compatibility" xmlns:p14="http://schemas.microsoft.com/office/powerpoint/2010/main" xmlns:p15="http://schemas.microsoft.com/office/powerpoint/2012/main" matchingName="Title and body" type="tx">
+<p:sldLayout xmlns:a="http://schemas.openxmlformats.org/drawingml/2006/main" xmlns:r="http://schemas.openxmlformats.org/officeDocument/2006/relationships" xmlns:p="http://schemas.openxmlformats.org/presentationml/2006/main" matchingName="Title and body" type="tx">
   <p:cSld name="TITLE_AND_BODY">
     <p:spTree>
       <p:nvGrpSpPr>
-        <p:cNvPr id="20" name="Shape 20"/>
+        <p:cNvPr id="1" name="Shape 20"/>
         <p:cNvGrpSpPr/>
         <p:nvPr/>
       </p:nvGrpSpPr>
@@ -2724,7 +2931,9 @@
       <p:sp>
         <p:nvSpPr>
           <p:cNvPr id="21" name="Google Shape;21;p4"/>
-          <p:cNvSpPr txBox="1"/>
+          <p:cNvSpPr txBox="1">
+            <a:spLocks noGrp="1"/>
+          </p:cNvSpPr>
           <p:nvPr>
             <p:ph type="title"/>
           </p:nvPr>
@@ -2739,7 +2948,7 @@
           </a:prstGeom>
         </p:spPr>
         <p:txBody>
-          <a:bodyPr anchorCtr="0" anchor="t" bIns="91425" lIns="91425" spcFirstLastPara="1" rIns="91425" wrap="square" tIns="91425">
+          <a:bodyPr spcFirstLastPara="1" wrap="square" lIns="91425" tIns="91425" rIns="91425" bIns="91425" anchor="t" anchorCtr="0">
             <a:noAutofit/>
           </a:bodyPr>
           <a:lstStyle>
@@ -2843,15 +3052,19 @@
               <a:defRPr/>
             </a:lvl9pPr>
           </a:lstStyle>
-          <a:p/>
+          <a:p>
+            <a:endParaRPr/>
+          </a:p>
         </p:txBody>
       </p:sp>
       <p:sp>
         <p:nvSpPr>
           <p:cNvPr id="22" name="Google Shape;22;p4"/>
-          <p:cNvSpPr txBox="1"/>
+          <p:cNvSpPr txBox="1">
+            <a:spLocks noGrp="1"/>
+          </p:cNvSpPr>
           <p:nvPr>
-            <p:ph idx="1" type="body"/>
+            <p:ph type="body" idx="1"/>
           </p:nvPr>
         </p:nvSpPr>
         <p:spPr>
@@ -2864,11 +3077,11 @@
           </a:prstGeom>
         </p:spPr>
         <p:txBody>
-          <a:bodyPr anchorCtr="0" anchor="t" bIns="91425" lIns="91425" spcFirstLastPara="1" rIns="91425" wrap="square" tIns="91425">
+          <a:bodyPr spcFirstLastPara="1" wrap="square" lIns="91425" tIns="91425" rIns="91425" bIns="91425" anchor="t" anchorCtr="0">
             <a:noAutofit/>
           </a:bodyPr>
           <a:lstStyle>
-            <a:lvl1pPr indent="-342900" lvl="0" marL="457200">
+            <a:lvl1pPr marL="457200" lvl="0" indent="-342900">
               <a:spcBef>
                 <a:spcPts val="0"/>
               </a:spcBef>
@@ -2879,7 +3092,7 @@
               <a:buChar char="●"/>
               <a:defRPr/>
             </a:lvl1pPr>
-            <a:lvl2pPr indent="-317500" lvl="1" marL="914400">
+            <a:lvl2pPr marL="914400" lvl="1" indent="-317500">
               <a:spcBef>
                 <a:spcPts val="1600"/>
               </a:spcBef>
@@ -2890,7 +3103,7 @@
               <a:buChar char="○"/>
               <a:defRPr/>
             </a:lvl2pPr>
-            <a:lvl3pPr indent="-317500" lvl="2" marL="1371600">
+            <a:lvl3pPr marL="1371600" lvl="2" indent="-317500">
               <a:spcBef>
                 <a:spcPts val="1600"/>
               </a:spcBef>
@@ -2901,7 +3114,7 @@
               <a:buChar char="■"/>
               <a:defRPr/>
             </a:lvl3pPr>
-            <a:lvl4pPr indent="-317500" lvl="3" marL="1828800">
+            <a:lvl4pPr marL="1828800" lvl="3" indent="-317500">
               <a:spcBef>
                 <a:spcPts val="1600"/>
               </a:spcBef>
@@ -2912,7 +3125,7 @@
               <a:buChar char="●"/>
               <a:defRPr/>
             </a:lvl4pPr>
-            <a:lvl5pPr indent="-317500" lvl="4" marL="2286000">
+            <a:lvl5pPr marL="2286000" lvl="4" indent="-317500">
               <a:spcBef>
                 <a:spcPts val="1600"/>
               </a:spcBef>
@@ -2923,7 +3136,7 @@
               <a:buChar char="○"/>
               <a:defRPr/>
             </a:lvl5pPr>
-            <a:lvl6pPr indent="-317500" lvl="5" marL="2743200">
+            <a:lvl6pPr marL="2743200" lvl="5" indent="-317500">
               <a:spcBef>
                 <a:spcPts val="1600"/>
               </a:spcBef>
@@ -2934,7 +3147,7 @@
               <a:buChar char="■"/>
               <a:defRPr/>
             </a:lvl6pPr>
-            <a:lvl7pPr indent="-317500" lvl="6" marL="3200400">
+            <a:lvl7pPr marL="3200400" lvl="6" indent="-317500">
               <a:spcBef>
                 <a:spcPts val="1600"/>
               </a:spcBef>
@@ -2945,7 +3158,7 @@
               <a:buChar char="●"/>
               <a:defRPr/>
             </a:lvl7pPr>
-            <a:lvl8pPr indent="-317500" lvl="7" marL="3657600">
+            <a:lvl8pPr marL="3657600" lvl="7" indent="-317500">
               <a:spcBef>
                 <a:spcPts val="1600"/>
               </a:spcBef>
@@ -2956,7 +3169,7 @@
               <a:buChar char="○"/>
               <a:defRPr/>
             </a:lvl8pPr>
-            <a:lvl9pPr indent="-317500" lvl="8" marL="4114800">
+            <a:lvl9pPr marL="4114800" lvl="8" indent="-317500">
               <a:spcBef>
                 <a:spcPts val="1600"/>
               </a:spcBef>
@@ -2968,15 +3181,19 @@
               <a:defRPr/>
             </a:lvl9pPr>
           </a:lstStyle>
-          <a:p/>
+          <a:p>
+            <a:endParaRPr/>
+          </a:p>
         </p:txBody>
       </p:sp>
       <p:sp>
         <p:nvSpPr>
           <p:cNvPr id="23" name="Google Shape;23;p4"/>
-          <p:cNvSpPr txBox="1"/>
+          <p:cNvSpPr txBox="1">
+            <a:spLocks noGrp="1"/>
+          </p:cNvSpPr>
           <p:nvPr>
-            <p:ph idx="12" type="sldNum"/>
+            <p:ph type="sldNum" idx="12"/>
           </p:nvPr>
         </p:nvSpPr>
         <p:spPr>
@@ -2989,7 +3206,7 @@
           </a:prstGeom>
         </p:spPr>
         <p:txBody>
-          <a:bodyPr anchorCtr="0" anchor="ctr" bIns="91425" lIns="91425" spcFirstLastPara="1" rIns="91425" wrap="square" tIns="91425">
+          <a:bodyPr spcFirstLastPara="1" wrap="square" lIns="91425" tIns="91425" rIns="91425" bIns="91425" anchor="ctr" anchorCtr="0">
             <a:noAutofit/>
           </a:bodyPr>
           <a:lstStyle>
@@ -3031,7 +3248,7 @@
             </a:lvl9pPr>
           </a:lstStyle>
           <a:p>
-            <a:pPr indent="0" lvl="0" marL="0" rtl="0" algn="r">
+            <a:pPr marL="0" lvl="0" indent="0" algn="r" rtl="0">
               <a:spcBef>
                 <a:spcPts val="0"/>
               </a:spcBef>
@@ -3057,11 +3274,11 @@
 </file>
 
 <file path=ppt/slideLayouts/slideLayout4.xml><?xml version="1.0" encoding="utf-8"?>
-<p:sldLayout xmlns:a="http://schemas.openxmlformats.org/drawingml/2006/main" xmlns:r="http://schemas.openxmlformats.org/officeDocument/2006/relationships" xmlns:mc="http://schemas.openxmlformats.org/markup-compatibility/2006" xmlns:mv="urn:schemas-microsoft-com:mac:vml" xmlns:p="http://schemas.openxmlformats.org/presentationml/2006/main" xmlns:c="http://schemas.openxmlformats.org/drawingml/2006/chart" xmlns:dgm="http://schemas.openxmlformats.org/drawingml/2006/diagram" xmlns:o="urn:schemas-microsoft-com:office:office" xmlns:v="urn:schemas-microsoft-com:vml" xmlns:pvml="urn:schemas-microsoft-com:office:powerpoint" xmlns:com="http://schemas.openxmlformats.org/drawingml/2006/compatibility" xmlns:p14="http://schemas.microsoft.com/office/powerpoint/2010/main" xmlns:p15="http://schemas.microsoft.com/office/powerpoint/2012/main" matchingName="Title and two columns" type="twoColTx">
+<p:sldLayout xmlns:a="http://schemas.openxmlformats.org/drawingml/2006/main" xmlns:r="http://schemas.openxmlformats.org/officeDocument/2006/relationships" xmlns:p="http://schemas.openxmlformats.org/presentationml/2006/main" matchingName="Title and two columns" type="twoColTx">
   <p:cSld name="TITLE_AND_TWO_COLUMNS">
     <p:spTree>
       <p:nvGrpSpPr>
-        <p:cNvPr id="24" name="Shape 24"/>
+        <p:cNvPr id="1" name="Shape 24"/>
         <p:cNvGrpSpPr/>
         <p:nvPr/>
       </p:nvGrpSpPr>
@@ -3076,7 +3293,9 @@
       <p:sp>
         <p:nvSpPr>
           <p:cNvPr id="25" name="Google Shape;25;p5"/>
-          <p:cNvSpPr txBox="1"/>
+          <p:cNvSpPr txBox="1">
+            <a:spLocks noGrp="1"/>
+          </p:cNvSpPr>
           <p:nvPr>
             <p:ph type="title"/>
           </p:nvPr>
@@ -3091,7 +3310,7 @@
           </a:prstGeom>
         </p:spPr>
         <p:txBody>
-          <a:bodyPr anchorCtr="0" anchor="t" bIns="91425" lIns="91425" spcFirstLastPara="1" rIns="91425" wrap="square" tIns="91425">
+          <a:bodyPr spcFirstLastPara="1" wrap="square" lIns="91425" tIns="91425" rIns="91425" bIns="91425" anchor="t" anchorCtr="0">
             <a:noAutofit/>
           </a:bodyPr>
           <a:lstStyle>
@@ -3195,15 +3414,19 @@
               <a:defRPr/>
             </a:lvl9pPr>
           </a:lstStyle>
-          <a:p/>
+          <a:p>
+            <a:endParaRPr/>
+          </a:p>
         </p:txBody>
       </p:sp>
       <p:sp>
         <p:nvSpPr>
           <p:cNvPr id="26" name="Google Shape;26;p5"/>
-          <p:cNvSpPr txBox="1"/>
+          <p:cNvSpPr txBox="1">
+            <a:spLocks noGrp="1"/>
+          </p:cNvSpPr>
           <p:nvPr>
-            <p:ph idx="1" type="body"/>
+            <p:ph type="body" idx="1"/>
           </p:nvPr>
         </p:nvSpPr>
         <p:spPr>
@@ -3216,11 +3439,11 @@
           </a:prstGeom>
         </p:spPr>
         <p:txBody>
-          <a:bodyPr anchorCtr="0" anchor="t" bIns="91425" lIns="91425" spcFirstLastPara="1" rIns="91425" wrap="square" tIns="91425">
+          <a:bodyPr spcFirstLastPara="1" wrap="square" lIns="91425" tIns="91425" rIns="91425" bIns="91425" anchor="t" anchorCtr="0">
             <a:noAutofit/>
           </a:bodyPr>
           <a:lstStyle>
-            <a:lvl1pPr indent="-317500" lvl="0" marL="457200">
+            <a:lvl1pPr marL="457200" lvl="0" indent="-317500">
               <a:spcBef>
                 <a:spcPts val="0"/>
               </a:spcBef>
@@ -3231,7 +3454,7 @@
               <a:buChar char="●"/>
               <a:defRPr sz="1400"/>
             </a:lvl1pPr>
-            <a:lvl2pPr indent="-304800" lvl="1" marL="914400">
+            <a:lvl2pPr marL="914400" lvl="1" indent="-304800">
               <a:spcBef>
                 <a:spcPts val="1600"/>
               </a:spcBef>
@@ -3242,7 +3465,7 @@
               <a:buChar char="○"/>
               <a:defRPr sz="1200"/>
             </a:lvl2pPr>
-            <a:lvl3pPr indent="-304800" lvl="2" marL="1371600">
+            <a:lvl3pPr marL="1371600" lvl="2" indent="-304800">
               <a:spcBef>
                 <a:spcPts val="1600"/>
               </a:spcBef>
@@ -3253,7 +3476,7 @@
               <a:buChar char="■"/>
               <a:defRPr sz="1200"/>
             </a:lvl3pPr>
-            <a:lvl4pPr indent="-304800" lvl="3" marL="1828800">
+            <a:lvl4pPr marL="1828800" lvl="3" indent="-304800">
               <a:spcBef>
                 <a:spcPts val="1600"/>
               </a:spcBef>
@@ -3264,7 +3487,7 @@
               <a:buChar char="●"/>
               <a:defRPr sz="1200"/>
             </a:lvl4pPr>
-            <a:lvl5pPr indent="-304800" lvl="4" marL="2286000">
+            <a:lvl5pPr marL="2286000" lvl="4" indent="-304800">
               <a:spcBef>
                 <a:spcPts val="1600"/>
               </a:spcBef>
@@ -3275,7 +3498,7 @@
               <a:buChar char="○"/>
               <a:defRPr sz="1200"/>
             </a:lvl5pPr>
-            <a:lvl6pPr indent="-304800" lvl="5" marL="2743200">
+            <a:lvl6pPr marL="2743200" lvl="5" indent="-304800">
               <a:spcBef>
                 <a:spcPts val="1600"/>
               </a:spcBef>
@@ -3286,7 +3509,7 @@
               <a:buChar char="■"/>
               <a:defRPr sz="1200"/>
             </a:lvl6pPr>
-            <a:lvl7pPr indent="-304800" lvl="6" marL="3200400">
+            <a:lvl7pPr marL="3200400" lvl="6" indent="-304800">
               <a:spcBef>
                 <a:spcPts val="1600"/>
               </a:spcBef>
@@ -3297,7 +3520,7 @@
               <a:buChar char="●"/>
               <a:defRPr sz="1200"/>
             </a:lvl7pPr>
-            <a:lvl8pPr indent="-304800" lvl="7" marL="3657600">
+            <a:lvl8pPr marL="3657600" lvl="7" indent="-304800">
               <a:spcBef>
                 <a:spcPts val="1600"/>
               </a:spcBef>
@@ -3308,7 +3531,7 @@
               <a:buChar char="○"/>
               <a:defRPr sz="1200"/>
             </a:lvl8pPr>
-            <a:lvl9pPr indent="-304800" lvl="8" marL="4114800">
+            <a:lvl9pPr marL="4114800" lvl="8" indent="-304800">
               <a:spcBef>
                 <a:spcPts val="1600"/>
               </a:spcBef>
@@ -3320,15 +3543,19 @@
               <a:defRPr sz="1200"/>
             </a:lvl9pPr>
           </a:lstStyle>
-          <a:p/>
+          <a:p>
+            <a:endParaRPr/>
+          </a:p>
         </p:txBody>
       </p:sp>
       <p:sp>
         <p:nvSpPr>
           <p:cNvPr id="27" name="Google Shape;27;p5"/>
-          <p:cNvSpPr txBox="1"/>
+          <p:cNvSpPr txBox="1">
+            <a:spLocks noGrp="1"/>
+          </p:cNvSpPr>
           <p:nvPr>
-            <p:ph idx="2" type="body"/>
+            <p:ph type="body" idx="2"/>
           </p:nvPr>
         </p:nvSpPr>
         <p:spPr>
@@ -3341,11 +3568,11 @@
           </a:prstGeom>
         </p:spPr>
         <p:txBody>
-          <a:bodyPr anchorCtr="0" anchor="t" bIns="91425" lIns="91425" spcFirstLastPara="1" rIns="91425" wrap="square" tIns="91425">
+          <a:bodyPr spcFirstLastPara="1" wrap="square" lIns="91425" tIns="91425" rIns="91425" bIns="91425" anchor="t" anchorCtr="0">
             <a:noAutofit/>
           </a:bodyPr>
           <a:lstStyle>
-            <a:lvl1pPr indent="-317500" lvl="0" marL="457200">
+            <a:lvl1pPr marL="457200" lvl="0" indent="-317500">
               <a:spcBef>
                 <a:spcPts val="0"/>
               </a:spcBef>
@@ -3356,7 +3583,7 @@
               <a:buChar char="●"/>
               <a:defRPr sz="1400"/>
             </a:lvl1pPr>
-            <a:lvl2pPr indent="-304800" lvl="1" marL="914400">
+            <a:lvl2pPr marL="914400" lvl="1" indent="-304800">
               <a:spcBef>
                 <a:spcPts val="1600"/>
               </a:spcBef>
@@ -3367,7 +3594,7 @@
               <a:buChar char="○"/>
               <a:defRPr sz="1200"/>
             </a:lvl2pPr>
-            <a:lvl3pPr indent="-304800" lvl="2" marL="1371600">
+            <a:lvl3pPr marL="1371600" lvl="2" indent="-304800">
               <a:spcBef>
                 <a:spcPts val="1600"/>
               </a:spcBef>
@@ -3378,7 +3605,7 @@
               <a:buChar char="■"/>
               <a:defRPr sz="1200"/>
             </a:lvl3pPr>
-            <a:lvl4pPr indent="-304800" lvl="3" marL="1828800">
+            <a:lvl4pPr marL="1828800" lvl="3" indent="-304800">
               <a:spcBef>
                 <a:spcPts val="1600"/>
               </a:spcBef>
@@ -3389,7 +3616,7 @@
               <a:buChar char="●"/>
               <a:defRPr sz="1200"/>
             </a:lvl4pPr>
-            <a:lvl5pPr indent="-304800" lvl="4" marL="2286000">
+            <a:lvl5pPr marL="2286000" lvl="4" indent="-304800">
               <a:spcBef>
                 <a:spcPts val="1600"/>
               </a:spcBef>
@@ -3400,7 +3627,7 @@
               <a:buChar char="○"/>
               <a:defRPr sz="1200"/>
             </a:lvl5pPr>
-            <a:lvl6pPr indent="-304800" lvl="5" marL="2743200">
+            <a:lvl6pPr marL="2743200" lvl="5" indent="-304800">
               <a:spcBef>
                 <a:spcPts val="1600"/>
               </a:spcBef>
@@ -3411,7 +3638,7 @@
               <a:buChar char="■"/>
               <a:defRPr sz="1200"/>
             </a:lvl6pPr>
-            <a:lvl7pPr indent="-304800" lvl="6" marL="3200400">
+            <a:lvl7pPr marL="3200400" lvl="6" indent="-304800">
               <a:spcBef>
                 <a:spcPts val="1600"/>
               </a:spcBef>
@@ -3422,7 +3649,7 @@
               <a:buChar char="●"/>
               <a:defRPr sz="1200"/>
             </a:lvl7pPr>
-            <a:lvl8pPr indent="-304800" lvl="7" marL="3657600">
+            <a:lvl8pPr marL="3657600" lvl="7" indent="-304800">
               <a:spcBef>
                 <a:spcPts val="1600"/>
               </a:spcBef>
@@ -3433,7 +3660,7 @@
               <a:buChar char="○"/>
               <a:defRPr sz="1200"/>
             </a:lvl8pPr>
-            <a:lvl9pPr indent="-304800" lvl="8" marL="4114800">
+            <a:lvl9pPr marL="4114800" lvl="8" indent="-304800">
               <a:spcBef>
                 <a:spcPts val="1600"/>
               </a:spcBef>
@@ -3445,15 +3672,19 @@
               <a:defRPr sz="1200"/>
             </a:lvl9pPr>
           </a:lstStyle>
-          <a:p/>
+          <a:p>
+            <a:endParaRPr/>
+          </a:p>
         </p:txBody>
       </p:sp>
       <p:sp>
         <p:nvSpPr>
           <p:cNvPr id="28" name="Google Shape;28;p5"/>
-          <p:cNvSpPr txBox="1"/>
+          <p:cNvSpPr txBox="1">
+            <a:spLocks noGrp="1"/>
+          </p:cNvSpPr>
           <p:nvPr>
-            <p:ph idx="12" type="sldNum"/>
+            <p:ph type="sldNum" idx="12"/>
           </p:nvPr>
         </p:nvSpPr>
         <p:spPr>
@@ -3466,7 +3697,7 @@
           </a:prstGeom>
         </p:spPr>
         <p:txBody>
-          <a:bodyPr anchorCtr="0" anchor="ctr" bIns="91425" lIns="91425" spcFirstLastPara="1" rIns="91425" wrap="square" tIns="91425">
+          <a:bodyPr spcFirstLastPara="1" wrap="square" lIns="91425" tIns="91425" rIns="91425" bIns="91425" anchor="ctr" anchorCtr="0">
             <a:noAutofit/>
           </a:bodyPr>
           <a:lstStyle>
@@ -3508,7 +3739,7 @@
             </a:lvl9pPr>
           </a:lstStyle>
           <a:p>
-            <a:pPr indent="0" lvl="0" marL="0" rtl="0" algn="r">
+            <a:pPr marL="0" lvl="0" indent="0" algn="r" rtl="0">
               <a:spcBef>
                 <a:spcPts val="0"/>
               </a:spcBef>
@@ -3534,11 +3765,11 @@
 </file>
 
 <file path=ppt/slideLayouts/slideLayout5.xml><?xml version="1.0" encoding="utf-8"?>
-<p:sldLayout xmlns:a="http://schemas.openxmlformats.org/drawingml/2006/main" xmlns:r="http://schemas.openxmlformats.org/officeDocument/2006/relationships" xmlns:mc="http://schemas.openxmlformats.org/markup-compatibility/2006" xmlns:mv="urn:schemas-microsoft-com:mac:vml" xmlns:p="http://schemas.openxmlformats.org/presentationml/2006/main" xmlns:c="http://schemas.openxmlformats.org/drawingml/2006/chart" xmlns:dgm="http://schemas.openxmlformats.org/drawingml/2006/diagram" xmlns:o="urn:schemas-microsoft-com:office:office" xmlns:v="urn:schemas-microsoft-com:vml" xmlns:pvml="urn:schemas-microsoft-com:office:powerpoint" xmlns:com="http://schemas.openxmlformats.org/drawingml/2006/compatibility" xmlns:p14="http://schemas.microsoft.com/office/powerpoint/2010/main" xmlns:p15="http://schemas.microsoft.com/office/powerpoint/2012/main" matchingName="Title only" type="titleOnly">
+<p:sldLayout xmlns:a="http://schemas.openxmlformats.org/drawingml/2006/main" xmlns:r="http://schemas.openxmlformats.org/officeDocument/2006/relationships" xmlns:p="http://schemas.openxmlformats.org/presentationml/2006/main" matchingName="Title only" type="titleOnly">
   <p:cSld name="TITLE_ONLY">
     <p:spTree>
       <p:nvGrpSpPr>
-        <p:cNvPr id="29" name="Shape 29"/>
+        <p:cNvPr id="1" name="Shape 29"/>
         <p:cNvGrpSpPr/>
         <p:nvPr/>
       </p:nvGrpSpPr>
@@ -3553,7 +3784,9 @@
       <p:sp>
         <p:nvSpPr>
           <p:cNvPr id="30" name="Google Shape;30;p6"/>
-          <p:cNvSpPr txBox="1"/>
+          <p:cNvSpPr txBox="1">
+            <a:spLocks noGrp="1"/>
+          </p:cNvSpPr>
           <p:nvPr>
             <p:ph type="title"/>
           </p:nvPr>
@@ -3568,7 +3801,7 @@
           </a:prstGeom>
         </p:spPr>
         <p:txBody>
-          <a:bodyPr anchorCtr="0" anchor="t" bIns="91425" lIns="91425" spcFirstLastPara="1" rIns="91425" wrap="square" tIns="91425">
+          <a:bodyPr spcFirstLastPara="1" wrap="square" lIns="91425" tIns="91425" rIns="91425" bIns="91425" anchor="t" anchorCtr="0">
             <a:noAutofit/>
           </a:bodyPr>
           <a:lstStyle>
@@ -3672,15 +3905,19 @@
               <a:defRPr/>
             </a:lvl9pPr>
           </a:lstStyle>
-          <a:p/>
+          <a:p>
+            <a:endParaRPr/>
+          </a:p>
         </p:txBody>
       </p:sp>
       <p:sp>
         <p:nvSpPr>
           <p:cNvPr id="31" name="Google Shape;31;p6"/>
-          <p:cNvSpPr txBox="1"/>
+          <p:cNvSpPr txBox="1">
+            <a:spLocks noGrp="1"/>
+          </p:cNvSpPr>
           <p:nvPr>
-            <p:ph idx="12" type="sldNum"/>
+            <p:ph type="sldNum" idx="12"/>
           </p:nvPr>
         </p:nvSpPr>
         <p:spPr>
@@ -3693,7 +3930,7 @@
           </a:prstGeom>
         </p:spPr>
         <p:txBody>
-          <a:bodyPr anchorCtr="0" anchor="ctr" bIns="91425" lIns="91425" spcFirstLastPara="1" rIns="91425" wrap="square" tIns="91425">
+          <a:bodyPr spcFirstLastPara="1" wrap="square" lIns="91425" tIns="91425" rIns="91425" bIns="91425" anchor="ctr" anchorCtr="0">
             <a:noAutofit/>
           </a:bodyPr>
           <a:lstStyle>
@@ -3735,7 +3972,7 @@
             </a:lvl9pPr>
           </a:lstStyle>
           <a:p>
-            <a:pPr indent="0" lvl="0" marL="0" rtl="0" algn="r">
+            <a:pPr marL="0" lvl="0" indent="0" algn="r" rtl="0">
               <a:spcBef>
                 <a:spcPts val="0"/>
               </a:spcBef>
@@ -3761,11 +3998,11 @@
 </file>
 
 <file path=ppt/slideLayouts/slideLayout6.xml><?xml version="1.0" encoding="utf-8"?>
-<p:sldLayout xmlns:a="http://schemas.openxmlformats.org/drawingml/2006/main" xmlns:r="http://schemas.openxmlformats.org/officeDocument/2006/relationships" xmlns:mc="http://schemas.openxmlformats.org/markup-compatibility/2006" xmlns:mv="urn:schemas-microsoft-com:mac:vml" xmlns:p="http://schemas.openxmlformats.org/presentationml/2006/main" xmlns:c="http://schemas.openxmlformats.org/drawingml/2006/chart" xmlns:dgm="http://schemas.openxmlformats.org/drawingml/2006/diagram" xmlns:o="urn:schemas-microsoft-com:office:office" xmlns:v="urn:schemas-microsoft-com:vml" xmlns:pvml="urn:schemas-microsoft-com:office:powerpoint" xmlns:com="http://schemas.openxmlformats.org/drawingml/2006/compatibility" xmlns:p14="http://schemas.microsoft.com/office/powerpoint/2010/main" xmlns:p15="http://schemas.microsoft.com/office/powerpoint/2012/main" matchingName="One column text">
+<p:sldLayout xmlns:a="http://schemas.openxmlformats.org/drawingml/2006/main" xmlns:r="http://schemas.openxmlformats.org/officeDocument/2006/relationships" xmlns:p="http://schemas.openxmlformats.org/presentationml/2006/main" matchingName="One column text">
   <p:cSld name="ONE_COLUMN_TEXT">
     <p:spTree>
       <p:nvGrpSpPr>
-        <p:cNvPr id="32" name="Shape 32"/>
+        <p:cNvPr id="1" name="Shape 32"/>
         <p:cNvGrpSpPr/>
         <p:nvPr/>
       </p:nvGrpSpPr>
@@ -3780,7 +4017,9 @@
       <p:sp>
         <p:nvSpPr>
           <p:cNvPr id="33" name="Google Shape;33;p7"/>
-          <p:cNvSpPr txBox="1"/>
+          <p:cNvSpPr txBox="1">
+            <a:spLocks noGrp="1"/>
+          </p:cNvSpPr>
           <p:nvPr>
             <p:ph type="title"/>
           </p:nvPr>
@@ -3795,7 +4034,7 @@
           </a:prstGeom>
         </p:spPr>
         <p:txBody>
-          <a:bodyPr anchorCtr="0" anchor="b" bIns="91425" lIns="91425" spcFirstLastPara="1" rIns="91425" wrap="square" tIns="91425">
+          <a:bodyPr spcFirstLastPara="1" wrap="square" lIns="91425" tIns="91425" rIns="91425" bIns="91425" anchor="b" anchorCtr="0">
             <a:noAutofit/>
           </a:bodyPr>
           <a:lstStyle>
@@ -3899,15 +4138,19 @@
               <a:defRPr sz="2400"/>
             </a:lvl9pPr>
           </a:lstStyle>
-          <a:p/>
+          <a:p>
+            <a:endParaRPr/>
+          </a:p>
         </p:txBody>
       </p:sp>
       <p:sp>
         <p:nvSpPr>
           <p:cNvPr id="34" name="Google Shape;34;p7"/>
-          <p:cNvSpPr txBox="1"/>
+          <p:cNvSpPr txBox="1">
+            <a:spLocks noGrp="1"/>
+          </p:cNvSpPr>
           <p:nvPr>
-            <p:ph idx="1" type="body"/>
+            <p:ph type="body" idx="1"/>
           </p:nvPr>
         </p:nvSpPr>
         <p:spPr>
@@ -3920,11 +4163,11 @@
           </a:prstGeom>
         </p:spPr>
         <p:txBody>
-          <a:bodyPr anchorCtr="0" anchor="t" bIns="91425" lIns="91425" spcFirstLastPara="1" rIns="91425" wrap="square" tIns="91425">
+          <a:bodyPr spcFirstLastPara="1" wrap="square" lIns="91425" tIns="91425" rIns="91425" bIns="91425" anchor="t" anchorCtr="0">
             <a:noAutofit/>
           </a:bodyPr>
           <a:lstStyle>
-            <a:lvl1pPr indent="-304800" lvl="0" marL="457200">
+            <a:lvl1pPr marL="457200" lvl="0" indent="-304800">
               <a:spcBef>
                 <a:spcPts val="0"/>
               </a:spcBef>
@@ -3935,7 +4178,7 @@
               <a:buChar char="●"/>
               <a:defRPr sz="1200"/>
             </a:lvl1pPr>
-            <a:lvl2pPr indent="-304800" lvl="1" marL="914400">
+            <a:lvl2pPr marL="914400" lvl="1" indent="-304800">
               <a:spcBef>
                 <a:spcPts val="1600"/>
               </a:spcBef>
@@ -3946,7 +4189,7 @@
               <a:buChar char="○"/>
               <a:defRPr sz="1200"/>
             </a:lvl2pPr>
-            <a:lvl3pPr indent="-304800" lvl="2" marL="1371600">
+            <a:lvl3pPr marL="1371600" lvl="2" indent="-304800">
               <a:spcBef>
                 <a:spcPts val="1600"/>
               </a:spcBef>
@@ -3957,7 +4200,7 @@
               <a:buChar char="■"/>
               <a:defRPr sz="1200"/>
             </a:lvl3pPr>
-            <a:lvl4pPr indent="-304800" lvl="3" marL="1828800">
+            <a:lvl4pPr marL="1828800" lvl="3" indent="-304800">
               <a:spcBef>
                 <a:spcPts val="1600"/>
               </a:spcBef>
@@ -3968,7 +4211,7 @@
               <a:buChar char="●"/>
               <a:defRPr sz="1200"/>
             </a:lvl4pPr>
-            <a:lvl5pPr indent="-304800" lvl="4" marL="2286000">
+            <a:lvl5pPr marL="2286000" lvl="4" indent="-304800">
               <a:spcBef>
                 <a:spcPts val="1600"/>
               </a:spcBef>
@@ -3979,7 +4222,7 @@
               <a:buChar char="○"/>
               <a:defRPr sz="1200"/>
             </a:lvl5pPr>
-            <a:lvl6pPr indent="-304800" lvl="5" marL="2743200">
+            <a:lvl6pPr marL="2743200" lvl="5" indent="-304800">
               <a:spcBef>
                 <a:spcPts val="1600"/>
               </a:spcBef>
@@ -3990,7 +4233,7 @@
               <a:buChar char="■"/>
               <a:defRPr sz="1200"/>
             </a:lvl6pPr>
-            <a:lvl7pPr indent="-304800" lvl="6" marL="3200400">
+            <a:lvl7pPr marL="3200400" lvl="6" indent="-304800">
               <a:spcBef>
                 <a:spcPts val="1600"/>
               </a:spcBef>
@@ -4001,7 +4244,7 @@
               <a:buChar char="●"/>
               <a:defRPr sz="1200"/>
             </a:lvl7pPr>
-            <a:lvl8pPr indent="-304800" lvl="7" marL="3657600">
+            <a:lvl8pPr marL="3657600" lvl="7" indent="-304800">
               <a:spcBef>
                 <a:spcPts val="1600"/>
               </a:spcBef>
@@ -4012,7 +4255,7 @@
               <a:buChar char="○"/>
               <a:defRPr sz="1200"/>
             </a:lvl8pPr>
-            <a:lvl9pPr indent="-304800" lvl="8" marL="4114800">
+            <a:lvl9pPr marL="4114800" lvl="8" indent="-304800">
               <a:spcBef>
                 <a:spcPts val="1600"/>
               </a:spcBef>
@@ -4024,15 +4267,19 @@
               <a:defRPr sz="1200"/>
             </a:lvl9pPr>
           </a:lstStyle>
-          <a:p/>
+          <a:p>
+            <a:endParaRPr/>
+          </a:p>
         </p:txBody>
       </p:sp>
       <p:sp>
         <p:nvSpPr>
           <p:cNvPr id="35" name="Google Shape;35;p7"/>
-          <p:cNvSpPr txBox="1"/>
+          <p:cNvSpPr txBox="1">
+            <a:spLocks noGrp="1"/>
+          </p:cNvSpPr>
           <p:nvPr>
-            <p:ph idx="12" type="sldNum"/>
+            <p:ph type="sldNum" idx="12"/>
           </p:nvPr>
         </p:nvSpPr>
         <p:spPr>
@@ -4045,7 +4292,7 @@
           </a:prstGeom>
         </p:spPr>
         <p:txBody>
-          <a:bodyPr anchorCtr="0" anchor="ctr" bIns="91425" lIns="91425" spcFirstLastPara="1" rIns="91425" wrap="square" tIns="91425">
+          <a:bodyPr spcFirstLastPara="1" wrap="square" lIns="91425" tIns="91425" rIns="91425" bIns="91425" anchor="ctr" anchorCtr="0">
             <a:noAutofit/>
           </a:bodyPr>
           <a:lstStyle>
@@ -4087,7 +4334,7 @@
             </a:lvl9pPr>
           </a:lstStyle>
           <a:p>
-            <a:pPr indent="0" lvl="0" marL="0" rtl="0" algn="r">
+            <a:pPr marL="0" lvl="0" indent="0" algn="r" rtl="0">
               <a:spcBef>
                 <a:spcPts val="0"/>
               </a:spcBef>
@@ -4113,18 +4360,19 @@
 </file>
 
 <file path=ppt/slideLayouts/slideLayout7.xml><?xml version="1.0" encoding="utf-8"?>
-<p:sldLayout xmlns:a="http://schemas.openxmlformats.org/drawingml/2006/main" xmlns:r="http://schemas.openxmlformats.org/officeDocument/2006/relationships" xmlns:mc="http://schemas.openxmlformats.org/markup-compatibility/2006" xmlns:mv="urn:schemas-microsoft-com:mac:vml" xmlns:p="http://schemas.openxmlformats.org/presentationml/2006/main" xmlns:c="http://schemas.openxmlformats.org/drawingml/2006/chart" xmlns:dgm="http://schemas.openxmlformats.org/drawingml/2006/diagram" xmlns:o="urn:schemas-microsoft-com:office:office" xmlns:v="urn:schemas-microsoft-com:vml" xmlns:pvml="urn:schemas-microsoft-com:office:powerpoint" xmlns:com="http://schemas.openxmlformats.org/drawingml/2006/compatibility" xmlns:p14="http://schemas.microsoft.com/office/powerpoint/2010/main" xmlns:p15="http://schemas.microsoft.com/office/powerpoint/2012/main" matchingName="Main point">
+<p:sldLayout xmlns:a="http://schemas.openxmlformats.org/drawingml/2006/main" xmlns:r="http://schemas.openxmlformats.org/officeDocument/2006/relationships" xmlns:p="http://schemas.openxmlformats.org/presentationml/2006/main" matchingName="Main point">
   <p:cSld name="MAIN_POINT">
     <p:bg>
       <p:bgPr>
         <a:solidFill>
           <a:schemeClr val="lt2"/>
         </a:solidFill>
+        <a:effectLst/>
       </p:bgPr>
     </p:bg>
     <p:spTree>
       <p:nvGrpSpPr>
-        <p:cNvPr id="36" name="Shape 36"/>
+        <p:cNvPr id="1" name="Shape 36"/>
         <p:cNvGrpSpPr/>
         <p:nvPr/>
       </p:nvGrpSpPr>
@@ -4139,7 +4387,9 @@
       <p:sp>
         <p:nvSpPr>
           <p:cNvPr id="37" name="Google Shape;37;p8"/>
-          <p:cNvSpPr txBox="1"/>
+          <p:cNvSpPr txBox="1">
+            <a:spLocks noGrp="1"/>
+          </p:cNvSpPr>
           <p:nvPr>
             <p:ph type="title"/>
           </p:nvPr>
@@ -4154,7 +4404,7 @@
           </a:prstGeom>
         </p:spPr>
         <p:txBody>
-          <a:bodyPr anchorCtr="0" anchor="ctr" bIns="91425" lIns="91425" spcFirstLastPara="1" rIns="91425" wrap="square" tIns="91425">
+          <a:bodyPr spcFirstLastPara="1" wrap="square" lIns="91425" tIns="91425" rIns="91425" bIns="91425" anchor="ctr" anchorCtr="0">
             <a:noAutofit/>
           </a:bodyPr>
           <a:lstStyle>
@@ -4321,15 +4571,19 @@
               </a:defRPr>
             </a:lvl9pPr>
           </a:lstStyle>
-          <a:p/>
+          <a:p>
+            <a:endParaRPr/>
+          </a:p>
         </p:txBody>
       </p:sp>
       <p:sp>
         <p:nvSpPr>
           <p:cNvPr id="38" name="Google Shape;38;p8"/>
-          <p:cNvSpPr txBox="1"/>
+          <p:cNvSpPr txBox="1">
+            <a:spLocks noGrp="1"/>
+          </p:cNvSpPr>
           <p:nvPr>
-            <p:ph idx="12" type="sldNum"/>
+            <p:ph type="sldNum" idx="12"/>
           </p:nvPr>
         </p:nvSpPr>
         <p:spPr>
@@ -4342,7 +4596,7 @@
           </a:prstGeom>
         </p:spPr>
         <p:txBody>
-          <a:bodyPr anchorCtr="0" anchor="ctr" bIns="91425" lIns="91425" spcFirstLastPara="1" rIns="91425" wrap="square" tIns="91425">
+          <a:bodyPr spcFirstLastPara="1" wrap="square" lIns="91425" tIns="91425" rIns="91425" bIns="91425" anchor="ctr" anchorCtr="0">
             <a:noAutofit/>
           </a:bodyPr>
           <a:lstStyle>
@@ -4420,7 +4674,7 @@
             </a:lvl9pPr>
           </a:lstStyle>
           <a:p>
-            <a:pPr indent="0" lvl="0" marL="0" rtl="0" algn="r">
+            <a:pPr marL="0" lvl="0" indent="0" algn="r" rtl="0">
               <a:spcBef>
                 <a:spcPts val="0"/>
               </a:spcBef>
@@ -4446,11 +4700,11 @@
 </file>
 
 <file path=ppt/slideLayouts/slideLayout8.xml><?xml version="1.0" encoding="utf-8"?>
-<p:sldLayout xmlns:a="http://schemas.openxmlformats.org/drawingml/2006/main" xmlns:r="http://schemas.openxmlformats.org/officeDocument/2006/relationships" xmlns:mc="http://schemas.openxmlformats.org/markup-compatibility/2006" xmlns:mv="urn:schemas-microsoft-com:mac:vml" xmlns:p="http://schemas.openxmlformats.org/presentationml/2006/main" xmlns:c="http://schemas.openxmlformats.org/drawingml/2006/chart" xmlns:dgm="http://schemas.openxmlformats.org/drawingml/2006/diagram" xmlns:o="urn:schemas-microsoft-com:office:office" xmlns:v="urn:schemas-microsoft-com:vml" xmlns:pvml="urn:schemas-microsoft-com:office:powerpoint" xmlns:com="http://schemas.openxmlformats.org/drawingml/2006/compatibility" xmlns:p14="http://schemas.microsoft.com/office/powerpoint/2010/main" xmlns:p15="http://schemas.microsoft.com/office/powerpoint/2012/main" matchingName="Section title and description">
+<p:sldLayout xmlns:a="http://schemas.openxmlformats.org/drawingml/2006/main" xmlns:r="http://schemas.openxmlformats.org/officeDocument/2006/relationships" xmlns:p="http://schemas.openxmlformats.org/presentationml/2006/main" matchingName="Section title and description">
   <p:cSld name="SECTION_TITLE_AND_DESCRIPTION">
     <p:spTree>
       <p:nvGrpSpPr>
-        <p:cNvPr id="39" name="Shape 39"/>
+        <p:cNvPr id="1" name="Shape 39"/>
         <p:cNvGrpSpPr/>
         <p:nvPr/>
       </p:nvGrpSpPr>
@@ -4484,12 +4738,12 @@
           </a:ln>
         </p:spPr>
         <p:txBody>
-          <a:bodyPr anchorCtr="0" anchor="ctr" bIns="91425" lIns="91425" spcFirstLastPara="1" rIns="91425" wrap="square" tIns="91425">
+          <a:bodyPr spcFirstLastPara="1" wrap="square" lIns="91425" tIns="91425" rIns="91425" bIns="91425" anchor="ctr" anchorCtr="0">
             <a:noAutofit/>
           </a:bodyPr>
           <a:lstStyle/>
           <a:p>
-            <a:pPr indent="0" lvl="0" marL="0" rtl="0" algn="l">
+            <a:pPr marL="0" lvl="0" indent="0" algn="l" rtl="0">
               <a:spcBef>
                 <a:spcPts val="0"/>
               </a:spcBef>
@@ -4498,9 +4752,6 @@
               </a:spcAft>
               <a:buNone/>
             </a:pPr>
-            <a:r>
-              <a:t/>
-            </a:r>
             <a:endParaRPr/>
           </a:p>
         </p:txBody>
@@ -4520,21 +4771,23 @@
             <a:avLst/>
           </a:prstGeom>
           <a:noFill/>
-          <a:ln cap="flat" cmpd="sng" w="19050">
+          <a:ln w="19050" cap="flat" cmpd="sng">
             <a:solidFill>
               <a:schemeClr val="lt1"/>
             </a:solidFill>
             <a:prstDash val="solid"/>
             <a:round/>
-            <a:headEnd len="sm" w="sm" type="none"/>
-            <a:tailEnd len="sm" w="sm" type="none"/>
+            <a:headEnd type="none" w="sm" len="sm"/>
+            <a:tailEnd type="none" w="sm" len="sm"/>
           </a:ln>
         </p:spPr>
       </p:cxnSp>
       <p:sp>
         <p:nvSpPr>
           <p:cNvPr id="42" name="Google Shape;42;p9"/>
-          <p:cNvSpPr txBox="1"/>
+          <p:cNvSpPr txBox="1">
+            <a:spLocks noGrp="1"/>
+          </p:cNvSpPr>
           <p:nvPr>
             <p:ph type="title"/>
           </p:nvPr>
@@ -4549,7 +4802,7 @@
           </a:prstGeom>
         </p:spPr>
         <p:txBody>
-          <a:bodyPr anchorCtr="0" anchor="b" bIns="91425" lIns="91425" spcFirstLastPara="1" rIns="91425" wrap="square" tIns="91425">
+          <a:bodyPr spcFirstLastPara="1" wrap="square" lIns="91425" tIns="91425" rIns="91425" bIns="91425" anchor="b" anchorCtr="0">
             <a:noAutofit/>
           </a:bodyPr>
           <a:lstStyle>
@@ -4653,15 +4906,19 @@
               <a:defRPr sz="4200"/>
             </a:lvl9pPr>
           </a:lstStyle>
-          <a:p/>
+          <a:p>
+            <a:endParaRPr/>
+          </a:p>
         </p:txBody>
       </p:sp>
       <p:sp>
         <p:nvSpPr>
           <p:cNvPr id="43" name="Google Shape;43;p9"/>
-          <p:cNvSpPr txBox="1"/>
+          <p:cNvSpPr txBox="1">
+            <a:spLocks noGrp="1"/>
+          </p:cNvSpPr>
           <p:nvPr>
-            <p:ph idx="1" type="subTitle"/>
+            <p:ph type="subTitle" idx="1"/>
           </p:nvPr>
         </p:nvSpPr>
         <p:spPr>
@@ -4674,7 +4931,7 @@
           </a:prstGeom>
         </p:spPr>
         <p:txBody>
-          <a:bodyPr anchorCtr="0" anchor="t" bIns="91425" lIns="91425" spcFirstLastPara="1" rIns="91425" wrap="square" tIns="91425">
+          <a:bodyPr spcFirstLastPara="1" wrap="square" lIns="91425" tIns="91425" rIns="91425" bIns="91425" anchor="t" anchorCtr="0">
             <a:noAutofit/>
           </a:bodyPr>
           <a:lstStyle>
@@ -4868,15 +5125,19 @@
               </a:defRPr>
             </a:lvl9pPr>
           </a:lstStyle>
-          <a:p/>
+          <a:p>
+            <a:endParaRPr/>
+          </a:p>
         </p:txBody>
       </p:sp>
       <p:sp>
         <p:nvSpPr>
           <p:cNvPr id="44" name="Google Shape;44;p9"/>
-          <p:cNvSpPr txBox="1"/>
+          <p:cNvSpPr txBox="1">
+            <a:spLocks noGrp="1"/>
+          </p:cNvSpPr>
           <p:nvPr>
-            <p:ph idx="2" type="body"/>
+            <p:ph type="body" idx="2"/>
           </p:nvPr>
         </p:nvSpPr>
         <p:spPr>
@@ -4889,11 +5150,11 @@
           </a:prstGeom>
         </p:spPr>
         <p:txBody>
-          <a:bodyPr anchorCtr="0" anchor="ctr" bIns="91425" lIns="91425" spcFirstLastPara="1" rIns="91425" wrap="square" tIns="91425">
+          <a:bodyPr spcFirstLastPara="1" wrap="square" lIns="91425" tIns="91425" rIns="91425" bIns="91425" anchor="ctr" anchorCtr="0">
             <a:noAutofit/>
           </a:bodyPr>
           <a:lstStyle>
-            <a:lvl1pPr indent="-342900" lvl="0" marL="457200">
+            <a:lvl1pPr marL="457200" lvl="0" indent="-342900">
               <a:spcBef>
                 <a:spcPts val="0"/>
               </a:spcBef>
@@ -4911,7 +5172,7 @@
                 </a:solidFill>
               </a:defRPr>
             </a:lvl1pPr>
-            <a:lvl2pPr indent="-317500" lvl="1" marL="914400">
+            <a:lvl2pPr marL="914400" lvl="1" indent="-317500">
               <a:spcBef>
                 <a:spcPts val="1600"/>
               </a:spcBef>
@@ -4929,7 +5190,7 @@
                 </a:solidFill>
               </a:defRPr>
             </a:lvl2pPr>
-            <a:lvl3pPr indent="-317500" lvl="2" marL="1371600">
+            <a:lvl3pPr marL="1371600" lvl="2" indent="-317500">
               <a:spcBef>
                 <a:spcPts val="1600"/>
               </a:spcBef>
@@ -4947,7 +5208,7 @@
                 </a:solidFill>
               </a:defRPr>
             </a:lvl3pPr>
-            <a:lvl4pPr indent="-317500" lvl="3" marL="1828800">
+            <a:lvl4pPr marL="1828800" lvl="3" indent="-317500">
               <a:spcBef>
                 <a:spcPts val="1600"/>
               </a:spcBef>
@@ -4965,7 +5226,7 @@
                 </a:solidFill>
               </a:defRPr>
             </a:lvl4pPr>
-            <a:lvl5pPr indent="-317500" lvl="4" marL="2286000">
+            <a:lvl5pPr marL="2286000" lvl="4" indent="-317500">
               <a:spcBef>
                 <a:spcPts val="1600"/>
               </a:spcBef>
@@ -4983,7 +5244,7 @@
                 </a:solidFill>
               </a:defRPr>
             </a:lvl5pPr>
-            <a:lvl6pPr indent="-317500" lvl="5" marL="2743200">
+            <a:lvl6pPr marL="2743200" lvl="5" indent="-317500">
               <a:spcBef>
                 <a:spcPts val="1600"/>
               </a:spcBef>
@@ -5001,7 +5262,7 @@
                 </a:solidFill>
               </a:defRPr>
             </a:lvl6pPr>
-            <a:lvl7pPr indent="-317500" lvl="6" marL="3200400">
+            <a:lvl7pPr marL="3200400" lvl="6" indent="-317500">
               <a:spcBef>
                 <a:spcPts val="1600"/>
               </a:spcBef>
@@ -5019,7 +5280,7 @@
                 </a:solidFill>
               </a:defRPr>
             </a:lvl7pPr>
-            <a:lvl8pPr indent="-317500" lvl="7" marL="3657600">
+            <a:lvl8pPr marL="3657600" lvl="7" indent="-317500">
               <a:spcBef>
                 <a:spcPts val="1600"/>
               </a:spcBef>
@@ -5037,7 +5298,7 @@
                 </a:solidFill>
               </a:defRPr>
             </a:lvl8pPr>
-            <a:lvl9pPr indent="-317500" lvl="8" marL="4114800">
+            <a:lvl9pPr marL="4114800" lvl="8" indent="-317500">
               <a:spcBef>
                 <a:spcPts val="1600"/>
               </a:spcBef>
@@ -5056,15 +5317,19 @@
               </a:defRPr>
             </a:lvl9pPr>
           </a:lstStyle>
-          <a:p/>
+          <a:p>
+            <a:endParaRPr/>
+          </a:p>
         </p:txBody>
       </p:sp>
       <p:sp>
         <p:nvSpPr>
           <p:cNvPr id="45" name="Google Shape;45;p9"/>
-          <p:cNvSpPr txBox="1"/>
+          <p:cNvSpPr txBox="1">
+            <a:spLocks noGrp="1"/>
+          </p:cNvSpPr>
           <p:nvPr>
-            <p:ph idx="12" type="sldNum"/>
+            <p:ph type="sldNum" idx="12"/>
           </p:nvPr>
         </p:nvSpPr>
         <p:spPr>
@@ -5077,7 +5342,7 @@
           </a:prstGeom>
         </p:spPr>
         <p:txBody>
-          <a:bodyPr anchorCtr="0" anchor="ctr" bIns="91425" lIns="91425" spcFirstLastPara="1" rIns="91425" wrap="square" tIns="91425">
+          <a:bodyPr spcFirstLastPara="1" wrap="square" lIns="91425" tIns="91425" rIns="91425" bIns="91425" anchor="ctr" anchorCtr="0">
             <a:noAutofit/>
           </a:bodyPr>
           <a:lstStyle>
@@ -5155,7 +5420,7 @@
             </a:lvl9pPr>
           </a:lstStyle>
           <a:p>
-            <a:pPr indent="0" lvl="0" marL="0" rtl="0" algn="r">
+            <a:pPr marL="0" lvl="0" indent="0" algn="r" rtl="0">
               <a:spcBef>
                 <a:spcPts val="0"/>
               </a:spcBef>
@@ -5181,11 +5446,11 @@
 </file>
 
 <file path=ppt/slideLayouts/slideLayout9.xml><?xml version="1.0" encoding="utf-8"?>
-<p:sldLayout xmlns:a="http://schemas.openxmlformats.org/drawingml/2006/main" xmlns:r="http://schemas.openxmlformats.org/officeDocument/2006/relationships" xmlns:mc="http://schemas.openxmlformats.org/markup-compatibility/2006" xmlns:mv="urn:schemas-microsoft-com:mac:vml" xmlns:p="http://schemas.openxmlformats.org/presentationml/2006/main" xmlns:c="http://schemas.openxmlformats.org/drawingml/2006/chart" xmlns:dgm="http://schemas.openxmlformats.org/drawingml/2006/diagram" xmlns:o="urn:schemas-microsoft-com:office:office" xmlns:v="urn:schemas-microsoft-com:vml" xmlns:pvml="urn:schemas-microsoft-com:office:powerpoint" xmlns:com="http://schemas.openxmlformats.org/drawingml/2006/compatibility" xmlns:p14="http://schemas.microsoft.com/office/powerpoint/2010/main" xmlns:p15="http://schemas.microsoft.com/office/powerpoint/2012/main" matchingName="Caption">
+<p:sldLayout xmlns:a="http://schemas.openxmlformats.org/drawingml/2006/main" xmlns:r="http://schemas.openxmlformats.org/officeDocument/2006/relationships" xmlns:p="http://schemas.openxmlformats.org/presentationml/2006/main" matchingName="Caption">
   <p:cSld name="CAPTION_ONLY">
     <p:spTree>
       <p:nvGrpSpPr>
-        <p:cNvPr id="46" name="Shape 46"/>
+        <p:cNvPr id="1" name="Shape 46"/>
         <p:cNvGrpSpPr/>
         <p:nvPr/>
       </p:nvGrpSpPr>
@@ -5200,9 +5465,11 @@
       <p:sp>
         <p:nvSpPr>
           <p:cNvPr id="47" name="Google Shape;47;p10"/>
-          <p:cNvSpPr txBox="1"/>
+          <p:cNvSpPr txBox="1">
+            <a:spLocks noGrp="1"/>
+          </p:cNvSpPr>
           <p:nvPr>
-            <p:ph idx="1" type="body"/>
+            <p:ph type="body" idx="1"/>
           </p:nvPr>
         </p:nvSpPr>
         <p:spPr>
@@ -5215,11 +5482,11 @@
           </a:prstGeom>
         </p:spPr>
         <p:txBody>
-          <a:bodyPr anchorCtr="0" anchor="ctr" bIns="91425" lIns="91425" spcFirstLastPara="1" rIns="91425" wrap="square" tIns="91425">
+          <a:bodyPr spcFirstLastPara="1" wrap="square" lIns="91425" tIns="91425" rIns="91425" bIns="91425" anchor="ctr" anchorCtr="0">
             <a:noAutofit/>
           </a:bodyPr>
           <a:lstStyle>
-            <a:lvl1pPr indent="-228600" lvl="0" marL="457200">
+            <a:lvl1pPr marL="457200" lvl="0" indent="-228600">
               <a:lnSpc>
                 <a:spcPct val="100000"/>
               </a:lnSpc>
@@ -5246,15 +5513,19 @@
               </a:defRPr>
             </a:lvl1pPr>
           </a:lstStyle>
-          <a:p/>
+          <a:p>
+            <a:endParaRPr/>
+          </a:p>
         </p:txBody>
       </p:sp>
       <p:sp>
         <p:nvSpPr>
           <p:cNvPr id="48" name="Google Shape;48;p10"/>
-          <p:cNvSpPr txBox="1"/>
+          <p:cNvSpPr txBox="1">
+            <a:spLocks noGrp="1"/>
+          </p:cNvSpPr>
           <p:nvPr>
-            <p:ph idx="12" type="sldNum"/>
+            <p:ph type="sldNum" idx="12"/>
           </p:nvPr>
         </p:nvSpPr>
         <p:spPr>
@@ -5267,7 +5538,7 @@
           </a:prstGeom>
         </p:spPr>
         <p:txBody>
-          <a:bodyPr anchorCtr="0" anchor="ctr" bIns="91425" lIns="91425" spcFirstLastPara="1" rIns="91425" wrap="square" tIns="91425">
+          <a:bodyPr spcFirstLastPara="1" wrap="square" lIns="91425" tIns="91425" rIns="91425" bIns="91425" anchor="ctr" anchorCtr="0">
             <a:noAutofit/>
           </a:bodyPr>
           <a:lstStyle>
@@ -5309,7 +5580,7 @@
             </a:lvl9pPr>
           </a:lstStyle>
           <a:p>
-            <a:pPr indent="0" lvl="0" marL="0" rtl="0" algn="r">
+            <a:pPr marL="0" lvl="0" indent="0" algn="r" rtl="0">
               <a:spcBef>
                 <a:spcPts val="0"/>
               </a:spcBef>
@@ -5335,18 +5606,19 @@
 </file>
 
 <file path=ppt/slideMasters/slideMaster1.xml><?xml version="1.0" encoding="utf-8"?>
-<p:sldMaster xmlns:a="http://schemas.openxmlformats.org/drawingml/2006/main" xmlns:r="http://schemas.openxmlformats.org/officeDocument/2006/relationships" xmlns:mc="http://schemas.openxmlformats.org/markup-compatibility/2006" xmlns:mv="urn:schemas-microsoft-com:mac:vml" xmlns:p="http://schemas.openxmlformats.org/presentationml/2006/main" xmlns:c="http://schemas.openxmlformats.org/drawingml/2006/chart" xmlns:dgm="http://schemas.openxmlformats.org/drawingml/2006/diagram" xmlns:o="urn:schemas-microsoft-com:office:office" xmlns:v="urn:schemas-microsoft-com:vml" xmlns:pvml="urn:schemas-microsoft-com:office:powerpoint" xmlns:com="http://schemas.openxmlformats.org/drawingml/2006/compatibility" xmlns:p14="http://schemas.microsoft.com/office/powerpoint/2010/main" xmlns:p15="http://schemas.microsoft.com/office/powerpoint/2012/main">
+<p:sldMaster xmlns:a="http://schemas.openxmlformats.org/drawingml/2006/main" xmlns:r="http://schemas.openxmlformats.org/officeDocument/2006/relationships" xmlns:p="http://schemas.openxmlformats.org/presentationml/2006/main">
   <p:cSld name="slate">
     <p:bg>
       <p:bgPr>
         <a:solidFill>
           <a:schemeClr val="lt1"/>
         </a:solidFill>
+        <a:effectLst/>
       </p:bgPr>
     </p:bg>
     <p:spTree>
       <p:nvGrpSpPr>
-        <p:cNvPr id="5" name="Shape 5"/>
+        <p:cNvPr id="1" name="Shape 5"/>
         <p:cNvGrpSpPr/>
         <p:nvPr/>
       </p:nvGrpSpPr>
@@ -5361,7 +5633,9 @@
       <p:sp>
         <p:nvSpPr>
           <p:cNvPr id="6" name="Google Shape;6;p1"/>
-          <p:cNvSpPr txBox="1"/>
+          <p:cNvSpPr txBox="1">
+            <a:spLocks noGrp="1"/>
+          </p:cNvSpPr>
           <p:nvPr>
             <p:ph type="title"/>
           </p:nvPr>
@@ -5380,7 +5654,7 @@
           </a:ln>
         </p:spPr>
         <p:txBody>
-          <a:bodyPr anchorCtr="0" anchor="t" bIns="91425" lIns="91425" spcFirstLastPara="1" rIns="91425" wrap="square" tIns="91425">
+          <a:bodyPr spcFirstLastPara="1" wrap="square" lIns="91425" tIns="91425" rIns="91425" bIns="91425" anchor="t" anchorCtr="0">
             <a:noAutofit/>
           </a:bodyPr>
           <a:lstStyle>
@@ -5592,15 +5866,19 @@
               </a:defRPr>
             </a:lvl9pPr>
           </a:lstStyle>
-          <a:p/>
+          <a:p>
+            <a:endParaRPr/>
+          </a:p>
         </p:txBody>
       </p:sp>
       <p:sp>
         <p:nvSpPr>
           <p:cNvPr id="7" name="Google Shape;7;p1"/>
-          <p:cNvSpPr txBox="1"/>
+          <p:cNvSpPr txBox="1">
+            <a:spLocks noGrp="1"/>
+          </p:cNvSpPr>
           <p:nvPr>
-            <p:ph idx="1" type="body"/>
+            <p:ph type="body" idx="1"/>
           </p:nvPr>
         </p:nvSpPr>
         <p:spPr>
@@ -5617,11 +5895,11 @@
           </a:ln>
         </p:spPr>
         <p:txBody>
-          <a:bodyPr anchorCtr="0" anchor="t" bIns="91425" lIns="91425" spcFirstLastPara="1" rIns="91425" wrap="square" tIns="91425">
+          <a:bodyPr spcFirstLastPara="1" wrap="square" lIns="91425" tIns="91425" rIns="91425" bIns="91425" anchor="t" anchorCtr="0">
             <a:noAutofit/>
           </a:bodyPr>
           <a:lstStyle>
-            <a:lvl1pPr indent="-342900" lvl="0" marL="457200">
+            <a:lvl1pPr marL="457200" lvl="0" indent="-342900">
               <a:lnSpc>
                 <a:spcPct val="115000"/>
               </a:lnSpc>
@@ -5647,7 +5925,7 @@
                 <a:sym typeface="Average"/>
               </a:defRPr>
             </a:lvl1pPr>
-            <a:lvl2pPr indent="-317500" lvl="1" marL="914400">
+            <a:lvl2pPr marL="914400" lvl="1" indent="-317500">
               <a:lnSpc>
                 <a:spcPct val="115000"/>
               </a:lnSpc>
@@ -5673,7 +5951,7 @@
                 <a:sym typeface="Average"/>
               </a:defRPr>
             </a:lvl2pPr>
-            <a:lvl3pPr indent="-317500" lvl="2" marL="1371600">
+            <a:lvl3pPr marL="1371600" lvl="2" indent="-317500">
               <a:lnSpc>
                 <a:spcPct val="115000"/>
               </a:lnSpc>
@@ -5699,7 +5977,7 @@
                 <a:sym typeface="Average"/>
               </a:defRPr>
             </a:lvl3pPr>
-            <a:lvl4pPr indent="-317500" lvl="3" marL="1828800">
+            <a:lvl4pPr marL="1828800" lvl="3" indent="-317500">
               <a:lnSpc>
                 <a:spcPct val="115000"/>
               </a:lnSpc>
@@ -5725,7 +6003,7 @@
                 <a:sym typeface="Average"/>
               </a:defRPr>
             </a:lvl4pPr>
-            <a:lvl5pPr indent="-317500" lvl="4" marL="2286000">
+            <a:lvl5pPr marL="2286000" lvl="4" indent="-317500">
               <a:lnSpc>
                 <a:spcPct val="115000"/>
               </a:lnSpc>
@@ -5751,7 +6029,7 @@
                 <a:sym typeface="Average"/>
               </a:defRPr>
             </a:lvl5pPr>
-            <a:lvl6pPr indent="-317500" lvl="5" marL="2743200">
+            <a:lvl6pPr marL="2743200" lvl="5" indent="-317500">
               <a:lnSpc>
                 <a:spcPct val="115000"/>
               </a:lnSpc>
@@ -5777,7 +6055,7 @@
                 <a:sym typeface="Average"/>
               </a:defRPr>
             </a:lvl6pPr>
-            <a:lvl7pPr indent="-317500" lvl="6" marL="3200400">
+            <a:lvl7pPr marL="3200400" lvl="6" indent="-317500">
               <a:lnSpc>
                 <a:spcPct val="115000"/>
               </a:lnSpc>
@@ -5803,7 +6081,7 @@
                 <a:sym typeface="Average"/>
               </a:defRPr>
             </a:lvl7pPr>
-            <a:lvl8pPr indent="-317500" lvl="7" marL="3657600">
+            <a:lvl8pPr marL="3657600" lvl="7" indent="-317500">
               <a:lnSpc>
                 <a:spcPct val="115000"/>
               </a:lnSpc>
@@ -5829,7 +6107,7 @@
                 <a:sym typeface="Average"/>
               </a:defRPr>
             </a:lvl8pPr>
-            <a:lvl9pPr indent="-317500" lvl="8" marL="4114800">
+            <a:lvl9pPr marL="4114800" lvl="8" indent="-317500">
               <a:lnSpc>
                 <a:spcPct val="115000"/>
               </a:lnSpc>
@@ -5856,15 +6134,19 @@
               </a:defRPr>
             </a:lvl9pPr>
           </a:lstStyle>
-          <a:p/>
+          <a:p>
+            <a:endParaRPr/>
+          </a:p>
         </p:txBody>
       </p:sp>
       <p:sp>
         <p:nvSpPr>
           <p:cNvPr id="8" name="Google Shape;8;p1"/>
-          <p:cNvSpPr txBox="1"/>
+          <p:cNvSpPr txBox="1">
+            <a:spLocks noGrp="1"/>
+          </p:cNvSpPr>
           <p:nvPr>
-            <p:ph idx="12" type="sldNum"/>
+            <p:ph type="sldNum" idx="12"/>
           </p:nvPr>
         </p:nvSpPr>
         <p:spPr>
@@ -5881,7 +6163,7 @@
           </a:ln>
         </p:spPr>
         <p:txBody>
-          <a:bodyPr anchorCtr="0" anchor="ctr" bIns="91425" lIns="91425" spcFirstLastPara="1" rIns="91425" wrap="square" tIns="91425">
+          <a:bodyPr spcFirstLastPara="1" wrap="square" lIns="91425" tIns="91425" rIns="91425" bIns="91425" anchor="ctr" anchorCtr="0">
             <a:noAutofit/>
           </a:bodyPr>
           <a:lstStyle>
@@ -5995,7 +6277,7 @@
             </a:lvl9pPr>
           </a:lstStyle>
           <a:p>
-            <a:pPr indent="0" lvl="0" marL="0" rtl="0" algn="r">
+            <a:pPr marL="0" lvl="0" indent="0" algn="r" rtl="0">
               <a:spcBef>
                 <a:spcPts val="0"/>
               </a:spcBef>
@@ -6014,7 +6296,7 @@
       </p:sp>
     </p:spTree>
   </p:cSld>
-  <p:clrMap accent1="accent1" accent2="accent2" accent3="accent3" accent4="accent4" accent5="accent5" accent6="accent6" bg1="lt1" bg2="dk2" tx1="dk1" tx2="lt2" folHlink="folHlink" hlink="hlink"/>
+  <p:clrMap bg1="lt1" tx1="dk1" bg2="dk2" tx2="lt2" accent1="accent1" accent2="accent2" accent3="accent3" accent4="accent4" accent5="accent5" accent6="accent6" hlink="hlink" folHlink="folHlink"/>
   <p:sldLayoutIdLst>
     <p:sldLayoutId id="2147483648" r:id="rId1"/>
     <p:sldLayoutId id="2147483649" r:id="rId2"/>
@@ -6028,10 +6310,10 @@
     <p:sldLayoutId id="2147483657" r:id="rId10"/>
     <p:sldLayoutId id="2147483658" r:id="rId11"/>
   </p:sldLayoutIdLst>
-  <p:hf dt="0" ftr="0" hdr="0" sldNum="0"/>
+  <p:hf sldNum="0" hdr="0" ftr="0" dt="0"/>
   <p:txStyles>
     <p:titleStyle>
-      <a:defPPr lvl="0" marR="0" rtl="0" algn="l">
+      <a:defPPr marR="0" lvl="0" algn="l" rtl="0">
         <a:lnSpc>
           <a:spcPct val="100000"/>
         </a:lnSpc>
@@ -6042,7 +6324,7 @@
           <a:spcPts val="0"/>
         </a:spcAft>
       </a:defPPr>
-      <a:lvl1pPr lvl="0" marR="0" rtl="0" algn="l">
+      <a:lvl1pPr marR="0" lvl="0" algn="l" rtl="0">
         <a:lnSpc>
           <a:spcPct val="100000"/>
         </a:lnSpc>
@@ -6056,7 +6338,7 @@
           <a:srgbClr val="000000"/>
         </a:buClr>
         <a:buFont typeface="Arial"/>
-        <a:defRPr b="0" i="0" sz="1400" u="none" cap="none" strike="noStrike">
+        <a:defRPr sz="1400" b="0" i="0" u="none" strike="noStrike" cap="none">
           <a:solidFill>
             <a:srgbClr val="000000"/>
           </a:solidFill>
@@ -6066,7 +6348,7 @@
           <a:sym typeface="Arial"/>
         </a:defRPr>
       </a:lvl1pPr>
-      <a:lvl2pPr lvl="1" marR="0" rtl="0" algn="l">
+      <a:lvl2pPr marR="0" lvl="1" algn="l" rtl="0">
         <a:lnSpc>
           <a:spcPct val="100000"/>
         </a:lnSpc>
@@ -6080,7 +6362,7 @@
           <a:srgbClr val="000000"/>
         </a:buClr>
         <a:buFont typeface="Arial"/>
-        <a:defRPr b="0" i="0" sz="1400" u="none" cap="none" strike="noStrike">
+        <a:defRPr sz="1400" b="0" i="0" u="none" strike="noStrike" cap="none">
           <a:solidFill>
             <a:srgbClr val="000000"/>
           </a:solidFill>
@@ -6090,7 +6372,7 @@
           <a:sym typeface="Arial"/>
         </a:defRPr>
       </a:lvl2pPr>
-      <a:lvl3pPr lvl="2" marR="0" rtl="0" algn="l">
+      <a:lvl3pPr marR="0" lvl="2" algn="l" rtl="0">
         <a:lnSpc>
           <a:spcPct val="100000"/>
         </a:lnSpc>
@@ -6104,7 +6386,7 @@
           <a:srgbClr val="000000"/>
         </a:buClr>
         <a:buFont typeface="Arial"/>
-        <a:defRPr b="0" i="0" sz="1400" u="none" cap="none" strike="noStrike">
+        <a:defRPr sz="1400" b="0" i="0" u="none" strike="noStrike" cap="none">
           <a:solidFill>
             <a:srgbClr val="000000"/>
           </a:solidFill>
@@ -6114,7 +6396,7 @@
           <a:sym typeface="Arial"/>
         </a:defRPr>
       </a:lvl3pPr>
-      <a:lvl4pPr lvl="3" marR="0" rtl="0" algn="l">
+      <a:lvl4pPr marR="0" lvl="3" algn="l" rtl="0">
         <a:lnSpc>
           <a:spcPct val="100000"/>
         </a:lnSpc>
@@ -6128,7 +6410,7 @@
           <a:srgbClr val="000000"/>
         </a:buClr>
         <a:buFont typeface="Arial"/>
-        <a:defRPr b="0" i="0" sz="1400" u="none" cap="none" strike="noStrike">
+        <a:defRPr sz="1400" b="0" i="0" u="none" strike="noStrike" cap="none">
           <a:solidFill>
             <a:srgbClr val="000000"/>
           </a:solidFill>
@@ -6138,7 +6420,7 @@
           <a:sym typeface="Arial"/>
         </a:defRPr>
       </a:lvl4pPr>
-      <a:lvl5pPr lvl="4" marR="0" rtl="0" algn="l">
+      <a:lvl5pPr marR="0" lvl="4" algn="l" rtl="0">
         <a:lnSpc>
           <a:spcPct val="100000"/>
         </a:lnSpc>
@@ -6152,7 +6434,7 @@
           <a:srgbClr val="000000"/>
         </a:buClr>
         <a:buFont typeface="Arial"/>
-        <a:defRPr b="0" i="0" sz="1400" u="none" cap="none" strike="noStrike">
+        <a:defRPr sz="1400" b="0" i="0" u="none" strike="noStrike" cap="none">
           <a:solidFill>
             <a:srgbClr val="000000"/>
           </a:solidFill>
@@ -6162,7 +6444,7 @@
           <a:sym typeface="Arial"/>
         </a:defRPr>
       </a:lvl5pPr>
-      <a:lvl6pPr lvl="5" marR="0" rtl="0" algn="l">
+      <a:lvl6pPr marR="0" lvl="5" algn="l" rtl="0">
         <a:lnSpc>
           <a:spcPct val="100000"/>
         </a:lnSpc>
@@ -6176,7 +6458,7 @@
           <a:srgbClr val="000000"/>
         </a:buClr>
         <a:buFont typeface="Arial"/>
-        <a:defRPr b="0" i="0" sz="1400" u="none" cap="none" strike="noStrike">
+        <a:defRPr sz="1400" b="0" i="0" u="none" strike="noStrike" cap="none">
           <a:solidFill>
             <a:srgbClr val="000000"/>
           </a:solidFill>
@@ -6186,7 +6468,7 @@
           <a:sym typeface="Arial"/>
         </a:defRPr>
       </a:lvl6pPr>
-      <a:lvl7pPr lvl="6" marR="0" rtl="0" algn="l">
+      <a:lvl7pPr marR="0" lvl="6" algn="l" rtl="0">
         <a:lnSpc>
           <a:spcPct val="100000"/>
         </a:lnSpc>
@@ -6200,7 +6482,7 @@
           <a:srgbClr val="000000"/>
         </a:buClr>
         <a:buFont typeface="Arial"/>
-        <a:defRPr b="0" i="0" sz="1400" u="none" cap="none" strike="noStrike">
+        <a:defRPr sz="1400" b="0" i="0" u="none" strike="noStrike" cap="none">
           <a:solidFill>
             <a:srgbClr val="000000"/>
           </a:solidFill>
@@ -6210,7 +6492,7 @@
           <a:sym typeface="Arial"/>
         </a:defRPr>
       </a:lvl7pPr>
-      <a:lvl8pPr lvl="7" marR="0" rtl="0" algn="l">
+      <a:lvl8pPr marR="0" lvl="7" algn="l" rtl="0">
         <a:lnSpc>
           <a:spcPct val="100000"/>
         </a:lnSpc>
@@ -6224,7 +6506,7 @@
           <a:srgbClr val="000000"/>
         </a:buClr>
         <a:buFont typeface="Arial"/>
-        <a:defRPr b="0" i="0" sz="1400" u="none" cap="none" strike="noStrike">
+        <a:defRPr sz="1400" b="0" i="0" u="none" strike="noStrike" cap="none">
           <a:solidFill>
             <a:srgbClr val="000000"/>
           </a:solidFill>
@@ -6234,7 +6516,7 @@
           <a:sym typeface="Arial"/>
         </a:defRPr>
       </a:lvl8pPr>
-      <a:lvl9pPr lvl="8" marR="0" rtl="0" algn="l">
+      <a:lvl9pPr marR="0" lvl="8" algn="l" rtl="0">
         <a:lnSpc>
           <a:spcPct val="100000"/>
         </a:lnSpc>
@@ -6248,7 +6530,7 @@
           <a:srgbClr val="000000"/>
         </a:buClr>
         <a:buFont typeface="Arial"/>
-        <a:defRPr b="0" i="0" sz="1400" u="none" cap="none" strike="noStrike">
+        <a:defRPr sz="1400" b="0" i="0" u="none" strike="noStrike" cap="none">
           <a:solidFill>
             <a:srgbClr val="000000"/>
           </a:solidFill>
@@ -6260,7 +6542,7 @@
       </a:lvl9pPr>
     </p:titleStyle>
     <p:bodyStyle>
-      <a:defPPr lvl="0" marR="0" rtl="0" algn="l">
+      <a:defPPr marR="0" lvl="0" algn="l" rtl="0">
         <a:lnSpc>
           <a:spcPct val="100000"/>
         </a:lnSpc>
@@ -6271,7 +6553,7 @@
           <a:spcPts val="0"/>
         </a:spcAft>
       </a:defPPr>
-      <a:lvl1pPr lvl="0" marR="0" rtl="0" algn="l">
+      <a:lvl1pPr marR="0" lvl="0" algn="l" rtl="0">
         <a:lnSpc>
           <a:spcPct val="100000"/>
         </a:lnSpc>
@@ -6285,7 +6567,7 @@
           <a:srgbClr val="000000"/>
         </a:buClr>
         <a:buFont typeface="Arial"/>
-        <a:defRPr b="0" i="0" sz="1400" u="none" cap="none" strike="noStrike">
+        <a:defRPr sz="1400" b="0" i="0" u="none" strike="noStrike" cap="none">
           <a:solidFill>
             <a:srgbClr val="000000"/>
           </a:solidFill>
@@ -6295,7 +6577,7 @@
           <a:sym typeface="Arial"/>
         </a:defRPr>
       </a:lvl1pPr>
-      <a:lvl2pPr lvl="1" marR="0" rtl="0" algn="l">
+      <a:lvl2pPr marR="0" lvl="1" algn="l" rtl="0">
         <a:lnSpc>
           <a:spcPct val="100000"/>
         </a:lnSpc>
@@ -6309,7 +6591,7 @@
           <a:srgbClr val="000000"/>
         </a:buClr>
         <a:buFont typeface="Arial"/>
-        <a:defRPr b="0" i="0" sz="1400" u="none" cap="none" strike="noStrike">
+        <a:defRPr sz="1400" b="0" i="0" u="none" strike="noStrike" cap="none">
           <a:solidFill>
             <a:srgbClr val="000000"/>
           </a:solidFill>
@@ -6319,7 +6601,7 @@
           <a:sym typeface="Arial"/>
         </a:defRPr>
       </a:lvl2pPr>
-      <a:lvl3pPr lvl="2" marR="0" rtl="0" algn="l">
+      <a:lvl3pPr marR="0" lvl="2" algn="l" rtl="0">
         <a:lnSpc>
           <a:spcPct val="100000"/>
         </a:lnSpc>
@@ -6333,7 +6615,7 @@
           <a:srgbClr val="000000"/>
         </a:buClr>
         <a:buFont typeface="Arial"/>
-        <a:defRPr b="0" i="0" sz="1400" u="none" cap="none" strike="noStrike">
+        <a:defRPr sz="1400" b="0" i="0" u="none" strike="noStrike" cap="none">
           <a:solidFill>
             <a:srgbClr val="000000"/>
           </a:solidFill>
@@ -6343,7 +6625,7 @@
           <a:sym typeface="Arial"/>
         </a:defRPr>
       </a:lvl3pPr>
-      <a:lvl4pPr lvl="3" marR="0" rtl="0" algn="l">
+      <a:lvl4pPr marR="0" lvl="3" algn="l" rtl="0">
         <a:lnSpc>
           <a:spcPct val="100000"/>
         </a:lnSpc>
@@ -6357,7 +6639,7 @@
           <a:srgbClr val="000000"/>
         </a:buClr>
         <a:buFont typeface="Arial"/>
-        <a:defRPr b="0" i="0" sz="1400" u="none" cap="none" strike="noStrike">
+        <a:defRPr sz="1400" b="0" i="0" u="none" strike="noStrike" cap="none">
           <a:solidFill>
             <a:srgbClr val="000000"/>
           </a:solidFill>
@@ -6367,7 +6649,7 @@
           <a:sym typeface="Arial"/>
         </a:defRPr>
       </a:lvl4pPr>
-      <a:lvl5pPr lvl="4" marR="0" rtl="0" algn="l">
+      <a:lvl5pPr marR="0" lvl="4" algn="l" rtl="0">
         <a:lnSpc>
           <a:spcPct val="100000"/>
         </a:lnSpc>
@@ -6381,7 +6663,7 @@
           <a:srgbClr val="000000"/>
         </a:buClr>
         <a:buFont typeface="Arial"/>
-        <a:defRPr b="0" i="0" sz="1400" u="none" cap="none" strike="noStrike">
+        <a:defRPr sz="1400" b="0" i="0" u="none" strike="noStrike" cap="none">
           <a:solidFill>
             <a:srgbClr val="000000"/>
           </a:solidFill>
@@ -6391,7 +6673,7 @@
           <a:sym typeface="Arial"/>
         </a:defRPr>
       </a:lvl5pPr>
-      <a:lvl6pPr lvl="5" marR="0" rtl="0" algn="l">
+      <a:lvl6pPr marR="0" lvl="5" algn="l" rtl="0">
         <a:lnSpc>
           <a:spcPct val="100000"/>
         </a:lnSpc>
@@ -6405,7 +6687,7 @@
           <a:srgbClr val="000000"/>
         </a:buClr>
         <a:buFont typeface="Arial"/>
-        <a:defRPr b="0" i="0" sz="1400" u="none" cap="none" strike="noStrike">
+        <a:defRPr sz="1400" b="0" i="0" u="none" strike="noStrike" cap="none">
           <a:solidFill>
             <a:srgbClr val="000000"/>
           </a:solidFill>
@@ -6415,7 +6697,7 @@
           <a:sym typeface="Arial"/>
         </a:defRPr>
       </a:lvl6pPr>
-      <a:lvl7pPr lvl="6" marR="0" rtl="0" algn="l">
+      <a:lvl7pPr marR="0" lvl="6" algn="l" rtl="0">
         <a:lnSpc>
           <a:spcPct val="100000"/>
         </a:lnSpc>
@@ -6429,7 +6711,7 @@
           <a:srgbClr val="000000"/>
         </a:buClr>
         <a:buFont typeface="Arial"/>
-        <a:defRPr b="0" i="0" sz="1400" u="none" cap="none" strike="noStrike">
+        <a:defRPr sz="1400" b="0" i="0" u="none" strike="noStrike" cap="none">
           <a:solidFill>
             <a:srgbClr val="000000"/>
           </a:solidFill>
@@ -6439,7 +6721,7 @@
           <a:sym typeface="Arial"/>
         </a:defRPr>
       </a:lvl7pPr>
-      <a:lvl8pPr lvl="7" marR="0" rtl="0" algn="l">
+      <a:lvl8pPr marR="0" lvl="7" algn="l" rtl="0">
         <a:lnSpc>
           <a:spcPct val="100000"/>
         </a:lnSpc>
@@ -6453,7 +6735,7 @@
           <a:srgbClr val="000000"/>
         </a:buClr>
         <a:buFont typeface="Arial"/>
-        <a:defRPr b="0" i="0" sz="1400" u="none" cap="none" strike="noStrike">
+        <a:defRPr sz="1400" b="0" i="0" u="none" strike="noStrike" cap="none">
           <a:solidFill>
             <a:srgbClr val="000000"/>
           </a:solidFill>
@@ -6463,7 +6745,7 @@
           <a:sym typeface="Arial"/>
         </a:defRPr>
       </a:lvl8pPr>
-      <a:lvl9pPr lvl="8" marR="0" rtl="0" algn="l">
+      <a:lvl9pPr marR="0" lvl="8" algn="l" rtl="0">
         <a:lnSpc>
           <a:spcPct val="100000"/>
         </a:lnSpc>
@@ -6477,7 +6759,7 @@
           <a:srgbClr val="000000"/>
         </a:buClr>
         <a:buFont typeface="Arial"/>
-        <a:defRPr b="0" i="0" sz="1400" u="none" cap="none" strike="noStrike">
+        <a:defRPr sz="1400" b="0" i="0" u="none" strike="noStrike" cap="none">
           <a:solidFill>
             <a:srgbClr val="000000"/>
           </a:solidFill>
@@ -6489,7 +6771,7 @@
       </a:lvl9pPr>
     </p:bodyStyle>
     <p:otherStyle>
-      <a:defPPr lvl="0" marR="0" rtl="0" algn="l">
+      <a:defPPr marR="0" lvl="0" algn="l" rtl="0">
         <a:lnSpc>
           <a:spcPct val="100000"/>
         </a:lnSpc>
@@ -6500,7 +6782,7 @@
           <a:spcPts val="0"/>
         </a:spcAft>
       </a:defPPr>
-      <a:lvl1pPr lvl="0" marR="0" rtl="0" algn="l">
+      <a:lvl1pPr marR="0" lvl="0" algn="l" rtl="0">
         <a:lnSpc>
           <a:spcPct val="100000"/>
         </a:lnSpc>
@@ -6514,7 +6796,7 @@
           <a:srgbClr val="000000"/>
         </a:buClr>
         <a:buFont typeface="Arial"/>
-        <a:defRPr b="0" i="0" sz="1400" u="none" cap="none" strike="noStrike">
+        <a:defRPr sz="1400" b="0" i="0" u="none" strike="noStrike" cap="none">
           <a:solidFill>
             <a:srgbClr val="000000"/>
           </a:solidFill>
@@ -6524,7 +6806,7 @@
           <a:sym typeface="Arial"/>
         </a:defRPr>
       </a:lvl1pPr>
-      <a:lvl2pPr lvl="1" marR="0" rtl="0" algn="l">
+      <a:lvl2pPr marR="0" lvl="1" algn="l" rtl="0">
         <a:lnSpc>
           <a:spcPct val="100000"/>
         </a:lnSpc>
@@ -6538,7 +6820,7 @@
           <a:srgbClr val="000000"/>
         </a:buClr>
         <a:buFont typeface="Arial"/>
-        <a:defRPr b="0" i="0" sz="1400" u="none" cap="none" strike="noStrike">
+        <a:defRPr sz="1400" b="0" i="0" u="none" strike="noStrike" cap="none">
           <a:solidFill>
             <a:srgbClr val="000000"/>
           </a:solidFill>
@@ -6548,7 +6830,7 @@
           <a:sym typeface="Arial"/>
         </a:defRPr>
       </a:lvl2pPr>
-      <a:lvl3pPr lvl="2" marR="0" rtl="0" algn="l">
+      <a:lvl3pPr marR="0" lvl="2" algn="l" rtl="0">
         <a:lnSpc>
           <a:spcPct val="100000"/>
         </a:lnSpc>
@@ -6562,7 +6844,7 @@
           <a:srgbClr val="000000"/>
         </a:buClr>
         <a:buFont typeface="Arial"/>
-        <a:defRPr b="0" i="0" sz="1400" u="none" cap="none" strike="noStrike">
+        <a:defRPr sz="1400" b="0" i="0" u="none" strike="noStrike" cap="none">
           <a:solidFill>
             <a:srgbClr val="000000"/>
           </a:solidFill>
@@ -6572,7 +6854,7 @@
           <a:sym typeface="Arial"/>
         </a:defRPr>
       </a:lvl3pPr>
-      <a:lvl4pPr lvl="3" marR="0" rtl="0" algn="l">
+      <a:lvl4pPr marR="0" lvl="3" algn="l" rtl="0">
         <a:lnSpc>
           <a:spcPct val="100000"/>
         </a:lnSpc>
@@ -6586,7 +6868,7 @@
           <a:srgbClr val="000000"/>
         </a:buClr>
         <a:buFont typeface="Arial"/>
-        <a:defRPr b="0" i="0" sz="1400" u="none" cap="none" strike="noStrike">
+        <a:defRPr sz="1400" b="0" i="0" u="none" strike="noStrike" cap="none">
           <a:solidFill>
             <a:srgbClr val="000000"/>
           </a:solidFill>
@@ -6596,7 +6878,7 @@
           <a:sym typeface="Arial"/>
         </a:defRPr>
       </a:lvl4pPr>
-      <a:lvl5pPr lvl="4" marR="0" rtl="0" algn="l">
+      <a:lvl5pPr marR="0" lvl="4" algn="l" rtl="0">
         <a:lnSpc>
           <a:spcPct val="100000"/>
         </a:lnSpc>
@@ -6610,7 +6892,7 @@
           <a:srgbClr val="000000"/>
         </a:buClr>
         <a:buFont typeface="Arial"/>
-        <a:defRPr b="0" i="0" sz="1400" u="none" cap="none" strike="noStrike">
+        <a:defRPr sz="1400" b="0" i="0" u="none" strike="noStrike" cap="none">
           <a:solidFill>
             <a:srgbClr val="000000"/>
           </a:solidFill>
@@ -6620,7 +6902,7 @@
           <a:sym typeface="Arial"/>
         </a:defRPr>
       </a:lvl5pPr>
-      <a:lvl6pPr lvl="5" marR="0" rtl="0" algn="l">
+      <a:lvl6pPr marR="0" lvl="5" algn="l" rtl="0">
         <a:lnSpc>
           <a:spcPct val="100000"/>
         </a:lnSpc>
@@ -6634,7 +6916,7 @@
           <a:srgbClr val="000000"/>
         </a:buClr>
         <a:buFont typeface="Arial"/>
-        <a:defRPr b="0" i="0" sz="1400" u="none" cap="none" strike="noStrike">
+        <a:defRPr sz="1400" b="0" i="0" u="none" strike="noStrike" cap="none">
           <a:solidFill>
             <a:srgbClr val="000000"/>
           </a:solidFill>
@@ -6644,7 +6926,7 @@
           <a:sym typeface="Arial"/>
         </a:defRPr>
       </a:lvl6pPr>
-      <a:lvl7pPr lvl="6" marR="0" rtl="0" algn="l">
+      <a:lvl7pPr marR="0" lvl="6" algn="l" rtl="0">
         <a:lnSpc>
           <a:spcPct val="100000"/>
         </a:lnSpc>
@@ -6658,7 +6940,7 @@
           <a:srgbClr val="000000"/>
         </a:buClr>
         <a:buFont typeface="Arial"/>
-        <a:defRPr b="0" i="0" sz="1400" u="none" cap="none" strike="noStrike">
+        <a:defRPr sz="1400" b="0" i="0" u="none" strike="noStrike" cap="none">
           <a:solidFill>
             <a:srgbClr val="000000"/>
           </a:solidFill>
@@ -6668,7 +6950,7 @@
           <a:sym typeface="Arial"/>
         </a:defRPr>
       </a:lvl7pPr>
-      <a:lvl8pPr lvl="7" marR="0" rtl="0" algn="l">
+      <a:lvl8pPr marR="0" lvl="7" algn="l" rtl="0">
         <a:lnSpc>
           <a:spcPct val="100000"/>
         </a:lnSpc>
@@ -6682,7 +6964,7 @@
           <a:srgbClr val="000000"/>
         </a:buClr>
         <a:buFont typeface="Arial"/>
-        <a:defRPr b="0" i="0" sz="1400" u="none" cap="none" strike="noStrike">
+        <a:defRPr sz="1400" b="0" i="0" u="none" strike="noStrike" cap="none">
           <a:solidFill>
             <a:srgbClr val="000000"/>
           </a:solidFill>
@@ -6692,7 +6974,7 @@
           <a:sym typeface="Arial"/>
         </a:defRPr>
       </a:lvl8pPr>
-      <a:lvl9pPr lvl="8" marR="0" rtl="0" algn="l">
+      <a:lvl9pPr marR="0" lvl="8" algn="l" rtl="0">
         <a:lnSpc>
           <a:spcPct val="100000"/>
         </a:lnSpc>
@@ -6706,7 +6988,7 @@
           <a:srgbClr val="000000"/>
         </a:buClr>
         <a:buFont typeface="Arial"/>
-        <a:defRPr b="0" i="0" sz="1400" u="none" cap="none" strike="noStrike">
+        <a:defRPr sz="1400" b="0" i="0" u="none" strike="noStrike" cap="none">
           <a:solidFill>
             <a:srgbClr val="000000"/>
           </a:solidFill>
@@ -6722,11 +7004,11 @@
 </file>
 
 <file path=ppt/slides/slide1.xml><?xml version="1.0" encoding="utf-8"?>
-<p:sld xmlns:a="http://schemas.openxmlformats.org/drawingml/2006/main" xmlns:r="http://schemas.openxmlformats.org/officeDocument/2006/relationships" xmlns:mc="http://schemas.openxmlformats.org/markup-compatibility/2006" xmlns:mv="urn:schemas-microsoft-com:mac:vml" xmlns:p="http://schemas.openxmlformats.org/presentationml/2006/main" xmlns:c="http://schemas.openxmlformats.org/drawingml/2006/chart" xmlns:dgm="http://schemas.openxmlformats.org/drawingml/2006/diagram" xmlns:o="urn:schemas-microsoft-com:office:office" xmlns:v="urn:schemas-microsoft-com:vml" xmlns:pvml="urn:schemas-microsoft-com:office:powerpoint" xmlns:com="http://schemas.openxmlformats.org/drawingml/2006/compatibility" xmlns:p14="http://schemas.microsoft.com/office/powerpoint/2010/main" xmlns:p15="http://schemas.microsoft.com/office/powerpoint/2012/main">
+<p:sld xmlns:a="http://schemas.openxmlformats.org/drawingml/2006/main" xmlns:r="http://schemas.openxmlformats.org/officeDocument/2006/relationships" xmlns:p="http://schemas.openxmlformats.org/presentationml/2006/main">
   <p:cSld>
     <p:spTree>
       <p:nvGrpSpPr>
-        <p:cNvPr id="58" name="Shape 58"/>
+        <p:cNvPr id="1" name="Shape 58"/>
         <p:cNvGrpSpPr/>
         <p:nvPr/>
       </p:nvGrpSpPr>
@@ -6741,7 +7023,9 @@
       <p:sp>
         <p:nvSpPr>
           <p:cNvPr id="59" name="Google Shape;59;p13"/>
-          <p:cNvSpPr txBox="1"/>
+          <p:cNvSpPr txBox="1">
+            <a:spLocks noGrp="1"/>
+          </p:cNvSpPr>
           <p:nvPr>
             <p:ph type="ctrTitle"/>
           </p:nvPr>
@@ -6756,12 +7040,12 @@
           </a:prstGeom>
         </p:spPr>
         <p:txBody>
-          <a:bodyPr anchorCtr="0" anchor="b" bIns="91425" lIns="91425" spcFirstLastPara="1" rIns="91425" wrap="square" tIns="91425">
+          <a:bodyPr spcFirstLastPara="1" wrap="square" lIns="91425" tIns="91425" rIns="91425" bIns="91425" anchor="b" anchorCtr="0">
             <a:noAutofit/>
           </a:bodyPr>
           <a:lstStyle/>
           <a:p>
-            <a:pPr indent="0" lvl="0" marL="0" rtl="0" algn="ctr">
+            <a:pPr marL="0" lvl="0" indent="0" algn="ctr" rtl="0">
               <a:spcBef>
                 <a:spcPts val="0"/>
               </a:spcBef>
@@ -6781,9 +7065,11 @@
       <p:sp>
         <p:nvSpPr>
           <p:cNvPr id="60" name="Google Shape;60;p13"/>
-          <p:cNvSpPr txBox="1"/>
+          <p:cNvSpPr txBox="1">
+            <a:spLocks noGrp="1"/>
+          </p:cNvSpPr>
           <p:nvPr>
-            <p:ph idx="1" type="subTitle"/>
+            <p:ph type="subTitle" idx="1"/>
           </p:nvPr>
         </p:nvSpPr>
         <p:spPr>
@@ -6796,12 +7082,12 @@
           </a:prstGeom>
         </p:spPr>
         <p:txBody>
-          <a:bodyPr anchorCtr="0" anchor="t" bIns="91425" lIns="91425" spcFirstLastPara="1" rIns="91425" wrap="square" tIns="91425">
+          <a:bodyPr spcFirstLastPara="1" wrap="square" lIns="91425" tIns="91425" rIns="91425" bIns="91425" anchor="t" anchorCtr="0">
             <a:noAutofit/>
           </a:bodyPr>
           <a:lstStyle/>
           <a:p>
-            <a:pPr indent="-336550" lvl="0" marL="457200" rtl="0" algn="l">
+            <a:pPr marL="457200" lvl="0" indent="-336550" algn="l" rtl="0">
               <a:spcBef>
                 <a:spcPts val="0"/>
               </a:spcBef>
@@ -6818,7 +7104,7 @@
             <a:endParaRPr sz="1700"/>
           </a:p>
           <a:p>
-            <a:pPr indent="-336550" lvl="0" marL="457200" rtl="0" algn="l">
+            <a:pPr marL="457200" lvl="0" indent="-336550" algn="l" rtl="0">
               <a:spcBef>
                 <a:spcPts val="0"/>
               </a:spcBef>
@@ -6835,7 +7121,7 @@
             <a:endParaRPr sz="1700"/>
           </a:p>
           <a:p>
-            <a:pPr indent="-336550" lvl="0" marL="457200" rtl="0" algn="l">
+            <a:pPr marL="457200" lvl="0" indent="-336550" algn="l" rtl="0">
               <a:spcBef>
                 <a:spcPts val="0"/>
               </a:spcBef>
@@ -6852,7 +7138,7 @@
             <a:endParaRPr sz="1700"/>
           </a:p>
           <a:p>
-            <a:pPr indent="-336550" lvl="0" marL="457200" rtl="0" algn="l">
+            <a:pPr marL="457200" lvl="0" indent="-336550" algn="l" rtl="0">
               <a:spcBef>
                 <a:spcPts val="0"/>
               </a:spcBef>
@@ -6879,11 +7165,11 @@
 </file>
 
 <file path=ppt/slides/slide2.xml><?xml version="1.0" encoding="utf-8"?>
-<p:sld xmlns:a="http://schemas.openxmlformats.org/drawingml/2006/main" xmlns:r="http://schemas.openxmlformats.org/officeDocument/2006/relationships" xmlns:mc="http://schemas.openxmlformats.org/markup-compatibility/2006" xmlns:mv="urn:schemas-microsoft-com:mac:vml" xmlns:p="http://schemas.openxmlformats.org/presentationml/2006/main" xmlns:c="http://schemas.openxmlformats.org/drawingml/2006/chart" xmlns:dgm="http://schemas.openxmlformats.org/drawingml/2006/diagram" xmlns:o="urn:schemas-microsoft-com:office:office" xmlns:v="urn:schemas-microsoft-com:vml" xmlns:pvml="urn:schemas-microsoft-com:office:powerpoint" xmlns:com="http://schemas.openxmlformats.org/drawingml/2006/compatibility" xmlns:p14="http://schemas.microsoft.com/office/powerpoint/2010/main" xmlns:p15="http://schemas.microsoft.com/office/powerpoint/2012/main">
+<p:sld xmlns:a="http://schemas.openxmlformats.org/drawingml/2006/main" xmlns:r="http://schemas.openxmlformats.org/officeDocument/2006/relationships" xmlns:p="http://schemas.openxmlformats.org/presentationml/2006/main">
   <p:cSld>
     <p:spTree>
       <p:nvGrpSpPr>
-        <p:cNvPr id="64" name="Shape 64"/>
+        <p:cNvPr id="1" name="Shape 64"/>
         <p:cNvGrpSpPr/>
         <p:nvPr/>
       </p:nvGrpSpPr>
@@ -6898,7 +7184,9 @@
       <p:sp>
         <p:nvSpPr>
           <p:cNvPr id="65" name="Google Shape;65;p14"/>
-          <p:cNvSpPr txBox="1"/>
+          <p:cNvSpPr txBox="1">
+            <a:spLocks noGrp="1"/>
+          </p:cNvSpPr>
           <p:nvPr>
             <p:ph type="ctrTitle"/>
           </p:nvPr>
@@ -6913,34 +7201,40 @@
           </a:prstGeom>
         </p:spPr>
         <p:txBody>
-          <a:bodyPr anchorCtr="0" anchor="b" bIns="91425" lIns="91425" spcFirstLastPara="1" rIns="91425" wrap="square" tIns="91425">
+          <a:bodyPr spcFirstLastPara="1" wrap="square" lIns="91425" tIns="91425" rIns="91425" bIns="91425" anchor="b" anchorCtr="0">
             <a:noAutofit/>
           </a:bodyPr>
           <a:lstStyle/>
           <a:p>
-            <a:pPr indent="0" lvl="0" marL="0" rtl="0" algn="ctr">
-              <a:spcBef>
-                <a:spcPts val="0"/>
-              </a:spcBef>
-              <a:spcAft>
-                <a:spcPts val="0"/>
-              </a:spcAft>
-              <a:buNone/>
-            </a:pPr>
+            <a:pPr lvl="0"/>
             <a:r>
-              <a:rPr lang="en"/>
-              <a:t>Amin</a:t>
+              <a:rPr lang="en-US" dirty="0"/>
+              <a:t>Amin Shahab </a:t>
             </a:r>
-            <a:endParaRPr/>
+            <a:r>
+              <a:rPr lang="en-US" sz="2400" dirty="0"/>
+              <a:t>(</a:t>
+            </a:r>
+            <a:r>
+              <a:rPr lang="en-CA" sz="2400" b="1" dirty="0"/>
+              <a:t>MSc</a:t>
+            </a:r>
+            <a:r>
+              <a:rPr lang="en-US" sz="2400" dirty="0"/>
+              <a:t>)</a:t>
+            </a:r>
+            <a:endParaRPr dirty="0"/>
           </a:p>
         </p:txBody>
       </p:sp>
       <p:sp>
         <p:nvSpPr>
           <p:cNvPr id="66" name="Google Shape;66;p14"/>
-          <p:cNvSpPr txBox="1"/>
+          <p:cNvSpPr txBox="1">
+            <a:spLocks noGrp="1"/>
+          </p:cNvSpPr>
           <p:nvPr>
-            <p:ph idx="1" type="subTitle"/>
+            <p:ph type="subTitle" idx="1"/>
           </p:nvPr>
         </p:nvSpPr>
         <p:spPr>
@@ -6953,27 +7247,68 @@
           </a:prstGeom>
         </p:spPr>
         <p:txBody>
-          <a:bodyPr anchorCtr="0" anchor="t" bIns="91425" lIns="91425" spcFirstLastPara="1" rIns="91425" wrap="square" tIns="91425">
+          <a:bodyPr spcFirstLastPara="1" wrap="square" lIns="91425" tIns="91425" rIns="91425" bIns="91425" anchor="t" anchorCtr="0">
             <a:noAutofit/>
           </a:bodyPr>
           <a:lstStyle/>
           <a:p>
-            <a:pPr indent="0" lvl="0" marL="0" rtl="0" algn="ctr">
-              <a:spcBef>
-                <a:spcPts val="0"/>
-              </a:spcBef>
-              <a:spcAft>
-                <a:spcPts val="0"/>
-              </a:spcAft>
-              <a:buNone/>
-            </a:pPr>
+            <a:pPr marL="0" lvl="0" indent="0"/>
             <a:r>
-              <a:t/>
+              <a:rPr lang="en-US" dirty="0"/>
+              <a:t>Data Scientist, Data Analyst, Developer </a:t>
             </a:r>
-            <a:endParaRPr/>
+            <a:endParaRPr dirty="0"/>
           </a:p>
         </p:txBody>
       </p:sp>
+      <p:pic>
+        <p:nvPicPr>
+          <p:cNvPr id="1026" name="Picture 2" descr="Image result for linkedin icon">
+            <a:hlinkClick r:id="rId3"/>
+            <a:extLst>
+              <a:ext uri="{FF2B5EF4-FFF2-40B4-BE49-F238E27FC236}">
+                <a16:creationId xmlns:a16="http://schemas.microsoft.com/office/drawing/2014/main" id="{6CA2ABDA-0F6F-4737-B45B-D485327CC40F}"/>
+              </a:ext>
+            </a:extLst>
+          </p:cNvPr>
+          <p:cNvPicPr>
+            <a:picLocks noChangeAspect="1" noChangeArrowheads="1"/>
+          </p:cNvPicPr>
+          <p:nvPr/>
+        </p:nvPicPr>
+        <p:blipFill>
+          <a:blip r:embed="rId4">
+            <a:extLst>
+              <a:ext uri="{28A0092B-C50C-407E-A947-70E740481C1C}">
+                <a14:useLocalDpi xmlns:a14="http://schemas.microsoft.com/office/drawing/2010/main" val="0"/>
+              </a:ext>
+            </a:extLst>
+          </a:blip>
+          <a:srcRect/>
+          <a:stretch>
+            <a:fillRect/>
+          </a:stretch>
+        </p:blipFill>
+        <p:spPr bwMode="auto">
+          <a:xfrm>
+            <a:off x="6422073" y="3762959"/>
+            <a:ext cx="409033" cy="409033"/>
+          </a:xfrm>
+          <a:prstGeom prst="rect">
+            <a:avLst/>
+          </a:prstGeom>
+          <a:noFill/>
+          <a:extLst>
+            <a:ext uri="{909E8E84-426E-40DD-AFC4-6F175D3DCCD1}">
+              <a14:hiddenFill xmlns:a14="http://schemas.microsoft.com/office/drawing/2010/main">
+                <a:solidFill>
+                  <a:srgbClr val="FFFFFF"/>
+                </a:solidFill>
+              </a14:hiddenFill>
+            </a:ext>
+          </a:extLst>
+        </p:spPr>
+      </p:pic>
     </p:spTree>
   </p:cSld>
   <p:clrMapOvr>
@@ -6983,11 +7318,11 @@
 </file>
 
 <file path=ppt/slides/slide3.xml><?xml version="1.0" encoding="utf-8"?>
-<p:sld xmlns:a="http://schemas.openxmlformats.org/drawingml/2006/main" xmlns:r="http://schemas.openxmlformats.org/officeDocument/2006/relationships" xmlns:mc="http://schemas.openxmlformats.org/markup-compatibility/2006" xmlns:mv="urn:schemas-microsoft-com:mac:vml" xmlns:p="http://schemas.openxmlformats.org/presentationml/2006/main" xmlns:c="http://schemas.openxmlformats.org/drawingml/2006/chart" xmlns:dgm="http://schemas.openxmlformats.org/drawingml/2006/diagram" xmlns:o="urn:schemas-microsoft-com:office:office" xmlns:v="urn:schemas-microsoft-com:vml" xmlns:pvml="urn:schemas-microsoft-com:office:powerpoint" xmlns:com="http://schemas.openxmlformats.org/drawingml/2006/compatibility" xmlns:p14="http://schemas.microsoft.com/office/powerpoint/2010/main" xmlns:p15="http://schemas.microsoft.com/office/powerpoint/2012/main">
+<p:sld xmlns:a="http://schemas.openxmlformats.org/drawingml/2006/main" xmlns:r="http://schemas.openxmlformats.org/officeDocument/2006/relationships" xmlns:p="http://schemas.openxmlformats.org/presentationml/2006/main">
   <p:cSld>
     <p:spTree>
       <p:nvGrpSpPr>
-        <p:cNvPr id="70" name="Shape 70"/>
+        <p:cNvPr id="1" name="Shape 70"/>
         <p:cNvGrpSpPr/>
         <p:nvPr/>
       </p:nvGrpSpPr>
@@ -7002,7 +7337,9 @@
       <p:sp>
         <p:nvSpPr>
           <p:cNvPr id="71" name="Google Shape;71;p15"/>
-          <p:cNvSpPr txBox="1"/>
+          <p:cNvSpPr txBox="1">
+            <a:spLocks noGrp="1"/>
+          </p:cNvSpPr>
           <p:nvPr>
             <p:ph type="title"/>
           </p:nvPr>
@@ -7017,12 +7354,12 @@
           </a:prstGeom>
         </p:spPr>
         <p:txBody>
-          <a:bodyPr anchorCtr="0" anchor="t" bIns="91425" lIns="91425" spcFirstLastPara="1" rIns="91425" wrap="square" tIns="91425">
+          <a:bodyPr spcFirstLastPara="1" wrap="square" lIns="91425" tIns="91425" rIns="91425" bIns="91425" anchor="t" anchorCtr="0">
             <a:noAutofit/>
           </a:bodyPr>
           <a:lstStyle/>
           <a:p>
-            <a:pPr indent="0" lvl="0" marL="0" rtl="0" algn="l">
+            <a:pPr marL="0" lvl="0" indent="0" algn="l" rtl="0">
               <a:spcBef>
                 <a:spcPts val="0"/>
               </a:spcBef>
@@ -7042,9 +7379,11 @@
       <p:sp>
         <p:nvSpPr>
           <p:cNvPr id="72" name="Google Shape;72;p15"/>
-          <p:cNvSpPr txBox="1"/>
+          <p:cNvSpPr txBox="1">
+            <a:spLocks noGrp="1"/>
+          </p:cNvSpPr>
           <p:nvPr>
-            <p:ph idx="1" type="body"/>
+            <p:ph type="body" idx="1"/>
           </p:nvPr>
         </p:nvSpPr>
         <p:spPr>
@@ -7057,12 +7396,12 @@
           </a:prstGeom>
         </p:spPr>
         <p:txBody>
-          <a:bodyPr anchorCtr="0" anchor="t" bIns="91425" lIns="91425" spcFirstLastPara="1" rIns="91425" wrap="square" tIns="91425">
+          <a:bodyPr spcFirstLastPara="1" wrap="square" lIns="91425" tIns="91425" rIns="91425" bIns="91425" anchor="t" anchorCtr="0">
             <a:noAutofit/>
           </a:bodyPr>
           <a:lstStyle/>
           <a:p>
-            <a:pPr indent="0" lvl="0" marL="0" rtl="0" algn="l">
+            <a:pPr marL="0" lvl="0" indent="0" algn="l" rtl="0">
               <a:spcBef>
                 <a:spcPts val="0"/>
               </a:spcBef>
@@ -7072,15 +7411,35 @@
               <a:buNone/>
             </a:pPr>
             <a:r>
-              <a:rPr lang="en"/>
-              <a:t>Keep information as text, sound, image files on machine.</a:t>
+              <a:rPr lang="en-US" dirty="0"/>
+              <a:t>The need to keep information </a:t>
             </a:r>
-            <a:endParaRPr/>
-          </a:p>
-          <a:p>
-            <a:pPr indent="0" lvl="0" marL="0" rtl="0" algn="l">
-              <a:spcBef>
-                <a:spcPts val="1600"/>
+          </a:p>
+          <a:p>
+            <a:pPr marL="285750" indent="-285750"/>
+            <a:r>
+              <a:rPr lang="en-US" dirty="0"/>
+              <a:t>To remember</a:t>
+            </a:r>
+          </a:p>
+          <a:p>
+            <a:pPr marL="285750" indent="-285750"/>
+            <a:r>
+              <a:rPr lang="en-US" dirty="0"/>
+              <a:t>To pass to next generation</a:t>
+            </a:r>
+          </a:p>
+          <a:p>
+            <a:pPr marL="285750" indent="-285750"/>
+            <a:r>
+              <a:rPr lang="en-US" dirty="0"/>
+              <a:t>To calculate</a:t>
+            </a:r>
+          </a:p>
+          <a:p>
+            <a:pPr marL="0" lvl="0" indent="0" algn="l" rtl="0">
+              <a:spcBef>
+                <a:spcPts val="0"/>
               </a:spcBef>
               <a:spcAft>
                 <a:spcPts val="0"/>
@@ -7088,12 +7447,13 @@
               <a:buNone/>
             </a:pPr>
             <a:r>
-              <a:t/>
+              <a:rPr lang="en-US" dirty="0"/>
+              <a:t> </a:t>
             </a:r>
-            <a:endParaRPr/>
-          </a:p>
-          <a:p>
-            <a:pPr indent="0" lvl="0" marL="0" rtl="0" algn="l">
+            <a:endParaRPr dirty="0"/>
+          </a:p>
+          <a:p>
+            <a:pPr marL="0" lvl="0" indent="0" algn="l" rtl="0">
               <a:spcBef>
                 <a:spcPts val="1600"/>
               </a:spcBef>
@@ -7102,38 +7462,268 @@
               </a:spcAft>
               <a:buNone/>
             </a:pPr>
-            <a:r>
-              <a:rPr lang="en"/>
-              <a:t>It is local - FTP   access to one file is limited </a:t>
-            </a:r>
-            <a:endParaRPr/>
-          </a:p>
-          <a:p>
-            <a:pPr indent="0" lvl="0" marL="0" rtl="0" algn="l">
+            <a:endParaRPr lang="en-US" dirty="0"/>
+          </a:p>
+          <a:p>
+            <a:pPr marL="0" lvl="0" indent="0" algn="l" rtl="0">
               <a:spcBef>
                 <a:spcPts val="1600"/>
               </a:spcBef>
               <a:spcAft>
-                <a:spcPts val="1600"/>
+                <a:spcPts val="0"/>
               </a:spcAft>
               <a:buNone/>
             </a:pPr>
-            <a:r>
-              <a:rPr lang="en"/>
-              <a:t>Managing file size, indexing, backup restore, </a:t>
-            </a:r>
-            <a:r>
-              <a:rPr lang="en"/>
-              <a:t>transaction</a:t>
-            </a:r>
-            <a:r>
-              <a:rPr lang="en"/>
-              <a:t>, ...</a:t>
-            </a:r>
-            <a:endParaRPr/>
+            <a:endParaRPr dirty="0"/>
           </a:p>
         </p:txBody>
       </p:sp>
+      <p:grpSp>
+        <p:nvGrpSpPr>
+          <p:cNvPr id="3" name="Group 2">
+            <a:extLst>
+              <a:ext uri="{FF2B5EF4-FFF2-40B4-BE49-F238E27FC236}">
+                <a16:creationId xmlns:a16="http://schemas.microsoft.com/office/drawing/2014/main" id="{6E9BFD7D-FDDA-41F0-A413-51F82CB0E7A8}"/>
+              </a:ext>
+            </a:extLst>
+          </p:cNvPr>
+          <p:cNvGrpSpPr/>
+          <p:nvPr/>
+        </p:nvGrpSpPr>
+        <p:grpSpPr>
+          <a:xfrm>
+            <a:off x="1176617" y="2860675"/>
+            <a:ext cx="6165477" cy="1224931"/>
+            <a:chOff x="1116105" y="1653988"/>
+            <a:chExt cx="6165477" cy="1224931"/>
+          </a:xfrm>
+        </p:grpSpPr>
+        <p:pic>
+          <p:nvPicPr>
+            <p:cNvPr id="2050" name="Picture 2" descr="Image result for stone age tablet">
+              <a:extLst>
+                <a:ext uri="{FF2B5EF4-FFF2-40B4-BE49-F238E27FC236}">
+                  <a16:creationId xmlns:a16="http://schemas.microsoft.com/office/drawing/2014/main" id="{61B66EFC-B521-4380-979D-A32DB1B8B825}"/>
+                </a:ext>
+              </a:extLst>
+            </p:cNvPr>
+            <p:cNvPicPr>
+              <a:picLocks noChangeAspect="1" noChangeArrowheads="1"/>
+            </p:cNvPicPr>
+            <p:nvPr/>
+          </p:nvPicPr>
+          <p:blipFill rotWithShape="1">
+            <a:blip r:embed="rId3">
+              <a:extLst>
+                <a:ext uri="{28A0092B-C50C-407E-A947-70E740481C1C}">
+                  <a14:useLocalDpi xmlns:a14="http://schemas.microsoft.com/office/drawing/2010/main" val="0"/>
+                </a:ext>
+              </a:extLst>
+            </a:blip>
+            <a:srcRect t="10092" b="12844"/>
+            <a:stretch/>
+          </p:blipFill>
+          <p:spPr bwMode="auto">
+            <a:xfrm>
+              <a:off x="1116105" y="1724583"/>
+              <a:ext cx="1234528" cy="951381"/>
+            </a:xfrm>
+            <a:prstGeom prst="rect">
+              <a:avLst/>
+            </a:prstGeom>
+            <a:noFill/>
+            <a:extLst>
+              <a:ext uri="{909E8E84-426E-40DD-AFC4-6F175D3DCCD1}">
+                <a14:hiddenFill xmlns:a14="http://schemas.microsoft.com/office/drawing/2010/main">
+                  <a:solidFill>
+                    <a:srgbClr val="FFFFFF"/>
+                  </a:solidFill>
+                </a14:hiddenFill>
+              </a:ext>
+            </a:extLst>
+          </p:spPr>
+        </p:pic>
+        <p:pic>
+          <p:nvPicPr>
+            <p:cNvPr id="2052" name="Picture 4" descr="Related image">
+              <a:extLst>
+                <a:ext uri="{FF2B5EF4-FFF2-40B4-BE49-F238E27FC236}">
+                  <a16:creationId xmlns:a16="http://schemas.microsoft.com/office/drawing/2014/main" id="{D458753D-B265-4F8E-8BDF-116EE4EDFAD7}"/>
+                </a:ext>
+              </a:extLst>
+            </p:cNvPr>
+            <p:cNvPicPr>
+              <a:picLocks noChangeAspect="1" noChangeArrowheads="1"/>
+            </p:cNvPicPr>
+            <p:nvPr/>
+          </p:nvPicPr>
+          <p:blipFill rotWithShape="1">
+            <a:blip r:embed="rId4">
+              <a:extLst>
+                <a:ext uri="{28A0092B-C50C-407E-A947-70E740481C1C}">
+                  <a14:useLocalDpi xmlns:a14="http://schemas.microsoft.com/office/drawing/2010/main" val="0"/>
+                </a:ext>
+              </a:extLst>
+            </a:blip>
+            <a:srcRect l="7755" t="5701" r="5362" b="5229"/>
+            <a:stretch/>
+          </p:blipFill>
+          <p:spPr bwMode="auto">
+            <a:xfrm>
+              <a:off x="3539177" y="1653988"/>
+              <a:ext cx="1234528" cy="1021976"/>
+            </a:xfrm>
+            <a:prstGeom prst="rect">
+              <a:avLst/>
+            </a:prstGeom>
+            <a:noFill/>
+            <a:extLst>
+              <a:ext uri="{909E8E84-426E-40DD-AFC4-6F175D3DCCD1}">
+                <a14:hiddenFill xmlns:a14="http://schemas.microsoft.com/office/drawing/2010/main">
+                  <a:solidFill>
+                    <a:srgbClr val="FFFFFF"/>
+                  </a:solidFill>
+                </a14:hiddenFill>
+              </a:ext>
+            </a:extLst>
+          </p:spPr>
+        </p:pic>
+        <p:pic>
+          <p:nvPicPr>
+            <p:cNvPr id="2054" name="Picture 6" descr="Image result for computer first model">
+              <a:extLst>
+                <a:ext uri="{FF2B5EF4-FFF2-40B4-BE49-F238E27FC236}">
+                  <a16:creationId xmlns:a16="http://schemas.microsoft.com/office/drawing/2014/main" id="{266E8825-DC07-4205-ADF8-35093B9F48D3}"/>
+                </a:ext>
+              </a:extLst>
+            </p:cNvPr>
+            <p:cNvPicPr>
+              <a:picLocks noChangeAspect="1" noChangeArrowheads="1"/>
+            </p:cNvPicPr>
+            <p:nvPr/>
+          </p:nvPicPr>
+          <p:blipFill>
+            <a:blip r:embed="rId5">
+              <a:extLst>
+                <a:ext uri="{28A0092B-C50C-407E-A947-70E740481C1C}">
+                  <a14:useLocalDpi xmlns:a14="http://schemas.microsoft.com/office/drawing/2010/main" val="0"/>
+                </a:ext>
+              </a:extLst>
+            </a:blip>
+            <a:srcRect/>
+            <a:stretch>
+              <a:fillRect/>
+            </a:stretch>
+          </p:blipFill>
+          <p:spPr bwMode="auto">
+            <a:xfrm>
+              <a:off x="6236988" y="1653988"/>
+              <a:ext cx="1044594" cy="1224931"/>
+            </a:xfrm>
+            <a:prstGeom prst="rect">
+              <a:avLst/>
+            </a:prstGeom>
+            <a:noFill/>
+            <a:extLst>
+              <a:ext uri="{909E8E84-426E-40DD-AFC4-6F175D3DCCD1}">
+                <a14:hiddenFill xmlns:a14="http://schemas.microsoft.com/office/drawing/2010/main">
+                  <a:solidFill>
+                    <a:srgbClr val="FFFFFF"/>
+                  </a:solidFill>
+                </a14:hiddenFill>
+              </a:ext>
+            </a:extLst>
+          </p:spPr>
+        </p:pic>
+        <p:sp>
+          <p:nvSpPr>
+            <p:cNvPr id="2" name="Arrow: Right 1">
+              <a:extLst>
+                <a:ext uri="{FF2B5EF4-FFF2-40B4-BE49-F238E27FC236}">
+                  <a16:creationId xmlns:a16="http://schemas.microsoft.com/office/drawing/2014/main" id="{D4B9169E-261B-4D9A-B784-ACB37F97DB9A}"/>
+                </a:ext>
+              </a:extLst>
+            </p:cNvPr>
+            <p:cNvSpPr/>
+            <p:nvPr/>
+          </p:nvSpPr>
+          <p:spPr>
+            <a:xfrm>
+              <a:off x="2696120" y="1913923"/>
+              <a:ext cx="578224" cy="572700"/>
+            </a:xfrm>
+            <a:prstGeom prst="rightArrow">
+              <a:avLst/>
+            </a:prstGeom>
+          </p:spPr>
+          <p:style>
+            <a:lnRef idx="1">
+              <a:schemeClr val="accent5"/>
+            </a:lnRef>
+            <a:fillRef idx="2">
+              <a:schemeClr val="accent5"/>
+            </a:fillRef>
+            <a:effectRef idx="1">
+              <a:schemeClr val="accent5"/>
+            </a:effectRef>
+            <a:fontRef idx="minor">
+              <a:schemeClr val="dk1"/>
+            </a:fontRef>
+          </p:style>
+          <p:txBody>
+            <a:bodyPr rtlCol="0" anchor="ctr"/>
+            <a:lstStyle/>
+            <a:p>
+              <a:pPr algn="ctr"/>
+              <a:endParaRPr lang="en-CA"/>
+            </a:p>
+          </p:txBody>
+        </p:sp>
+        <p:sp>
+          <p:nvSpPr>
+            <p:cNvPr id="8" name="Arrow: Right 7">
+              <a:extLst>
+                <a:ext uri="{FF2B5EF4-FFF2-40B4-BE49-F238E27FC236}">
+                  <a16:creationId xmlns:a16="http://schemas.microsoft.com/office/drawing/2014/main" id="{ED230BF6-9C05-4BD5-9ADA-97DC2C47782A}"/>
+                </a:ext>
+              </a:extLst>
+            </p:cNvPr>
+            <p:cNvSpPr/>
+            <p:nvPr/>
+          </p:nvSpPr>
+          <p:spPr>
+            <a:xfrm>
+              <a:off x="5216234" y="1913923"/>
+              <a:ext cx="578224" cy="572700"/>
+            </a:xfrm>
+            <a:prstGeom prst="rightArrow">
+              <a:avLst/>
+            </a:prstGeom>
+          </p:spPr>
+          <p:style>
+            <a:lnRef idx="1">
+              <a:schemeClr val="accent5"/>
+            </a:lnRef>
+            <a:fillRef idx="2">
+              <a:schemeClr val="accent5"/>
+            </a:fillRef>
+            <a:effectRef idx="1">
+              <a:schemeClr val="accent5"/>
+            </a:effectRef>
+            <a:fontRef idx="minor">
+              <a:schemeClr val="dk1"/>
+            </a:fontRef>
+          </p:style>
+          <p:txBody>
+            <a:bodyPr rtlCol="0" anchor="ctr"/>
+            <a:lstStyle/>
+            <a:p>
+              <a:pPr algn="ctr"/>
+              <a:endParaRPr lang="en-CA"/>
+            </a:p>
+          </p:txBody>
+        </p:sp>
+      </p:grpSp>
     </p:spTree>
   </p:cSld>
   <p:clrMapOvr>
@@ -7143,11 +7733,331 @@
 </file>
 
 <file path=ppt/slides/slide4.xml><?xml version="1.0" encoding="utf-8"?>
-<p:sld xmlns:a="http://schemas.openxmlformats.org/drawingml/2006/main" xmlns:r="http://schemas.openxmlformats.org/officeDocument/2006/relationships" xmlns:mc="http://schemas.openxmlformats.org/markup-compatibility/2006" xmlns:mv="urn:schemas-microsoft-com:mac:vml" xmlns:p="http://schemas.openxmlformats.org/presentationml/2006/main" xmlns:c="http://schemas.openxmlformats.org/drawingml/2006/chart" xmlns:dgm="http://schemas.openxmlformats.org/drawingml/2006/diagram" xmlns:o="urn:schemas-microsoft-com:office:office" xmlns:v="urn:schemas-microsoft-com:vml" xmlns:pvml="urn:schemas-microsoft-com:office:powerpoint" xmlns:com="http://schemas.openxmlformats.org/drawingml/2006/compatibility" xmlns:p14="http://schemas.microsoft.com/office/powerpoint/2010/main" xmlns:p15="http://schemas.microsoft.com/office/powerpoint/2012/main">
+<p:sld xmlns:a="http://schemas.openxmlformats.org/drawingml/2006/main" xmlns:r="http://schemas.openxmlformats.org/officeDocument/2006/relationships" xmlns:p="http://schemas.openxmlformats.org/presentationml/2006/main">
   <p:cSld>
     <p:spTree>
       <p:nvGrpSpPr>
-        <p:cNvPr id="76" name="Shape 76"/>
+        <p:cNvPr id="1" name="Shape 70"/>
+        <p:cNvGrpSpPr/>
+        <p:nvPr/>
+      </p:nvGrpSpPr>
+      <p:grpSpPr>
+        <a:xfrm>
+          <a:off x="0" y="0"/>
+          <a:ext cx="0" cy="0"/>
+          <a:chOff x="0" y="0"/>
+          <a:chExt cx="0" cy="0"/>
+        </a:xfrm>
+      </p:grpSpPr>
+      <p:sp>
+        <p:nvSpPr>
+          <p:cNvPr id="71" name="Google Shape;71;p15"/>
+          <p:cNvSpPr txBox="1">
+            <a:spLocks noGrp="1"/>
+          </p:cNvSpPr>
+          <p:nvPr>
+            <p:ph type="title"/>
+          </p:nvPr>
+        </p:nvSpPr>
+        <p:spPr>
+          <a:xfrm>
+            <a:off x="311700" y="445025"/>
+            <a:ext cx="8520600" cy="572700"/>
+          </a:xfrm>
+          <a:prstGeom prst="rect">
+            <a:avLst/>
+          </a:prstGeom>
+        </p:spPr>
+        <p:txBody>
+          <a:bodyPr spcFirstLastPara="1" wrap="square" lIns="91425" tIns="91425" rIns="91425" bIns="91425" anchor="t" anchorCtr="0">
+            <a:noAutofit/>
+          </a:bodyPr>
+          <a:lstStyle/>
+          <a:p>
+            <a:pPr marL="0" lvl="0" indent="0" algn="l" rtl="0">
+              <a:spcBef>
+                <a:spcPts val="0"/>
+              </a:spcBef>
+              <a:spcAft>
+                <a:spcPts val="0"/>
+              </a:spcAft>
+              <a:buNone/>
+            </a:pPr>
+            <a:r>
+              <a:rPr lang="en" dirty="0"/>
+              <a:t>History</a:t>
+            </a:r>
+            <a:endParaRPr dirty="0"/>
+          </a:p>
+        </p:txBody>
+      </p:sp>
+      <p:sp>
+        <p:nvSpPr>
+          <p:cNvPr id="72" name="Google Shape;72;p15"/>
+          <p:cNvSpPr txBox="1">
+            <a:spLocks noGrp="1"/>
+          </p:cNvSpPr>
+          <p:nvPr>
+            <p:ph type="body" idx="1"/>
+          </p:nvPr>
+        </p:nvSpPr>
+        <p:spPr>
+          <a:xfrm>
+            <a:off x="311700" y="1152475"/>
+            <a:ext cx="8520600" cy="3416400"/>
+          </a:xfrm>
+          <a:prstGeom prst="rect">
+            <a:avLst/>
+          </a:prstGeom>
+        </p:spPr>
+        <p:txBody>
+          <a:bodyPr spcFirstLastPara="1" wrap="square" lIns="91425" tIns="91425" rIns="91425" bIns="91425" anchor="t" anchorCtr="0">
+            <a:noAutofit/>
+          </a:bodyPr>
+          <a:lstStyle/>
+          <a:p>
+            <a:pPr marL="0" lvl="0" indent="0" algn="l" rtl="0">
+              <a:spcBef>
+                <a:spcPts val="0"/>
+              </a:spcBef>
+              <a:spcAft>
+                <a:spcPts val="0"/>
+              </a:spcAft>
+              <a:buNone/>
+            </a:pPr>
+            <a:r>
+              <a:rPr lang="en-US" dirty="0"/>
+              <a:t>The need to share information</a:t>
+            </a:r>
+          </a:p>
+          <a:p>
+            <a:pPr marL="0" lvl="0" indent="0" algn="l" rtl="0">
+              <a:spcBef>
+                <a:spcPts val="0"/>
+              </a:spcBef>
+              <a:spcAft>
+                <a:spcPts val="0"/>
+              </a:spcAft>
+              <a:buNone/>
+            </a:pPr>
+            <a:r>
+              <a:rPr lang="en-US" dirty="0"/>
+              <a:t> </a:t>
+            </a:r>
+            <a:endParaRPr dirty="0"/>
+          </a:p>
+          <a:p>
+            <a:pPr marL="0" lvl="0" indent="0" algn="l" rtl="0">
+              <a:spcBef>
+                <a:spcPts val="1600"/>
+              </a:spcBef>
+              <a:spcAft>
+                <a:spcPts val="0"/>
+              </a:spcAft>
+              <a:buNone/>
+            </a:pPr>
+            <a:endParaRPr lang="en-US" dirty="0"/>
+          </a:p>
+          <a:p>
+            <a:pPr marL="0" lvl="0" indent="0" algn="l" rtl="0">
+              <a:spcBef>
+                <a:spcPts val="1600"/>
+              </a:spcBef>
+              <a:spcAft>
+                <a:spcPts val="0"/>
+              </a:spcAft>
+              <a:buNone/>
+            </a:pPr>
+            <a:r>
+              <a:rPr lang="en-US" dirty="0"/>
+              <a:t>We need centralized controlled database </a:t>
+            </a:r>
+          </a:p>
+          <a:p>
+            <a:pPr marL="0" lvl="0" indent="0" algn="l" rtl="0">
+              <a:lnSpc>
+                <a:spcPct val="100000"/>
+              </a:lnSpc>
+              <a:spcBef>
+                <a:spcPts val="1600"/>
+              </a:spcBef>
+              <a:spcAft>
+                <a:spcPts val="0"/>
+              </a:spcAft>
+              <a:buNone/>
+            </a:pPr>
+            <a:r>
+              <a:rPr lang="en-US" sz="1400" dirty="0"/>
+              <a:t>	-  </a:t>
+            </a:r>
+            <a:r>
+              <a:rPr lang="en" sz="1400" dirty="0"/>
+              <a:t>Managing file size			-  indexing</a:t>
+            </a:r>
+          </a:p>
+          <a:p>
+            <a:pPr marL="0" indent="0">
+              <a:lnSpc>
+                <a:spcPct val="100000"/>
+              </a:lnSpc>
+              <a:spcBef>
+                <a:spcPts val="1600"/>
+              </a:spcBef>
+              <a:spcAft>
+                <a:spcPts val="1600"/>
+              </a:spcAft>
+              <a:buNone/>
+            </a:pPr>
+            <a:r>
+              <a:rPr lang="en" sz="1400" dirty="0"/>
+              <a:t>	-  backup restore			-  transaction</a:t>
+            </a:r>
+          </a:p>
+          <a:p>
+            <a:pPr marL="0" indent="0">
+              <a:lnSpc>
+                <a:spcPct val="100000"/>
+              </a:lnSpc>
+              <a:spcBef>
+                <a:spcPts val="1600"/>
+              </a:spcBef>
+              <a:spcAft>
+                <a:spcPts val="1600"/>
+              </a:spcAft>
+              <a:buNone/>
+            </a:pPr>
+            <a:r>
+              <a:rPr lang="en" sz="1400" dirty="0"/>
+              <a:t>	- …</a:t>
+            </a:r>
+            <a:endParaRPr sz="1400" dirty="0"/>
+          </a:p>
+        </p:txBody>
+      </p:sp>
+      <p:pic>
+        <p:nvPicPr>
+          <p:cNvPr id="3" name="Picture 2">
+            <a:extLst>
+              <a:ext uri="{FF2B5EF4-FFF2-40B4-BE49-F238E27FC236}">
+                <a16:creationId xmlns:a16="http://schemas.microsoft.com/office/drawing/2014/main" id="{54FB3192-334D-46CA-9E3A-EB33FB3205BD}"/>
+              </a:ext>
+            </a:extLst>
+          </p:cNvPr>
+          <p:cNvPicPr>
+            <a:picLocks noChangeAspect="1"/>
+          </p:cNvPicPr>
+          <p:nvPr/>
+        </p:nvPicPr>
+        <p:blipFill>
+          <a:blip r:embed="rId3"/>
+          <a:stretch>
+            <a:fillRect/>
+          </a:stretch>
+        </p:blipFill>
+        <p:spPr>
+          <a:xfrm>
+            <a:off x="1573868" y="1620371"/>
+            <a:ext cx="731284" cy="951379"/>
+          </a:xfrm>
+          <a:prstGeom prst="rect">
+            <a:avLst/>
+          </a:prstGeom>
+        </p:spPr>
+      </p:pic>
+      <p:pic>
+        <p:nvPicPr>
+          <p:cNvPr id="3076" name="Picture 4" descr="https://banner2.cleanpng.com/20180216/elq/kisspng-radio-receiver-u6536u97f3u673a-old-fashioned-radio-5a879c87848a05.5044074215188368715429.jpg">
+            <a:extLst>
+              <a:ext uri="{FF2B5EF4-FFF2-40B4-BE49-F238E27FC236}">
+                <a16:creationId xmlns:a16="http://schemas.microsoft.com/office/drawing/2014/main" id="{E402A5A8-129A-4C5D-9313-C9FAC67AE682}"/>
+              </a:ext>
+            </a:extLst>
+          </p:cNvPr>
+          <p:cNvPicPr>
+            <a:picLocks noChangeAspect="1" noChangeArrowheads="1"/>
+          </p:cNvPicPr>
+          <p:nvPr/>
+        </p:nvPicPr>
+        <p:blipFill rotWithShape="1">
+          <a:blip r:embed="rId4">
+            <a:extLst>
+              <a:ext uri="{28A0092B-C50C-407E-A947-70E740481C1C}">
+                <a14:useLocalDpi xmlns:a14="http://schemas.microsoft.com/office/drawing/2010/main" val="0"/>
+              </a:ext>
+            </a:extLst>
+          </a:blip>
+          <a:srcRect l="14839" t="12750" r="14729" b="29502"/>
+          <a:stretch/>
+        </p:blipFill>
+        <p:spPr bwMode="auto">
+          <a:xfrm>
+            <a:off x="3567320" y="1588711"/>
+            <a:ext cx="1586753" cy="983039"/>
+          </a:xfrm>
+          <a:prstGeom prst="rect">
+            <a:avLst/>
+          </a:prstGeom>
+          <a:noFill/>
+          <a:extLst>
+            <a:ext uri="{909E8E84-426E-40DD-AFC4-6F175D3DCCD1}">
+              <a14:hiddenFill xmlns:a14="http://schemas.microsoft.com/office/drawing/2010/main">
+                <a:solidFill>
+                  <a:srgbClr val="FFFFFF"/>
+                </a:solidFill>
+              </a14:hiddenFill>
+            </a:ext>
+          </a:extLst>
+        </p:spPr>
+      </p:pic>
+      <p:pic>
+        <p:nvPicPr>
+          <p:cNvPr id="7" name="Picture 6">
+            <a:extLst>
+              <a:ext uri="{FF2B5EF4-FFF2-40B4-BE49-F238E27FC236}">
+                <a16:creationId xmlns:a16="http://schemas.microsoft.com/office/drawing/2014/main" id="{D342D3F7-7CC2-42A3-9CF2-EA8C3035FAEF}"/>
+              </a:ext>
+            </a:extLst>
+          </p:cNvPr>
+          <p:cNvPicPr>
+            <a:picLocks noChangeAspect="1"/>
+          </p:cNvPicPr>
+          <p:nvPr/>
+        </p:nvPicPr>
+        <p:blipFill>
+          <a:blip r:embed="rId5"/>
+          <a:stretch>
+            <a:fillRect/>
+          </a:stretch>
+        </p:blipFill>
+        <p:spPr>
+          <a:xfrm>
+            <a:off x="6296022" y="1461245"/>
+            <a:ext cx="1274110" cy="1274110"/>
+          </a:xfrm>
+          <a:prstGeom prst="rect">
+            <a:avLst/>
+          </a:prstGeom>
+        </p:spPr>
+      </p:pic>
+    </p:spTree>
+    <p:extLst>
+      <p:ext uri="{BB962C8B-B14F-4D97-AF65-F5344CB8AC3E}">
+        <p14:creationId xmlns:p14="http://schemas.microsoft.com/office/powerpoint/2010/main" val="3212398559"/>
+      </p:ext>
+    </p:extLst>
+  </p:cSld>
+  <p:clrMapOvr>
+    <a:masterClrMapping/>
+  </p:clrMapOvr>
+</p:sld>
+</file>
+
+<file path=ppt/slides/slide5.xml><?xml version="1.0" encoding="utf-8"?>
+<p:sld xmlns:a="http://schemas.openxmlformats.org/drawingml/2006/main" xmlns:r="http://schemas.openxmlformats.org/officeDocument/2006/relationships" xmlns:p="http://schemas.openxmlformats.org/presentationml/2006/main">
+  <p:cSld>
+    <p:spTree>
+      <p:nvGrpSpPr>
+        <p:cNvPr id="1" name="Shape 76"/>
         <p:cNvGrpSpPr/>
         <p:nvPr/>
       </p:nvGrpSpPr>
@@ -7162,7 +8072,9 @@
       <p:sp>
         <p:nvSpPr>
           <p:cNvPr id="77" name="Google Shape;77;p16"/>
-          <p:cNvSpPr txBox="1"/>
+          <p:cNvSpPr txBox="1">
+            <a:spLocks noGrp="1"/>
+          </p:cNvSpPr>
           <p:nvPr>
             <p:ph type="title"/>
           </p:nvPr>
@@ -7177,12 +8089,12 @@
           </a:prstGeom>
         </p:spPr>
         <p:txBody>
-          <a:bodyPr anchorCtr="0" anchor="t" bIns="91425" lIns="91425" spcFirstLastPara="1" rIns="91425" wrap="square" tIns="91425">
+          <a:bodyPr spcFirstLastPara="1" wrap="square" lIns="91425" tIns="91425" rIns="91425" bIns="91425" anchor="t" anchorCtr="0">
             <a:noAutofit/>
           </a:bodyPr>
           <a:lstStyle/>
           <a:p>
-            <a:pPr indent="0" lvl="0" marL="0" rtl="0" algn="l">
+            <a:pPr marL="0" lvl="0" indent="0" algn="l" rtl="0">
               <a:spcBef>
                 <a:spcPts val="0"/>
               </a:spcBef>
@@ -7195,16 +8107,18 @@
               <a:rPr lang="en"/>
               <a:t>RDBMS </a:t>
             </a:r>
-            <a:endParaRPr/>
+            <a:endParaRPr dirty="0"/>
           </a:p>
         </p:txBody>
       </p:sp>
       <p:sp>
         <p:nvSpPr>
           <p:cNvPr id="78" name="Google Shape;78;p16"/>
-          <p:cNvSpPr txBox="1"/>
+          <p:cNvSpPr txBox="1">
+            <a:spLocks noGrp="1"/>
+          </p:cNvSpPr>
           <p:nvPr>
-            <p:ph idx="1" type="body"/>
+            <p:ph type="body" idx="1"/>
           </p:nvPr>
         </p:nvSpPr>
         <p:spPr>
@@ -7217,12 +8131,12 @@
           </a:prstGeom>
         </p:spPr>
         <p:txBody>
-          <a:bodyPr anchorCtr="0" anchor="t" bIns="91425" lIns="91425" spcFirstLastPara="1" rIns="91425" wrap="square" tIns="91425">
+          <a:bodyPr spcFirstLastPara="1" wrap="square" lIns="91425" tIns="91425" rIns="91425" bIns="91425" anchor="t" anchorCtr="0">
             <a:noAutofit/>
           </a:bodyPr>
           <a:lstStyle/>
           <a:p>
-            <a:pPr indent="0" lvl="0" marL="0" rtl="0" algn="l">
+            <a:pPr marL="0" lvl="0" indent="0" algn="l" rtl="0">
               <a:spcBef>
                 <a:spcPts val="0"/>
               </a:spcBef>
@@ -7232,13 +8146,13 @@
               <a:buNone/>
             </a:pPr>
             <a:r>
-              <a:rPr lang="en"/>
+              <a:rPr lang="en" dirty="0"/>
               <a:t>Stand on Relational DataBase Management System</a:t>
             </a:r>
-            <a:endParaRPr/>
-          </a:p>
-          <a:p>
-            <a:pPr indent="0" lvl="0" marL="0" rtl="0" algn="l">
+            <a:endParaRPr dirty="0"/>
+          </a:p>
+          <a:p>
+            <a:pPr marL="0" lvl="0" indent="0" algn="l" rtl="0">
               <a:spcBef>
                 <a:spcPts val="1600"/>
               </a:spcBef>
@@ -7248,12 +8162,13 @@
               <a:buNone/>
             </a:pPr>
             <a:r>
-              <a:t/>
+              <a:rPr lang="en-US" dirty="0"/>
+              <a:t>Is a software that manage, </a:t>
             </a:r>
-            <a:endParaRPr/>
-          </a:p>
-          <a:p>
-            <a:pPr indent="0" lvl="0" marL="0" rtl="0" algn="l">
+            <a:endParaRPr dirty="0"/>
+          </a:p>
+          <a:p>
+            <a:pPr marL="0" lvl="0" indent="0" algn="l" rtl="0">
               <a:spcBef>
                 <a:spcPts val="1600"/>
               </a:spcBef>
@@ -7263,10 +8178,10 @@
               <a:buNone/>
             </a:pPr>
             <a:r>
-              <a:rPr lang="en"/>
+              <a:rPr lang="en" dirty="0"/>
               <a:t>Oracle, MS SQL Server, DB2, MySQL ...</a:t>
             </a:r>
-            <a:endParaRPr/>
+            <a:endParaRPr dirty="0"/>
           </a:p>
         </p:txBody>
       </p:sp>
@@ -7278,12 +8193,12 @@
 </p:sld>
 </file>
 
-<file path=ppt/slides/slide5.xml><?xml version="1.0" encoding="utf-8"?>
-<p:sld xmlns:a="http://schemas.openxmlformats.org/drawingml/2006/main" xmlns:r="http://schemas.openxmlformats.org/officeDocument/2006/relationships" xmlns:mc="http://schemas.openxmlformats.org/markup-compatibility/2006" xmlns:mv="urn:schemas-microsoft-com:mac:vml" xmlns:p="http://schemas.openxmlformats.org/presentationml/2006/main" xmlns:c="http://schemas.openxmlformats.org/drawingml/2006/chart" xmlns:dgm="http://schemas.openxmlformats.org/drawingml/2006/diagram" xmlns:o="urn:schemas-microsoft-com:office:office" xmlns:v="urn:schemas-microsoft-com:vml" xmlns:pvml="urn:schemas-microsoft-com:office:powerpoint" xmlns:com="http://schemas.openxmlformats.org/drawingml/2006/compatibility" xmlns:p14="http://schemas.microsoft.com/office/powerpoint/2010/main" xmlns:p15="http://schemas.microsoft.com/office/powerpoint/2012/main">
+<file path=ppt/slides/slide6.xml><?xml version="1.0" encoding="utf-8"?>
+<p:sld xmlns:a="http://schemas.openxmlformats.org/drawingml/2006/main" xmlns:r="http://schemas.openxmlformats.org/officeDocument/2006/relationships" xmlns:p="http://schemas.openxmlformats.org/presentationml/2006/main">
   <p:cSld>
     <p:spTree>
       <p:nvGrpSpPr>
-        <p:cNvPr id="82" name="Shape 82"/>
+        <p:cNvPr id="1" name="Shape 82"/>
         <p:cNvGrpSpPr/>
         <p:nvPr/>
       </p:nvGrpSpPr>
@@ -7298,7 +8213,9 @@
       <p:sp>
         <p:nvSpPr>
           <p:cNvPr id="83" name="Google Shape;83;p17"/>
-          <p:cNvSpPr txBox="1"/>
+          <p:cNvSpPr txBox="1">
+            <a:spLocks noGrp="1"/>
+          </p:cNvSpPr>
           <p:nvPr>
             <p:ph type="title"/>
           </p:nvPr>
@@ -7313,12 +8230,12 @@
           </a:prstGeom>
         </p:spPr>
         <p:txBody>
-          <a:bodyPr anchorCtr="0" anchor="t" bIns="91425" lIns="91425" spcFirstLastPara="1" rIns="91425" wrap="square" tIns="91425">
+          <a:bodyPr spcFirstLastPara="1" wrap="square" lIns="91425" tIns="91425" rIns="91425" bIns="91425" anchor="t" anchorCtr="0">
             <a:noAutofit/>
           </a:bodyPr>
           <a:lstStyle/>
           <a:p>
-            <a:pPr indent="0" lvl="0" marL="0" rtl="0" algn="l">
+            <a:pPr marL="0" lvl="0" indent="0" algn="l" rtl="0">
               <a:spcBef>
                 <a:spcPts val="0"/>
               </a:spcBef>
@@ -7338,9 +8255,11 @@
       <p:sp>
         <p:nvSpPr>
           <p:cNvPr id="84" name="Google Shape;84;p17"/>
-          <p:cNvSpPr txBox="1"/>
+          <p:cNvSpPr txBox="1">
+            <a:spLocks noGrp="1"/>
+          </p:cNvSpPr>
           <p:nvPr>
-            <p:ph idx="1" type="body"/>
+            <p:ph type="body" idx="1"/>
           </p:nvPr>
         </p:nvSpPr>
         <p:spPr>
@@ -7353,12 +8272,12 @@
           </a:prstGeom>
         </p:spPr>
         <p:txBody>
-          <a:bodyPr anchorCtr="0" anchor="t" bIns="91425" lIns="91425" spcFirstLastPara="1" rIns="91425" wrap="square" tIns="91425">
+          <a:bodyPr spcFirstLastPara="1" wrap="square" lIns="91425" tIns="91425" rIns="91425" bIns="91425" anchor="t" anchorCtr="0">
             <a:noAutofit/>
           </a:bodyPr>
           <a:lstStyle/>
           <a:p>
-            <a:pPr indent="0" lvl="0" marL="0" rtl="0" algn="l">
+            <a:pPr marL="0" lvl="0" indent="0" algn="l" rtl="0">
               <a:spcBef>
                 <a:spcPts val="0"/>
               </a:spcBef>
@@ -7374,7 +8293,7 @@
             <a:endParaRPr/>
           </a:p>
           <a:p>
-            <a:pPr indent="0" lvl="0" marL="0" rtl="0" algn="l">
+            <a:pPr marL="0" lvl="0" indent="0" algn="l" rtl="0">
               <a:spcBef>
                 <a:spcPts val="1600"/>
               </a:spcBef>
@@ -7403,7 +8322,7 @@
             <a:endParaRPr/>
           </a:p>
           <a:p>
-            <a:pPr indent="0" lvl="0" marL="0" rtl="0" algn="l">
+            <a:pPr marL="0" lvl="0" indent="0" algn="l" rtl="0">
               <a:spcBef>
                 <a:spcPts val="1600"/>
               </a:spcBef>
@@ -7419,7 +8338,7 @@
             <a:endParaRPr/>
           </a:p>
           <a:p>
-            <a:pPr indent="0" lvl="0" marL="0" rtl="0" algn="l">
+            <a:pPr marL="0" lvl="0" indent="0" algn="l" rtl="0">
               <a:spcBef>
                 <a:spcPts val="1600"/>
               </a:spcBef>
@@ -7444,7 +8363,7 @@
             <a:endParaRPr/>
           </a:p>
           <a:p>
-            <a:pPr indent="0" lvl="0" marL="0" rtl="0" algn="l">
+            <a:pPr marL="0" lvl="0" indent="0" algn="l" rtl="0">
               <a:spcBef>
                 <a:spcPts val="1600"/>
               </a:spcBef>
@@ -7460,7 +8379,7 @@
             <a:endParaRPr/>
           </a:p>
           <a:p>
-            <a:pPr indent="0" lvl="0" marL="0" rtl="0" algn="l">
+            <a:pPr marL="0" lvl="0" indent="0" algn="l" rtl="0">
               <a:spcBef>
                 <a:spcPts val="1600"/>
               </a:spcBef>
@@ -7469,9 +8388,6 @@
               </a:spcAft>
               <a:buNone/>
             </a:pPr>
-            <a:r>
-              <a:t/>
-            </a:r>
             <a:endParaRPr/>
           </a:p>
         </p:txBody>
@@ -7484,12 +8400,12 @@
 </p:sld>
 </file>
 
-<file path=ppt/slides/slide6.xml><?xml version="1.0" encoding="utf-8"?>
-<p:sld xmlns:a="http://schemas.openxmlformats.org/drawingml/2006/main" xmlns:r="http://schemas.openxmlformats.org/officeDocument/2006/relationships" xmlns:mc="http://schemas.openxmlformats.org/markup-compatibility/2006" xmlns:mv="urn:schemas-microsoft-com:mac:vml" xmlns:p="http://schemas.openxmlformats.org/presentationml/2006/main" xmlns:c="http://schemas.openxmlformats.org/drawingml/2006/chart" xmlns:dgm="http://schemas.openxmlformats.org/drawingml/2006/diagram" xmlns:o="urn:schemas-microsoft-com:office:office" xmlns:v="urn:schemas-microsoft-com:vml" xmlns:pvml="urn:schemas-microsoft-com:office:powerpoint" xmlns:com="http://schemas.openxmlformats.org/drawingml/2006/compatibility" xmlns:p14="http://schemas.microsoft.com/office/powerpoint/2010/main" xmlns:p15="http://schemas.microsoft.com/office/powerpoint/2012/main">
+<file path=ppt/slides/slide7.xml><?xml version="1.0" encoding="utf-8"?>
+<p:sld xmlns:a="http://schemas.openxmlformats.org/drawingml/2006/main" xmlns:r="http://schemas.openxmlformats.org/officeDocument/2006/relationships" xmlns:p="http://schemas.openxmlformats.org/presentationml/2006/main">
   <p:cSld>
     <p:spTree>
       <p:nvGrpSpPr>
-        <p:cNvPr id="88" name="Shape 88"/>
+        <p:cNvPr id="1" name="Shape 88"/>
         <p:cNvGrpSpPr/>
         <p:nvPr/>
       </p:nvGrpSpPr>
@@ -7504,7 +8420,9 @@
       <p:sp>
         <p:nvSpPr>
           <p:cNvPr id="89" name="Google Shape;89;p18"/>
-          <p:cNvSpPr txBox="1"/>
+          <p:cNvSpPr txBox="1">
+            <a:spLocks noGrp="1"/>
+          </p:cNvSpPr>
           <p:nvPr>
             <p:ph type="title"/>
           </p:nvPr>
@@ -7519,12 +8437,12 @@
           </a:prstGeom>
         </p:spPr>
         <p:txBody>
-          <a:bodyPr anchorCtr="0" anchor="t" bIns="91425" lIns="91425" spcFirstLastPara="1" rIns="91425" wrap="square" tIns="91425">
+          <a:bodyPr spcFirstLastPara="1" wrap="square" lIns="91425" tIns="91425" rIns="91425" bIns="91425" anchor="t" anchorCtr="0">
             <a:noAutofit/>
           </a:bodyPr>
           <a:lstStyle/>
           <a:p>
-            <a:pPr indent="0" lvl="0" marL="0" rtl="0" algn="l">
+            <a:pPr marL="0" lvl="0" indent="0" algn="l" rtl="0">
               <a:spcBef>
                 <a:spcPts val="0"/>
               </a:spcBef>
@@ -7544,9 +8462,11 @@
       <p:sp>
         <p:nvSpPr>
           <p:cNvPr id="90" name="Google Shape;90;p18"/>
-          <p:cNvSpPr txBox="1"/>
+          <p:cNvSpPr txBox="1">
+            <a:spLocks noGrp="1"/>
+          </p:cNvSpPr>
           <p:nvPr>
-            <p:ph idx="1" type="body"/>
+            <p:ph type="body" idx="1"/>
           </p:nvPr>
         </p:nvSpPr>
         <p:spPr>
@@ -7559,12 +8479,12 @@
           </a:prstGeom>
         </p:spPr>
         <p:txBody>
-          <a:bodyPr anchorCtr="0" anchor="t" bIns="91425" lIns="91425" spcFirstLastPara="1" rIns="91425" wrap="square" tIns="91425">
+          <a:bodyPr spcFirstLastPara="1" wrap="square" lIns="91425" tIns="91425" rIns="91425" bIns="91425" anchor="t" anchorCtr="0">
             <a:noAutofit/>
           </a:bodyPr>
           <a:lstStyle/>
           <a:p>
-            <a:pPr indent="0" lvl="0" marL="0" rtl="0" algn="l">
+            <a:pPr marL="0" lvl="0" indent="0" algn="l" rtl="0">
               <a:spcBef>
                 <a:spcPts val="0"/>
               </a:spcBef>
@@ -7580,7 +8500,7 @@
             <a:endParaRPr/>
           </a:p>
           <a:p>
-            <a:pPr indent="0" lvl="0" marL="0" rtl="0" algn="l">
+            <a:pPr marL="0" lvl="0" indent="0" algn="l" rtl="0">
               <a:spcBef>
                 <a:spcPts val="1600"/>
               </a:spcBef>
@@ -7596,7 +8516,7 @@
             <a:endParaRPr/>
           </a:p>
           <a:p>
-            <a:pPr indent="-342900" lvl="0" marL="457200" rtl="0" algn="l">
+            <a:pPr marL="457200" lvl="0" indent="-342900" algn="l" rtl="0">
               <a:spcBef>
                 <a:spcPts val="1600"/>
               </a:spcBef>
@@ -7621,7 +8541,7 @@
             <a:endParaRPr/>
           </a:p>
           <a:p>
-            <a:pPr indent="-317500" lvl="1" marL="914400" rtl="0" algn="l">
+            <a:pPr marL="914400" lvl="1" indent="-317500" algn="l" rtl="0">
               <a:spcBef>
                 <a:spcPts val="0"/>
               </a:spcBef>
@@ -7633,16 +8553,12 @@
             </a:pPr>
             <a:r>
               <a:rPr lang="en"/>
-              <a:t>Alter					-   </a:t>
-            </a:r>
-            <a:r>
-              <a:rPr lang="en"/>
-              <a:t>Disable Trigger				-   Enable Trigger</a:t>
+              <a:t>Alter					-   Disable Trigger				-   Enable Trigger</a:t>
             </a:r>
             <a:endParaRPr/>
           </a:p>
           <a:p>
-            <a:pPr indent="-317500" lvl="1" marL="914400" rtl="0" algn="l">
+            <a:pPr marL="914400" lvl="1" indent="-317500" algn="l" rtl="0">
               <a:spcBef>
                 <a:spcPts val="0"/>
               </a:spcBef>
@@ -7654,20 +8570,12 @@
             </a:pPr>
             <a:r>
               <a:rPr lang="en"/>
-              <a:t>Collations				-   </a:t>
-            </a:r>
-            <a:r>
-              <a:rPr lang="en"/>
-              <a:t>Create					-   Rename</a:t>
-            </a:r>
-            <a:r>
-              <a:rPr lang="en"/>
-              <a:t>				</a:t>
+              <a:t>Collations				-   Create					-   Rename				</a:t>
             </a:r>
             <a:endParaRPr/>
           </a:p>
           <a:p>
-            <a:pPr indent="-317500" lvl="1" marL="914400" rtl="0" algn="l">
+            <a:pPr marL="914400" lvl="1" indent="-317500" algn="l" rtl="0">
               <a:spcBef>
                 <a:spcPts val="0"/>
               </a:spcBef>
@@ -7679,20 +8587,12 @@
             </a:pPr>
             <a:r>
               <a:rPr lang="en"/>
-              <a:t>Drop</a:t>
-            </a:r>
-            <a:r>
-              <a:rPr lang="en"/>
-              <a:t>					-   </a:t>
-            </a:r>
-            <a:r>
-              <a:rPr lang="en"/>
-              <a:t>Update STATICS</a:t>
+              <a:t>Drop					-   Update STATICS</a:t>
             </a:r>
             <a:endParaRPr/>
           </a:p>
           <a:p>
-            <a:pPr indent="-342900" lvl="0" marL="457200" rtl="0" algn="l">
+            <a:pPr marL="457200" lvl="0" indent="-342900" algn="l" rtl="0">
               <a:spcBef>
                 <a:spcPts val="0"/>
               </a:spcBef>
@@ -7717,7 +8617,7 @@
             <a:endParaRPr/>
           </a:p>
           <a:p>
-            <a:pPr indent="-317500" lvl="1" marL="914400" rtl="0" algn="l">
+            <a:pPr marL="914400" lvl="1" indent="-317500" algn="l" rtl="0">
               <a:spcBef>
                 <a:spcPts val="0"/>
               </a:spcBef>
@@ -7734,7 +8634,7 @@
             <a:endParaRPr/>
           </a:p>
           <a:p>
-            <a:pPr indent="-317500" lvl="1" marL="914400" rtl="0" algn="l">
+            <a:pPr marL="914400" lvl="1" indent="-317500" algn="l" rtl="0">
               <a:spcBef>
                 <a:spcPts val="0"/>
               </a:spcBef>
@@ -7751,7 +8651,7 @@
             <a:endParaRPr/>
           </a:p>
           <a:p>
-            <a:pPr indent="0" lvl="0" marL="0" rtl="0" algn="l">
+            <a:pPr marL="0" lvl="0" indent="0" algn="l" rtl="0">
               <a:spcBef>
                 <a:spcPts val="1600"/>
               </a:spcBef>
@@ -7760,9 +8660,6 @@
               </a:spcAft>
               <a:buNone/>
             </a:pPr>
-            <a:r>
-              <a:t/>
-            </a:r>
             <a:endParaRPr/>
           </a:p>
         </p:txBody>
@@ -7787,12 +8684,12 @@
           </a:ln>
         </p:spPr>
         <p:txBody>
-          <a:bodyPr anchorCtr="0" anchor="t" bIns="91425" lIns="91425" spcFirstLastPara="1" rIns="91425" wrap="square" tIns="91425">
+          <a:bodyPr spcFirstLastPara="1" wrap="square" lIns="91425" tIns="91425" rIns="91425" bIns="91425" anchor="t" anchorCtr="0">
             <a:noAutofit/>
           </a:bodyPr>
           <a:lstStyle/>
           <a:p>
-            <a:pPr indent="0" lvl="0" marL="0" rtl="0" algn="l">
+            <a:pPr marL="0" lvl="0" indent="0" algn="l" rtl="0">
               <a:lnSpc>
                 <a:spcPct val="115000"/>
               </a:lnSpc>
@@ -7848,12 +8745,12 @@
           </a:ln>
         </p:spPr>
         <p:txBody>
-          <a:bodyPr anchorCtr="0" anchor="t" bIns="91425" lIns="91425" spcFirstLastPara="1" rIns="91425" wrap="square" tIns="91425">
+          <a:bodyPr spcFirstLastPara="1" wrap="square" lIns="91425" tIns="91425" rIns="91425" bIns="91425" anchor="t" anchorCtr="0">
             <a:noAutofit/>
           </a:bodyPr>
           <a:lstStyle/>
           <a:p>
-            <a:pPr indent="0" lvl="0" marL="0" rtl="0" algn="l">
+            <a:pPr marL="0" lvl="0" indent="0" algn="l" rtl="0">
               <a:spcBef>
                 <a:spcPts val="0"/>
               </a:spcBef>
@@ -7888,13 +8785,13 @@
   <p:timing>
     <p:tnLst>
       <p:par>
-        <p:cTn dur="indefinite" nodeType="tmRoot" restart="never">
+        <p:cTn id="1" dur="indefinite" restart="never" nodeType="tmRoot">
           <p:childTnLst>
             <p:seq concurrent="1" nextAc="seek">
-              <p:cTn dur="indefinite" id="2" nodeType="mainSeq">
+              <p:cTn id="2" dur="indefinite" nodeType="mainSeq">
                 <p:childTnLst>
                   <p:par>
-                    <p:cTn fill="hold">
+                    <p:cTn id="3" fill="hold">
                       <p:stCondLst>
                         <p:cond delay="indefinite"/>
                         <p:cond evt="onBegin" delay="0">
@@ -7903,20 +8800,20 @@
                       </p:stCondLst>
                       <p:childTnLst>
                         <p:par>
-                          <p:cTn fill="hold">
+                          <p:cTn id="4" fill="hold">
                             <p:stCondLst>
                               <p:cond delay="0"/>
                             </p:stCondLst>
                             <p:childTnLst>
                               <p:par>
-                                <p:cTn fill="hold" nodeType="afterEffect" presetClass="entr" presetID="10" presetSubtype="0">
+                                <p:cTn id="5" presetID="10" presetClass="entr" presetSubtype="0" fill="hold" nodeType="afterEffect">
                                   <p:stCondLst>
                                     <p:cond delay="0"/>
                                   </p:stCondLst>
                                   <p:childTnLst>
                                     <p:set>
                                       <p:cBhvr>
-                                        <p:cTn dur="1" fill="hold">
+                                        <p:cTn id="6" dur="1" fill="hold">
                                           <p:stCondLst>
                                             <p:cond delay="0"/>
                                           </p:stCondLst>
@@ -7932,9 +8829,9 @@
                                         <p:strVal val="visible"/>
                                       </p:to>
                                     </p:set>
-                                    <p:animEffect filter="fade" transition="in">
+                                    <p:animEffect transition="in" filter="fade">
                                       <p:cBhvr>
-                                        <p:cTn dur="3900"/>
+                                        <p:cTn id="7" dur="3900"/>
                                         <p:tgtEl>
                                           <p:spTgt spid="91"/>
                                         </p:tgtEl>
@@ -7952,14 +8849,14 @@
                 </p:childTnLst>
               </p:cTn>
               <p:prevCondLst>
-                <p:cond evt="onPrev">
+                <p:cond evt="onPrev" delay="0">
                   <p:tgtEl>
                     <p:sldTgt/>
                   </p:tgtEl>
                 </p:cond>
               </p:prevCondLst>
               <p:nextCondLst>
-                <p:cond evt="onNext">
+                <p:cond evt="onNext" delay="0">
                   <p:tgtEl>
                     <p:sldTgt/>
                   </p:tgtEl>
@@ -7974,12 +8871,12 @@
 </p:sld>
 </file>
 
-<file path=ppt/slides/slide7.xml><?xml version="1.0" encoding="utf-8"?>
-<p:sld xmlns:a="http://schemas.openxmlformats.org/drawingml/2006/main" xmlns:r="http://schemas.openxmlformats.org/officeDocument/2006/relationships" xmlns:mc="http://schemas.openxmlformats.org/markup-compatibility/2006" xmlns:mv="urn:schemas-microsoft-com:mac:vml" xmlns:p="http://schemas.openxmlformats.org/presentationml/2006/main" xmlns:c="http://schemas.openxmlformats.org/drawingml/2006/chart" xmlns:dgm="http://schemas.openxmlformats.org/drawingml/2006/diagram" xmlns:o="urn:schemas-microsoft-com:office:office" xmlns:v="urn:schemas-microsoft-com:vml" xmlns:pvml="urn:schemas-microsoft-com:office:powerpoint" xmlns:com="http://schemas.openxmlformats.org/drawingml/2006/compatibility" xmlns:p14="http://schemas.microsoft.com/office/powerpoint/2010/main" xmlns:p15="http://schemas.microsoft.com/office/powerpoint/2012/main">
+<file path=ppt/slides/slide8.xml><?xml version="1.0" encoding="utf-8"?>
+<p:sld xmlns:a="http://schemas.openxmlformats.org/drawingml/2006/main" xmlns:r="http://schemas.openxmlformats.org/officeDocument/2006/relationships" xmlns:p="http://schemas.openxmlformats.org/presentationml/2006/main">
   <p:cSld>
     <p:spTree>
       <p:nvGrpSpPr>
-        <p:cNvPr id="96" name="Shape 96"/>
+        <p:cNvPr id="1" name="Shape 96"/>
         <p:cNvGrpSpPr/>
         <p:nvPr/>
       </p:nvGrpSpPr>
@@ -7994,7 +8891,9 @@
       <p:sp>
         <p:nvSpPr>
           <p:cNvPr id="97" name="Google Shape;97;p19"/>
-          <p:cNvSpPr txBox="1"/>
+          <p:cNvSpPr txBox="1">
+            <a:spLocks noGrp="1"/>
+          </p:cNvSpPr>
           <p:nvPr>
             <p:ph type="title"/>
           </p:nvPr>
@@ -8009,12 +8908,12 @@
           </a:prstGeom>
         </p:spPr>
         <p:txBody>
-          <a:bodyPr anchorCtr="0" anchor="t" bIns="91425" lIns="91425" spcFirstLastPara="1" rIns="91425" wrap="square" tIns="91425">
+          <a:bodyPr spcFirstLastPara="1" wrap="square" lIns="91425" tIns="91425" rIns="91425" bIns="91425" anchor="t" anchorCtr="0">
             <a:noAutofit/>
           </a:bodyPr>
           <a:lstStyle/>
           <a:p>
-            <a:pPr indent="0" lvl="0" marL="0" rtl="0" algn="l">
+            <a:pPr marL="0" lvl="0" indent="0" algn="l" rtl="0">
               <a:spcBef>
                 <a:spcPts val="0"/>
               </a:spcBef>
@@ -8038,9 +8937,11 @@
       <p:sp>
         <p:nvSpPr>
           <p:cNvPr id="98" name="Google Shape;98;p19"/>
-          <p:cNvSpPr txBox="1"/>
+          <p:cNvSpPr txBox="1">
+            <a:spLocks noGrp="1"/>
+          </p:cNvSpPr>
           <p:nvPr>
-            <p:ph idx="1" type="body"/>
+            <p:ph type="body" idx="1"/>
           </p:nvPr>
         </p:nvSpPr>
         <p:spPr>
@@ -8053,12 +8954,12 @@
           </a:prstGeom>
         </p:spPr>
         <p:txBody>
-          <a:bodyPr anchorCtr="0" anchor="t" bIns="91425" lIns="91425" spcFirstLastPara="1" rIns="91425" wrap="square" tIns="91425">
+          <a:bodyPr spcFirstLastPara="1" wrap="square" lIns="91425" tIns="91425" rIns="91425" bIns="91425" anchor="t" anchorCtr="0">
             <a:noAutofit/>
           </a:bodyPr>
           <a:lstStyle/>
           <a:p>
-            <a:pPr indent="0" lvl="0" marL="0" rtl="0" algn="l">
+            <a:pPr marL="0" lvl="0" indent="0" algn="l" rtl="0">
               <a:spcBef>
                 <a:spcPts val="0"/>
               </a:spcBef>
@@ -8073,15 +8974,7 @@
                   <a:srgbClr val="8E7CC3"/>
                 </a:solidFill>
               </a:rPr>
-              <a:t>D</a:t>
-            </a:r>
-            <a:r>
-              <a:rPr lang="en">
-                <a:solidFill>
-                  <a:srgbClr val="8E7CC3"/>
-                </a:solidFill>
-              </a:rPr>
-              <a:t>DL </a:t>
+              <a:t>DDL </a:t>
             </a:r>
             <a:r>
               <a:rPr lang="en"/>
@@ -8090,7 +8983,7 @@
             <a:endParaRPr/>
           </a:p>
           <a:p>
-            <a:pPr indent="0" lvl="0" marL="0" rtl="0" algn="l">
+            <a:pPr marL="0" lvl="0" indent="0" algn="l" rtl="0">
               <a:spcBef>
                 <a:spcPts val="1600"/>
               </a:spcBef>
@@ -8114,7 +9007,7 @@
             <a:endParaRPr/>
           </a:p>
           <a:p>
-            <a:pPr indent="0" lvl="0" marL="0" rtl="0" algn="l">
+            <a:pPr marL="0" lvl="0" indent="0" algn="l" rtl="0">
               <a:spcBef>
                 <a:spcPts val="1600"/>
               </a:spcBef>
@@ -8138,7 +9031,7 @@
             <a:endParaRPr/>
           </a:p>
           <a:p>
-            <a:pPr indent="0" lvl="0" marL="0" rtl="0" algn="l">
+            <a:pPr marL="0" lvl="0" indent="0" algn="l" rtl="0">
               <a:spcBef>
                 <a:spcPts val="1600"/>
               </a:spcBef>
@@ -8162,7 +9055,7 @@
             <a:endParaRPr/>
           </a:p>
           <a:p>
-            <a:pPr indent="0" lvl="0" marL="0" rtl="0" algn="l">
+            <a:pPr marL="0" lvl="0" indent="0" algn="l" rtl="0">
               <a:spcBef>
                 <a:spcPts val="1600"/>
               </a:spcBef>
@@ -8186,7 +9079,7 @@
             <a:endParaRPr/>
           </a:p>
           <a:p>
-            <a:pPr indent="0" lvl="0" marL="0" rtl="0" algn="l">
+            <a:pPr marL="0" lvl="0" indent="0" algn="l" rtl="0">
               <a:spcBef>
                 <a:spcPts val="1600"/>
               </a:spcBef>
@@ -8195,9 +9088,6 @@
               </a:spcAft>
               <a:buNone/>
             </a:pPr>
-            <a:r>
-              <a:t/>
-            </a:r>
             <a:endParaRPr>
               <a:solidFill>
                 <a:srgbClr val="8E7CC3"/>
@@ -8205,7 +9095,7 @@
             </a:endParaRPr>
           </a:p>
           <a:p>
-            <a:pPr indent="0" lvl="0" marL="0" rtl="0" algn="l">
+            <a:pPr marL="0" lvl="0" indent="0" algn="l" rtl="0">
               <a:spcBef>
                 <a:spcPts val="1600"/>
               </a:spcBef>
@@ -8214,9 +9104,6 @@
               </a:spcAft>
               <a:buNone/>
             </a:pPr>
-            <a:r>
-              <a:t/>
-            </a:r>
             <a:endParaRPr/>
           </a:p>
         </p:txBody>
@@ -8229,12 +9116,12 @@
 </p:sld>
 </file>
 
-<file path=ppt/slides/slide8.xml><?xml version="1.0" encoding="utf-8"?>
-<p:sld xmlns:a="http://schemas.openxmlformats.org/drawingml/2006/main" xmlns:r="http://schemas.openxmlformats.org/officeDocument/2006/relationships" xmlns:mc="http://schemas.openxmlformats.org/markup-compatibility/2006" xmlns:mv="urn:schemas-microsoft-com:mac:vml" xmlns:p="http://schemas.openxmlformats.org/presentationml/2006/main" xmlns:c="http://schemas.openxmlformats.org/drawingml/2006/chart" xmlns:dgm="http://schemas.openxmlformats.org/drawingml/2006/diagram" xmlns:o="urn:schemas-microsoft-com:office:office" xmlns:v="urn:schemas-microsoft-com:vml" xmlns:pvml="urn:schemas-microsoft-com:office:powerpoint" xmlns:com="http://schemas.openxmlformats.org/drawingml/2006/compatibility" xmlns:p14="http://schemas.microsoft.com/office/powerpoint/2010/main" xmlns:p15="http://schemas.microsoft.com/office/powerpoint/2012/main">
+<file path=ppt/slides/slide9.xml><?xml version="1.0" encoding="utf-8"?>
+<p:sld xmlns:a="http://schemas.openxmlformats.org/drawingml/2006/main" xmlns:r="http://schemas.openxmlformats.org/officeDocument/2006/relationships" xmlns:p="http://schemas.openxmlformats.org/presentationml/2006/main">
   <p:cSld>
     <p:spTree>
       <p:nvGrpSpPr>
-        <p:cNvPr id="102" name="Shape 102"/>
+        <p:cNvPr id="1" name="Shape 102"/>
         <p:cNvGrpSpPr/>
         <p:nvPr/>
       </p:nvGrpSpPr>
@@ -8249,7 +9136,9 @@
       <p:sp>
         <p:nvSpPr>
           <p:cNvPr id="103" name="Google Shape;103;p20"/>
-          <p:cNvSpPr txBox="1"/>
+          <p:cNvSpPr txBox="1">
+            <a:spLocks noGrp="1"/>
+          </p:cNvSpPr>
           <p:nvPr>
             <p:ph type="title"/>
           </p:nvPr>
@@ -8264,12 +9153,12 @@
           </a:prstGeom>
         </p:spPr>
         <p:txBody>
-          <a:bodyPr anchorCtr="0" anchor="t" bIns="91425" lIns="91425" spcFirstLastPara="1" rIns="91425" wrap="square" tIns="91425">
+          <a:bodyPr spcFirstLastPara="1" wrap="square" lIns="91425" tIns="91425" rIns="91425" bIns="91425" anchor="t" anchorCtr="0">
             <a:noAutofit/>
           </a:bodyPr>
           <a:lstStyle/>
           <a:p>
-            <a:pPr indent="0" lvl="0" marL="0" rtl="0" algn="l">
+            <a:pPr marL="0" lvl="0" indent="0" algn="l" rtl="0">
               <a:spcBef>
                 <a:spcPts val="0"/>
               </a:spcBef>
@@ -8297,9 +9186,11 @@
       <p:sp>
         <p:nvSpPr>
           <p:cNvPr id="104" name="Google Shape;104;p20"/>
-          <p:cNvSpPr txBox="1"/>
+          <p:cNvSpPr txBox="1">
+            <a:spLocks noGrp="1"/>
+          </p:cNvSpPr>
           <p:nvPr>
-            <p:ph idx="1" type="body"/>
+            <p:ph type="body" idx="1"/>
           </p:nvPr>
         </p:nvSpPr>
         <p:spPr>
@@ -8312,12 +9203,12 @@
           </a:prstGeom>
         </p:spPr>
         <p:txBody>
-          <a:bodyPr anchorCtr="0" anchor="t" bIns="91425" lIns="91425" spcFirstLastPara="1" rIns="91425" wrap="square" tIns="91425">
+          <a:bodyPr spcFirstLastPara="1" wrap="square" lIns="91425" tIns="91425" rIns="91425" bIns="91425" anchor="t" anchorCtr="0">
             <a:noAutofit/>
           </a:bodyPr>
           <a:lstStyle/>
           <a:p>
-            <a:pPr indent="0" lvl="0" marL="0" rtl="0" algn="l">
+            <a:pPr marL="0" lvl="0" indent="0" algn="l" rtl="0">
               <a:spcBef>
                 <a:spcPts val="0"/>
               </a:spcBef>
@@ -8333,7 +9224,7 @@
             <a:endParaRPr/>
           </a:p>
           <a:p>
-            <a:pPr indent="0" lvl="0" marL="0" rtl="0" algn="l">
+            <a:pPr marL="0" lvl="0" indent="0" algn="l" rtl="0">
               <a:spcBef>
                 <a:spcPts val="1600"/>
               </a:spcBef>
@@ -8349,7 +9240,7 @@
             <a:endParaRPr/>
           </a:p>
           <a:p>
-            <a:pPr indent="0" lvl="0" marL="0" rtl="0" algn="l">
+            <a:pPr marL="0" lvl="0" indent="0" algn="l" rtl="0">
               <a:spcBef>
                 <a:spcPts val="1600"/>
               </a:spcBef>
@@ -8365,7 +9256,7 @@
             <a:endParaRPr/>
           </a:p>
           <a:p>
-            <a:pPr indent="0" lvl="0" marL="0" rtl="0" algn="l">
+            <a:pPr marL="0" lvl="0" indent="0" algn="l" rtl="0">
               <a:spcBef>
                 <a:spcPts val="1600"/>
               </a:spcBef>
@@ -8391,7 +9282,7 @@
 </file>
 
 <file path=ppt/theme/theme1.xml><?xml version="1.0" encoding="utf-8"?>
-<a:theme xmlns:a="http://schemas.openxmlformats.org/drawingml/2006/main" xmlns:r="http://schemas.openxmlformats.org/officeDocument/2006/relationships" name="Slate">
+<a:theme xmlns:a="http://schemas.openxmlformats.org/drawingml/2006/main" name="Slate">
   <a:themeElements>
     <a:clrScheme name="Slate">
       <a:dk1>
@@ -8666,11 +9557,13 @@
       </a:bgFillStyleLst>
     </a:fmtScheme>
   </a:themeElements>
+  <a:objectDefaults/>
+  <a:extraClrSchemeLst/>
 </a:theme>
 </file>
 
 <file path=ppt/theme/theme2.xml><?xml version="1.0" encoding="utf-8"?>
-<a:theme xmlns:a="http://schemas.openxmlformats.org/drawingml/2006/main" xmlns:r="http://schemas.openxmlformats.org/officeDocument/2006/relationships">
+<a:theme xmlns:a="http://schemas.openxmlformats.org/drawingml/2006/main">
   <a:themeElements>
     <a:clrScheme name="Default">
       <a:dk1>
@@ -8945,5 +9838,7 @@
       </a:bgFillStyleLst>
     </a:fmtScheme>
   </a:themeElements>
+  <a:objectDefaults/>
+  <a:extraClrSchemeLst/>
 </a:theme>
 </file>